--- a/JupyterIntro/Intro_to_Jupyter_Notebooks_part1.pptx
+++ b/JupyterIntro/Intro_to_Jupyter_Notebooks_part1.pptx
@@ -137,6 +137,10 @@
     </p:ext>
   </p:extLst>
 </p:presentation>
+</file>
+
+<file path=ppt/revisionInfo.xml><?xml version="1.0" encoding="utf-8"?>
+<p1510:revInfo xmlns:a="http://schemas.openxmlformats.org/drawingml/2006/main" xmlns:r="http://schemas.openxmlformats.org/officeDocument/2006/relationships" xmlns:p1510="http://schemas.microsoft.com/office/powerpoint/2015/10/main"/>
 </file>
 
 <file path=ppt/notesMasters/notesMaster1.xml><?xml version="1.0" encoding="utf-8"?>
@@ -6534,7 +6538,7 @@
         </p:blipFill>
         <p:spPr>
           <a:xfrm>
-            <a:off x="3731523" y="1040262"/>
+            <a:off x="3993990" y="1141265"/>
             <a:ext cx="4365563" cy="4729359"/>
           </a:xfrm>
           <a:prstGeom prst="rect">
@@ -6578,7 +6582,7 @@
         </p:nvSpPr>
         <p:spPr>
           <a:xfrm>
-            <a:off x="4280685" y="5769621"/>
+            <a:off x="216685" y="6115220"/>
             <a:ext cx="3267241" cy="523220"/>
           </a:xfrm>
           <a:prstGeom prst="rect">
@@ -6621,7 +6625,7 @@
         </p:blipFill>
         <p:spPr>
           <a:xfrm>
-            <a:off x="4027708" y="1820199"/>
+            <a:off x="4290175" y="1921202"/>
             <a:ext cx="3169485" cy="3169485"/>
           </a:xfrm>
           <a:prstGeom prst="rect">
@@ -6645,7 +6649,7 @@
         </p:nvSpPr>
         <p:spPr bwMode="auto">
           <a:xfrm>
-            <a:off x="5943600" y="3276600"/>
+            <a:off x="6206067" y="3377603"/>
             <a:ext cx="304800" cy="304800"/>
           </a:xfrm>
           <a:prstGeom prst="rect">
@@ -6671,6 +6675,43 @@
           <a:lstStyle/>
           <a:p>
             <a:endParaRPr lang="en-US"/>
+          </a:p>
+        </p:txBody>
+      </p:sp>
+      <p:sp>
+        <p:nvSpPr>
+          <p:cNvPr id="7" name="Rectangle 6">
+            <a:extLst>
+              <a:ext uri="{FF2B5EF4-FFF2-40B4-BE49-F238E27FC236}">
+                <a16:creationId xmlns:a16="http://schemas.microsoft.com/office/drawing/2014/main" id="{FA484680-C0A8-47D3-9C7D-A69F6F30E899}"/>
+              </a:ext>
+            </a:extLst>
+          </p:cNvPr>
+          <p:cNvSpPr/>
+          <p:nvPr/>
+        </p:nvSpPr>
+        <p:spPr>
+          <a:xfrm>
+            <a:off x="4961467" y="6192164"/>
+            <a:ext cx="7230533" cy="369332"/>
+          </a:xfrm>
+          <a:prstGeom prst="rect">
+            <a:avLst/>
+          </a:prstGeom>
+        </p:spPr>
+        <p:txBody>
+          <a:bodyPr wrap="square">
+            <a:spAutoFit/>
+          </a:bodyPr>
+          <a:lstStyle/>
+          <a:p>
+            <a:r>
+              <a:rPr lang="en-US" dirty="0">
+                <a:hlinkClick r:id="rId4"/>
+              </a:rPr>
+              <a:t>https://github.com/bcafferky/shared/tree/master/JupyterIntro</a:t>
+            </a:r>
+            <a:endParaRPr lang="en-US" dirty="0"/>
           </a:p>
         </p:txBody>
       </p:sp>
@@ -9591,6 +9632,43 @@
           </a:prstGeom>
         </p:spPr>
       </p:pic>
+      <p:sp>
+        <p:nvSpPr>
+          <p:cNvPr id="8" name="Rectangle 7">
+            <a:extLst>
+              <a:ext uri="{FF2B5EF4-FFF2-40B4-BE49-F238E27FC236}">
+                <a16:creationId xmlns:a16="http://schemas.microsoft.com/office/drawing/2014/main" id="{D79F1F65-D56D-4C0F-9C31-08ADA13A0A9B}"/>
+              </a:ext>
+            </a:extLst>
+          </p:cNvPr>
+          <p:cNvSpPr/>
+          <p:nvPr/>
+        </p:nvSpPr>
+        <p:spPr>
+          <a:xfrm>
+            <a:off x="2235200" y="6352502"/>
+            <a:ext cx="7230533" cy="369332"/>
+          </a:xfrm>
+          <a:prstGeom prst="rect">
+            <a:avLst/>
+          </a:prstGeom>
+        </p:spPr>
+        <p:txBody>
+          <a:bodyPr wrap="square">
+            <a:spAutoFit/>
+          </a:bodyPr>
+          <a:lstStyle/>
+          <a:p>
+            <a:r>
+              <a:rPr lang="en-US" dirty="0">
+                <a:hlinkClick r:id="rId5"/>
+              </a:rPr>
+              <a:t>https://github.com/bcafferky/shared/tree/master/JupyterIntro</a:t>
+            </a:r>
+            <a:endParaRPr lang="en-US" dirty="0"/>
+          </a:p>
+        </p:txBody>
+      </p:sp>
     </p:spTree>
     <p:extLst>
       <p:ext uri="{BB962C8B-B14F-4D97-AF65-F5344CB8AC3E}">

--- a/JupyterIntro/Intro_to_Jupyter_Notebooks_part1.pptx
+++ b/JupyterIntro/Intro_to_Jupyter_Notebooks_part1.pptx
@@ -5,34 +5,36 @@
     <p:sldMasterId id="2147483648" r:id="rId1"/>
   </p:sldMasterIdLst>
   <p:notesMasterIdLst>
-    <p:notesMasterId r:id="rId27"/>
+    <p:notesMasterId r:id="rId29"/>
   </p:notesMasterIdLst>
   <p:sldIdLst>
     <p:sldId id="256" r:id="rId2"/>
-    <p:sldId id="315" r:id="rId3"/>
-    <p:sldId id="349" r:id="rId4"/>
-    <p:sldId id="351" r:id="rId5"/>
-    <p:sldId id="352" r:id="rId6"/>
-    <p:sldId id="322" r:id="rId7"/>
-    <p:sldId id="343" r:id="rId8"/>
-    <p:sldId id="344" r:id="rId9"/>
-    <p:sldId id="325" r:id="rId10"/>
-    <p:sldId id="262" r:id="rId11"/>
-    <p:sldId id="329" r:id="rId12"/>
-    <p:sldId id="271" r:id="rId13"/>
-    <p:sldId id="334" r:id="rId14"/>
-    <p:sldId id="335" r:id="rId15"/>
-    <p:sldId id="336" r:id="rId16"/>
-    <p:sldId id="327" r:id="rId17"/>
-    <p:sldId id="341" r:id="rId18"/>
-    <p:sldId id="331" r:id="rId19"/>
-    <p:sldId id="320" r:id="rId20"/>
-    <p:sldId id="339" r:id="rId21"/>
-    <p:sldId id="332" r:id="rId22"/>
-    <p:sldId id="345" r:id="rId23"/>
-    <p:sldId id="346" r:id="rId24"/>
-    <p:sldId id="348" r:id="rId25"/>
-    <p:sldId id="359" r:id="rId26"/>
+    <p:sldId id="361" r:id="rId3"/>
+    <p:sldId id="315" r:id="rId4"/>
+    <p:sldId id="349" r:id="rId5"/>
+    <p:sldId id="351" r:id="rId6"/>
+    <p:sldId id="352" r:id="rId7"/>
+    <p:sldId id="322" r:id="rId8"/>
+    <p:sldId id="343" r:id="rId9"/>
+    <p:sldId id="344" r:id="rId10"/>
+    <p:sldId id="325" r:id="rId11"/>
+    <p:sldId id="262" r:id="rId12"/>
+    <p:sldId id="329" r:id="rId13"/>
+    <p:sldId id="271" r:id="rId14"/>
+    <p:sldId id="334" r:id="rId15"/>
+    <p:sldId id="335" r:id="rId16"/>
+    <p:sldId id="336" r:id="rId17"/>
+    <p:sldId id="327" r:id="rId18"/>
+    <p:sldId id="341" r:id="rId19"/>
+    <p:sldId id="331" r:id="rId20"/>
+    <p:sldId id="320" r:id="rId21"/>
+    <p:sldId id="339" r:id="rId22"/>
+    <p:sldId id="332" r:id="rId23"/>
+    <p:sldId id="345" r:id="rId24"/>
+    <p:sldId id="346" r:id="rId25"/>
+    <p:sldId id="348" r:id="rId26"/>
+    <p:sldId id="360" r:id="rId27"/>
+    <p:sldId id="359" r:id="rId28"/>
   </p:sldIdLst>
   <p:sldSz cx="12192000" cy="6858000"/>
   <p:notesSz cx="6858000" cy="9144000"/>
@@ -490,6 +492,258 @@
     </a:lvl9pPr>
   </p:notesStyle>
 </p:notesMaster>
+</file>
+
+<file path=ppt/notesSlides/notesSlide1.xml><?xml version="1.0" encoding="utf-8"?>
+<p:notes xmlns:a="http://schemas.openxmlformats.org/drawingml/2006/main" xmlns:r="http://schemas.openxmlformats.org/officeDocument/2006/relationships" xmlns:p="http://schemas.openxmlformats.org/presentationml/2006/main">
+  <p:cSld>
+    <p:spTree>
+      <p:nvGrpSpPr>
+        <p:cNvPr id="1" name=""/>
+        <p:cNvGrpSpPr/>
+        <p:nvPr/>
+      </p:nvGrpSpPr>
+      <p:grpSpPr>
+        <a:xfrm>
+          <a:off x="0" y="0"/>
+          <a:ext cx="0" cy="0"/>
+          <a:chOff x="0" y="0"/>
+          <a:chExt cx="0" cy="0"/>
+        </a:xfrm>
+      </p:grpSpPr>
+      <p:sp>
+        <p:nvSpPr>
+          <p:cNvPr id="2" name="Slide Image Placeholder 1"/>
+          <p:cNvSpPr>
+            <a:spLocks noGrp="1" noRot="1" noChangeAspect="1"/>
+          </p:cNvSpPr>
+          <p:nvPr>
+            <p:ph type="sldImg"/>
+          </p:nvPr>
+        </p:nvSpPr>
+        <p:spPr/>
+      </p:sp>
+      <p:sp>
+        <p:nvSpPr>
+          <p:cNvPr id="3" name="Notes Placeholder 2"/>
+          <p:cNvSpPr>
+            <a:spLocks noGrp="1"/>
+          </p:cNvSpPr>
+          <p:nvPr>
+            <p:ph type="body" idx="1"/>
+          </p:nvPr>
+        </p:nvSpPr>
+        <p:spPr/>
+        <p:txBody>
+          <a:bodyPr/>
+          <a:lstStyle/>
+          <a:p>
+            <a:endParaRPr lang="en-US"/>
+          </a:p>
+        </p:txBody>
+      </p:sp>
+      <p:sp>
+        <p:nvSpPr>
+          <p:cNvPr id="4" name="Slide Number Placeholder 3"/>
+          <p:cNvSpPr>
+            <a:spLocks noGrp="1"/>
+          </p:cNvSpPr>
+          <p:nvPr>
+            <p:ph type="sldNum" sz="quarter" idx="10"/>
+          </p:nvPr>
+        </p:nvSpPr>
+        <p:spPr/>
+        <p:txBody>
+          <a:bodyPr/>
+          <a:lstStyle/>
+          <a:p>
+            <a:fld id="{600C326C-BDF5-4DC4-A0B7-1C06E6B07CD0}" type="slidenum">
+              <a:rPr lang="en-US" smtClean="0"/>
+              <a:t>1</a:t>
+            </a:fld>
+            <a:endParaRPr lang="en-US"/>
+          </a:p>
+        </p:txBody>
+      </p:sp>
+    </p:spTree>
+    <p:extLst>
+      <p:ext uri="{BB962C8B-B14F-4D97-AF65-F5344CB8AC3E}">
+        <p14:creationId xmlns:p14="http://schemas.microsoft.com/office/powerpoint/2010/main" val="2317777546"/>
+      </p:ext>
+    </p:extLst>
+  </p:cSld>
+  <p:clrMapOvr>
+    <a:masterClrMapping/>
+  </p:clrMapOvr>
+</p:notes>
+</file>
+
+<file path=ppt/notesSlides/notesSlide2.xml><?xml version="1.0" encoding="utf-8"?>
+<p:notes xmlns:a="http://schemas.openxmlformats.org/drawingml/2006/main" xmlns:r="http://schemas.openxmlformats.org/officeDocument/2006/relationships" xmlns:p="http://schemas.openxmlformats.org/presentationml/2006/main">
+  <p:cSld>
+    <p:spTree>
+      <p:nvGrpSpPr>
+        <p:cNvPr id="1" name=""/>
+        <p:cNvGrpSpPr/>
+        <p:nvPr/>
+      </p:nvGrpSpPr>
+      <p:grpSpPr>
+        <a:xfrm>
+          <a:off x="0" y="0"/>
+          <a:ext cx="0" cy="0"/>
+          <a:chOff x="0" y="0"/>
+          <a:chExt cx="0" cy="0"/>
+        </a:xfrm>
+      </p:grpSpPr>
+      <p:sp>
+        <p:nvSpPr>
+          <p:cNvPr id="2" name="Slide Image Placeholder 1"/>
+          <p:cNvSpPr>
+            <a:spLocks noGrp="1" noRot="1" noChangeAspect="1"/>
+          </p:cNvSpPr>
+          <p:nvPr>
+            <p:ph type="sldImg"/>
+          </p:nvPr>
+        </p:nvSpPr>
+        <p:spPr/>
+      </p:sp>
+      <p:sp>
+        <p:nvSpPr>
+          <p:cNvPr id="3" name="Notes Placeholder 2"/>
+          <p:cNvSpPr>
+            <a:spLocks noGrp="1"/>
+          </p:cNvSpPr>
+          <p:nvPr>
+            <p:ph type="body" idx="1"/>
+          </p:nvPr>
+        </p:nvSpPr>
+        <p:spPr/>
+        <p:txBody>
+          <a:bodyPr/>
+          <a:lstStyle/>
+          <a:p>
+            <a:endParaRPr lang="en-US"/>
+          </a:p>
+        </p:txBody>
+      </p:sp>
+      <p:sp>
+        <p:nvSpPr>
+          <p:cNvPr id="4" name="Slide Number Placeholder 3"/>
+          <p:cNvSpPr>
+            <a:spLocks noGrp="1"/>
+          </p:cNvSpPr>
+          <p:nvPr>
+            <p:ph type="sldNum" sz="quarter" idx="10"/>
+          </p:nvPr>
+        </p:nvSpPr>
+        <p:spPr/>
+        <p:txBody>
+          <a:bodyPr/>
+          <a:lstStyle/>
+          <a:p>
+            <a:fld id="{600C326C-BDF5-4DC4-A0B7-1C06E6B07CD0}" type="slidenum">
+              <a:rPr lang="en-US" smtClean="0"/>
+              <a:t>2</a:t>
+            </a:fld>
+            <a:endParaRPr lang="en-US"/>
+          </a:p>
+        </p:txBody>
+      </p:sp>
+    </p:spTree>
+    <p:extLst>
+      <p:ext uri="{BB962C8B-B14F-4D97-AF65-F5344CB8AC3E}">
+        <p14:creationId xmlns:p14="http://schemas.microsoft.com/office/powerpoint/2010/main" val="668287709"/>
+      </p:ext>
+    </p:extLst>
+  </p:cSld>
+  <p:clrMapOvr>
+    <a:masterClrMapping/>
+  </p:clrMapOvr>
+</p:notes>
+</file>
+
+<file path=ppt/notesSlides/notesSlide3.xml><?xml version="1.0" encoding="utf-8"?>
+<p:notes xmlns:a="http://schemas.openxmlformats.org/drawingml/2006/main" xmlns:r="http://schemas.openxmlformats.org/officeDocument/2006/relationships" xmlns:p="http://schemas.openxmlformats.org/presentationml/2006/main">
+  <p:cSld>
+    <p:spTree>
+      <p:nvGrpSpPr>
+        <p:cNvPr id="1" name=""/>
+        <p:cNvGrpSpPr/>
+        <p:nvPr/>
+      </p:nvGrpSpPr>
+      <p:grpSpPr>
+        <a:xfrm>
+          <a:off x="0" y="0"/>
+          <a:ext cx="0" cy="0"/>
+          <a:chOff x="0" y="0"/>
+          <a:chExt cx="0" cy="0"/>
+        </a:xfrm>
+      </p:grpSpPr>
+      <p:sp>
+        <p:nvSpPr>
+          <p:cNvPr id="2" name="Slide Image Placeholder 1"/>
+          <p:cNvSpPr>
+            <a:spLocks noGrp="1" noRot="1" noChangeAspect="1"/>
+          </p:cNvSpPr>
+          <p:nvPr>
+            <p:ph type="sldImg"/>
+          </p:nvPr>
+        </p:nvSpPr>
+        <p:spPr/>
+      </p:sp>
+      <p:sp>
+        <p:nvSpPr>
+          <p:cNvPr id="3" name="Notes Placeholder 2"/>
+          <p:cNvSpPr>
+            <a:spLocks noGrp="1"/>
+          </p:cNvSpPr>
+          <p:nvPr>
+            <p:ph type="body" idx="1"/>
+          </p:nvPr>
+        </p:nvSpPr>
+        <p:spPr/>
+        <p:txBody>
+          <a:bodyPr/>
+          <a:lstStyle/>
+          <a:p>
+            <a:endParaRPr lang="en-US"/>
+          </a:p>
+        </p:txBody>
+      </p:sp>
+      <p:sp>
+        <p:nvSpPr>
+          <p:cNvPr id="4" name="Slide Number Placeholder 3"/>
+          <p:cNvSpPr>
+            <a:spLocks noGrp="1"/>
+          </p:cNvSpPr>
+          <p:nvPr>
+            <p:ph type="sldNum" sz="quarter" idx="10"/>
+          </p:nvPr>
+        </p:nvSpPr>
+        <p:spPr/>
+        <p:txBody>
+          <a:bodyPr/>
+          <a:lstStyle/>
+          <a:p>
+            <a:fld id="{600C326C-BDF5-4DC4-A0B7-1C06E6B07CD0}" type="slidenum">
+              <a:rPr lang="en-US" smtClean="0"/>
+              <a:t>3</a:t>
+            </a:fld>
+            <a:endParaRPr lang="en-US"/>
+          </a:p>
+        </p:txBody>
+      </p:sp>
+    </p:spTree>
+    <p:extLst>
+      <p:ext uri="{BB962C8B-B14F-4D97-AF65-F5344CB8AC3E}">
+        <p14:creationId xmlns:p14="http://schemas.microsoft.com/office/powerpoint/2010/main" val="435066779"/>
+      </p:ext>
+    </p:extLst>
+  </p:cSld>
+  <p:clrMapOvr>
+    <a:masterClrMapping/>
+  </p:clrMapOvr>
+</p:notes>
 </file>
 
 <file path=ppt/slideLayouts/slideLayout1.xml><?xml version="1.0" encoding="utf-8"?>
@@ -6531,7 +6785,7 @@
           <p:nvPr/>
         </p:nvPicPr>
         <p:blipFill>
-          <a:blip r:embed="rId2"/>
+          <a:blip r:embed="rId3"/>
           <a:stretch>
             <a:fillRect/>
           </a:stretch>
@@ -6558,8 +6812,8 @@
         </p:nvSpPr>
         <p:spPr>
           <a:xfrm>
-            <a:off x="0" y="183518"/>
-            <a:ext cx="12192000" cy="636207"/>
+            <a:off x="8122039" y="2078169"/>
+            <a:ext cx="3742267" cy="636207"/>
           </a:xfrm>
         </p:spPr>
         <p:txBody>
@@ -6568,8 +6822,30 @@
           <a:p>
             <a:pPr algn="ctr"/>
             <a:r>
-              <a:rPr lang="en-US" sz="3600" dirty="0"/>
-              <a:t>An Introduction to Jupyter Notebooks</a:t>
+              <a:rPr lang="en-US" sz="4000" dirty="0">
+                <a:solidFill>
+                  <a:srgbClr val="FFFF00"/>
+                </a:solidFill>
+                <a:latin typeface="Gill Sans Ultra Bold" panose="020B0A02020104020203" pitchFamily="34" charset="0"/>
+              </a:rPr>
+              <a:t>Jupyter </a:t>
+            </a:r>
+            <a:br>
+              <a:rPr lang="en-US" sz="4000" dirty="0">
+                <a:solidFill>
+                  <a:srgbClr val="FFFF00"/>
+                </a:solidFill>
+                <a:latin typeface="Gill Sans Ultra Bold" panose="020B0A02020104020203" pitchFamily="34" charset="0"/>
+              </a:rPr>
+            </a:br>
+            <a:r>
+              <a:rPr lang="en-US" sz="4000" dirty="0">
+                <a:solidFill>
+                  <a:srgbClr val="FFFF00"/>
+                </a:solidFill>
+                <a:latin typeface="Gill Sans Ultra Bold" panose="020B0A02020104020203" pitchFamily="34" charset="0"/>
+              </a:rPr>
+              <a:t>Notebooks</a:t>
             </a:r>
           </a:p>
         </p:txBody>
@@ -6582,7 +6858,7 @@
         </p:nvSpPr>
         <p:spPr>
           <a:xfrm>
-            <a:off x="216685" y="6115220"/>
+            <a:off x="8359553" y="6039020"/>
             <a:ext cx="3267241" cy="523220"/>
           </a:xfrm>
           <a:prstGeom prst="rect">
@@ -6612,7 +6888,7 @@
           <p:nvPr/>
         </p:nvPicPr>
         <p:blipFill>
-          <a:blip r:embed="rId3">
+          <a:blip r:embed="rId4">
             <a:extLst>
               <a:ext uri="{28A0092B-C50C-407E-A947-70E740481C1C}">
                 <a14:useLocalDpi xmlns:a14="http://schemas.microsoft.com/office/drawing/2010/main" val="0"/>
@@ -6678,43 +6954,42 @@
           </a:p>
         </p:txBody>
       </p:sp>
-      <p:sp>
-        <p:nvSpPr>
-          <p:cNvPr id="7" name="Rectangle 6">
+      <p:pic>
+        <p:nvPicPr>
+          <p:cNvPr id="8" name="Picture 7">
             <a:extLst>
               <a:ext uri="{FF2B5EF4-FFF2-40B4-BE49-F238E27FC236}">
-                <a16:creationId xmlns:a16="http://schemas.microsoft.com/office/drawing/2014/main" id="{FA484680-C0A8-47D3-9C7D-A69F6F30E899}"/>
+                <a16:creationId xmlns:a16="http://schemas.microsoft.com/office/drawing/2014/main" id="{DD45B197-CE69-4A4B-8DFB-E42E3A4BF19B}"/>
               </a:ext>
             </a:extLst>
           </p:cNvPr>
-          <p:cNvSpPr/>
+          <p:cNvPicPr>
+            <a:picLocks noChangeAspect="1"/>
+          </p:cNvPicPr>
           <p:nvPr/>
-        </p:nvSpPr>
-        <p:spPr>
-          <a:xfrm>
-            <a:off x="4961467" y="6192164"/>
-            <a:ext cx="7230533" cy="369332"/>
+        </p:nvPicPr>
+        <p:blipFill>
+          <a:blip r:embed="rId5">
+            <a:extLst>
+              <a:ext uri="{28A0092B-C50C-407E-A947-70E740481C1C}">
+                <a14:useLocalDpi xmlns:a14="http://schemas.microsoft.com/office/drawing/2010/main" val="0"/>
+              </a:ext>
+            </a:extLst>
+          </a:blip>
+          <a:stretch>
+            <a:fillRect/>
+          </a:stretch>
+        </p:blipFill>
+        <p:spPr>
+          <a:xfrm>
+            <a:off x="9050868" y="3967973"/>
+            <a:ext cx="2095458" cy="1808580"/>
           </a:xfrm>
           <a:prstGeom prst="rect">
             <a:avLst/>
           </a:prstGeom>
         </p:spPr>
-        <p:txBody>
-          <a:bodyPr wrap="square">
-            <a:spAutoFit/>
-          </a:bodyPr>
-          <a:lstStyle/>
-          <a:p>
-            <a:r>
-              <a:rPr lang="en-US" dirty="0">
-                <a:hlinkClick r:id="rId4"/>
-              </a:rPr>
-              <a:t>https://github.com/bcafferky/shared/tree/master/JupyterIntro</a:t>
-            </a:r>
-            <a:endParaRPr lang="en-US" dirty="0"/>
-          </a:p>
-        </p:txBody>
-      </p:sp>
+      </p:pic>
     </p:spTree>
     <p:extLst>
       <p:ext uri="{BB962C8B-B14F-4D97-AF65-F5344CB8AC3E}">
@@ -6757,8 +7032,8 @@
         </p:nvSpPr>
         <p:spPr>
           <a:xfrm>
-            <a:off x="105011" y="203137"/>
-            <a:ext cx="8825658" cy="599112"/>
+            <a:off x="0" y="0"/>
+            <a:ext cx="8825658" cy="776392"/>
           </a:xfrm>
         </p:spPr>
         <p:txBody>
@@ -6766,75 +7041,217 @@
           <a:lstStyle/>
           <a:p>
             <a:r>
-              <a:rPr lang="en-US" sz="4000" dirty="0"/>
-              <a:t>Starting Jupyter Notebook</a:t>
-            </a:r>
-          </a:p>
-        </p:txBody>
-      </p:sp>
-      <p:sp>
-        <p:nvSpPr>
-          <p:cNvPr id="5" name="TextBox 4"/>
-          <p:cNvSpPr txBox="1"/>
-          <p:nvPr/>
-        </p:nvSpPr>
-        <p:spPr>
-          <a:xfrm>
-            <a:off x="1073790" y="1778466"/>
-            <a:ext cx="184731" cy="646331"/>
-          </a:xfrm>
-          <a:prstGeom prst="rect">
-            <a:avLst/>
-          </a:prstGeom>
-          <a:noFill/>
-        </p:spPr>
-        <p:txBody>
-          <a:bodyPr wrap="none" rtlCol="0">
-            <a:spAutoFit/>
-          </a:bodyPr>
-          <a:lstStyle/>
-          <a:p>
-            <a:endParaRPr lang="en-US" dirty="0"/>
-          </a:p>
-          <a:p>
-            <a:endParaRPr lang="en-US" dirty="0"/>
+              <a:rPr lang="en-US" sz="4400" dirty="0"/>
+              <a:t>What is Jupyter Notebook?</a:t>
+            </a:r>
           </a:p>
         </p:txBody>
       </p:sp>
       <p:pic>
         <p:nvPicPr>
-          <p:cNvPr id="4" name="Picture 3"/>
+          <p:cNvPr id="1026" name="Picture 2" descr="Image result for jupyter notebook r"/>
           <p:cNvPicPr>
-            <a:picLocks noChangeAspect="1"/>
+            <a:picLocks noChangeAspect="1" noChangeArrowheads="1"/>
           </p:cNvPicPr>
           <p:nvPr/>
         </p:nvPicPr>
         <p:blipFill>
-          <a:blip r:embed="rId2"/>
+          <a:blip r:embed="rId2">
+            <a:extLst>
+              <a:ext uri="{28A0092B-C50C-407E-A947-70E740481C1C}">
+                <a14:useLocalDpi xmlns:a14="http://schemas.microsoft.com/office/drawing/2010/main" val="0"/>
+              </a:ext>
+            </a:extLst>
+          </a:blip>
+          <a:srcRect/>
           <a:stretch>
             <a:fillRect/>
           </a:stretch>
         </p:blipFill>
-        <p:spPr>
-          <a:xfrm>
-            <a:off x="854047" y="1807138"/>
-            <a:ext cx="2156018" cy="4820239"/>
+        <p:spPr bwMode="auto">
+          <a:xfrm>
+            <a:off x="1385565" y="1092409"/>
+            <a:ext cx="7571823" cy="5676579"/>
           </a:xfrm>
           <a:prstGeom prst="rect">
             <a:avLst/>
           </a:prstGeom>
+          <a:noFill/>
+          <a:extLst>
+            <a:ext uri="{909E8E84-426E-40DD-AFC4-6F175D3DCCD1}">
+              <a14:hiddenFill xmlns:a14="http://schemas.microsoft.com/office/drawing/2010/main">
+                <a:solidFill>
+                  <a:srgbClr val="FFFFFF"/>
+                </a:solidFill>
+              </a14:hiddenFill>
+            </a:ext>
+          </a:extLst>
         </p:spPr>
       </p:pic>
       <p:sp>
         <p:nvSpPr>
-          <p:cNvPr id="7" name="TextBox 6"/>
+          <p:cNvPr id="3" name="Line Callout 1 2"/>
+          <p:cNvSpPr/>
+          <p:nvPr/>
+        </p:nvSpPr>
+        <p:spPr>
+          <a:xfrm>
+            <a:off x="9297749" y="1699328"/>
+            <a:ext cx="1917812" cy="598810"/>
+          </a:xfrm>
+          <a:prstGeom prst="borderCallout1">
+            <a:avLst>
+              <a:gd name="adj1" fmla="val 18750"/>
+              <a:gd name="adj2" fmla="val -8333"/>
+              <a:gd name="adj3" fmla="val 54392"/>
+              <a:gd name="adj4" fmla="val -37489"/>
+            </a:avLst>
+          </a:prstGeom>
+          <a:solidFill>
+            <a:srgbClr val="C00000"/>
+          </a:solidFill>
+        </p:spPr>
+        <p:style>
+          <a:lnRef idx="2">
+            <a:schemeClr val="accent1">
+              <a:shade val="50000"/>
+            </a:schemeClr>
+          </a:lnRef>
+          <a:fillRef idx="1">
+            <a:schemeClr val="accent1"/>
+          </a:fillRef>
+          <a:effectRef idx="0">
+            <a:schemeClr val="accent1"/>
+          </a:effectRef>
+          <a:fontRef idx="minor">
+            <a:schemeClr val="lt1"/>
+          </a:fontRef>
+        </p:style>
+        <p:txBody>
+          <a:bodyPr rtlCol="0" anchor="ctr"/>
+          <a:lstStyle/>
+          <a:p>
+            <a:r>
+              <a:rPr lang="en-US" sz="1400" dirty="0"/>
+              <a:t>Command Prompt called a cell</a:t>
+            </a:r>
+          </a:p>
+        </p:txBody>
+      </p:sp>
+      <p:sp>
+        <p:nvSpPr>
+          <p:cNvPr id="6" name="Line Callout 1 5"/>
+          <p:cNvSpPr/>
+          <p:nvPr/>
+        </p:nvSpPr>
+        <p:spPr>
+          <a:xfrm>
+            <a:off x="6512741" y="3915198"/>
+            <a:ext cx="1917812" cy="598810"/>
+          </a:xfrm>
+          <a:prstGeom prst="borderCallout1">
+            <a:avLst>
+              <a:gd name="adj1" fmla="val 18750"/>
+              <a:gd name="adj2" fmla="val -8333"/>
+              <a:gd name="adj3" fmla="val 54392"/>
+              <a:gd name="adj4" fmla="val -37489"/>
+            </a:avLst>
+          </a:prstGeom>
+          <a:solidFill>
+            <a:srgbClr val="C00000"/>
+          </a:solidFill>
+        </p:spPr>
+        <p:style>
+          <a:lnRef idx="2">
+            <a:schemeClr val="accent1">
+              <a:shade val="50000"/>
+            </a:schemeClr>
+          </a:lnRef>
+          <a:fillRef idx="1">
+            <a:schemeClr val="accent1"/>
+          </a:fillRef>
+          <a:effectRef idx="0">
+            <a:schemeClr val="accent1"/>
+          </a:effectRef>
+          <a:fontRef idx="minor">
+            <a:schemeClr val="lt1"/>
+          </a:fontRef>
+        </p:style>
+        <p:txBody>
+          <a:bodyPr rtlCol="0" anchor="ctr"/>
+          <a:lstStyle/>
+          <a:p>
+            <a:r>
+              <a:rPr lang="en-US" sz="1400" dirty="0"/>
+              <a:t>Rich visualizations rendered inline.</a:t>
+            </a:r>
+          </a:p>
+        </p:txBody>
+      </p:sp>
+      <p:sp>
+        <p:nvSpPr>
+          <p:cNvPr id="7" name="Line Callout 1 6"/>
+          <p:cNvSpPr/>
+          <p:nvPr/>
+        </p:nvSpPr>
+        <p:spPr>
+          <a:xfrm>
+            <a:off x="5479582" y="886137"/>
+            <a:ext cx="1917812" cy="598810"/>
+          </a:xfrm>
+          <a:prstGeom prst="borderCallout1">
+            <a:avLst>
+              <a:gd name="adj1" fmla="val 18750"/>
+              <a:gd name="adj2" fmla="val -8333"/>
+              <a:gd name="adj3" fmla="val 131127"/>
+              <a:gd name="adj4" fmla="val -127037"/>
+            </a:avLst>
+          </a:prstGeom>
+          <a:solidFill>
+            <a:srgbClr val="C00000"/>
+          </a:solidFill>
+        </p:spPr>
+        <p:style>
+          <a:lnRef idx="2">
+            <a:schemeClr val="accent1">
+              <a:shade val="50000"/>
+            </a:schemeClr>
+          </a:lnRef>
+          <a:fillRef idx="1">
+            <a:schemeClr val="accent1"/>
+          </a:fillRef>
+          <a:effectRef idx="0">
+            <a:schemeClr val="accent1"/>
+          </a:effectRef>
+          <a:fontRef idx="minor">
+            <a:schemeClr val="lt1"/>
+          </a:fontRef>
+        </p:style>
+        <p:txBody>
+          <a:bodyPr rtlCol="0" anchor="ctr"/>
+          <a:lstStyle/>
+          <a:p>
+            <a:r>
+              <a:rPr lang="en-US" sz="1400" dirty="0">
+                <a:solidFill>
+                  <a:schemeClr val="tx1"/>
+                </a:solidFill>
+              </a:rPr>
+              <a:t>Execute the cell</a:t>
+            </a:r>
+          </a:p>
+        </p:txBody>
+      </p:sp>
+      <p:sp>
+        <p:nvSpPr>
+          <p:cNvPr id="5" name="TextBox 4"/>
           <p:cNvSpPr txBox="1"/>
           <p:nvPr/>
         </p:nvSpPr>
         <p:spPr>
           <a:xfrm>
-            <a:off x="736376" y="1213805"/>
-            <a:ext cx="2973891" cy="369332"/>
+            <a:off x="9155164" y="3565093"/>
+            <a:ext cx="2784910" cy="2339102"/>
           </a:xfrm>
           <a:prstGeom prst="rect">
             <a:avLst/>
@@ -6842,87 +7259,54 @@
           <a:noFill/>
         </p:spPr>
         <p:txBody>
-          <a:bodyPr wrap="none" rtlCol="0">
+          <a:bodyPr wrap="square" rtlCol="0">
             <a:spAutoFit/>
           </a:bodyPr>
           <a:lstStyle/>
           <a:p>
-            <a:r>
-              <a:rPr lang="en-US" dirty="0"/>
-              <a:t>Start the command shell.</a:t>
-            </a:r>
-          </a:p>
-        </p:txBody>
-      </p:sp>
-      <p:sp>
-        <p:nvSpPr>
-          <p:cNvPr id="3" name="TextBox 2">
-            <a:extLst>
-              <a:ext uri="{FF2B5EF4-FFF2-40B4-BE49-F238E27FC236}">
-                <a16:creationId xmlns:a16="http://schemas.microsoft.com/office/drawing/2014/main" id="{22FFE8A9-A47E-46FA-BD41-EF8C35EDB289}"/>
-              </a:ext>
-            </a:extLst>
-          </p:cNvPr>
-          <p:cNvSpPr txBox="1"/>
-          <p:nvPr/>
-        </p:nvSpPr>
-        <p:spPr>
-          <a:xfrm>
-            <a:off x="4517840" y="2336799"/>
-            <a:ext cx="5546711" cy="369332"/>
-          </a:xfrm>
-          <a:prstGeom prst="rect">
-            <a:avLst/>
-          </a:prstGeom>
-          <a:noFill/>
-        </p:spPr>
-        <p:txBody>
-          <a:bodyPr wrap="none" rtlCol="0">
-            <a:spAutoFit/>
-          </a:bodyPr>
-          <a:lstStyle/>
-          <a:p>
-            <a:r>
-              <a:rPr lang="en-US" dirty="0"/>
-              <a:t>Included with the Python Anaconda Distribution</a:t>
-            </a:r>
-          </a:p>
-        </p:txBody>
-      </p:sp>
-      <p:sp>
-        <p:nvSpPr>
-          <p:cNvPr id="6" name="Rectangle 5">
-            <a:hlinkClick r:id="rId3"/>
-            <a:extLst>
-              <a:ext uri="{FF2B5EF4-FFF2-40B4-BE49-F238E27FC236}">
-                <a16:creationId xmlns:a16="http://schemas.microsoft.com/office/drawing/2014/main" id="{7EC91200-2835-46E6-88E6-E454B7023EA2}"/>
-              </a:ext>
-            </a:extLst>
-          </p:cNvPr>
-          <p:cNvSpPr/>
-          <p:nvPr/>
-        </p:nvSpPr>
-        <p:spPr>
-          <a:xfrm>
-            <a:off x="4897751" y="3125801"/>
-            <a:ext cx="4786888" cy="369332"/>
-          </a:xfrm>
-          <a:prstGeom prst="rect">
-            <a:avLst/>
-          </a:prstGeom>
-        </p:spPr>
-        <p:txBody>
-          <a:bodyPr wrap="none">
-            <a:spAutoFit/>
-          </a:bodyPr>
-          <a:lstStyle/>
-          <a:p>
-            <a:r>
-              <a:rPr lang="en-US" dirty="0">
-                <a:hlinkClick r:id="rId3"/>
-              </a:rPr>
-              <a:t>https://www.anaconda.com/download/</a:t>
-            </a:r>
+            <a:pPr marL="285750" indent="-285750">
+              <a:spcAft>
+                <a:spcPts val="1200"/>
+              </a:spcAft>
+              <a:buFont typeface="Arial" panose="020B0604020202020204" pitchFamily="34" charset="0"/>
+              <a:buChar char="•"/>
+            </a:pPr>
+            <a:r>
+              <a:rPr lang="en-US" sz="1400" b="1" dirty="0"/>
+              <a:t>Code executes in real time.</a:t>
+            </a:r>
+          </a:p>
+          <a:p>
+            <a:pPr marL="285750" indent="-285750">
+              <a:spcAft>
+                <a:spcPts val="1200"/>
+              </a:spcAft>
+              <a:buFont typeface="Arial" panose="020B0604020202020204" pitchFamily="34" charset="0"/>
+              <a:buChar char="•"/>
+            </a:pPr>
+            <a:r>
+              <a:rPr lang="en-US" sz="1400" b="1" dirty="0"/>
+              <a:t>Can go back, edit and re-run cells.</a:t>
+            </a:r>
+          </a:p>
+          <a:p>
+            <a:pPr marL="285750" indent="-285750">
+              <a:spcAft>
+                <a:spcPts val="1200"/>
+              </a:spcAft>
+              <a:buFont typeface="Arial" panose="020B0604020202020204" pitchFamily="34" charset="0"/>
+              <a:buChar char="•"/>
+            </a:pPr>
+            <a:r>
+              <a:rPr lang="en-US" sz="1400" b="1" dirty="0"/>
+              <a:t>Like a cross between a command line and Excel spreadsheet.</a:t>
+            </a:r>
+          </a:p>
+          <a:p>
+            <a:pPr marL="285750" indent="-285750">
+              <a:buFont typeface="Arial" panose="020B0604020202020204" pitchFamily="34" charset="0"/>
+              <a:buChar char="•"/>
+            </a:pPr>
             <a:endParaRPr lang="en-US" dirty="0"/>
           </a:p>
         </p:txBody>
@@ -6930,7 +7314,7 @@
     </p:spTree>
     <p:extLst>
       <p:ext uri="{BB962C8B-B14F-4D97-AF65-F5344CB8AC3E}">
-        <p14:creationId xmlns:p14="http://schemas.microsoft.com/office/powerpoint/2010/main" val="1777266602"/>
+        <p14:creationId xmlns:p14="http://schemas.microsoft.com/office/powerpoint/2010/main" val="2143488689"/>
       </p:ext>
     </p:extLst>
   </p:cSld>
@@ -6969,8 +7353,8 @@
         </p:nvSpPr>
         <p:spPr>
           <a:xfrm>
-            <a:off x="232760" y="106974"/>
-            <a:ext cx="8825658" cy="669861"/>
+            <a:off x="105011" y="203137"/>
+            <a:ext cx="8825658" cy="599112"/>
           </a:xfrm>
         </p:spPr>
         <p:txBody>
@@ -6979,21 +7363,21 @@
           <a:p>
             <a:r>
               <a:rPr lang="en-US" sz="4000" dirty="0"/>
-              <a:t>Installing Jupyter Notebook</a:t>
-            </a:r>
-          </a:p>
-        </p:txBody>
-      </p:sp>
-      <p:sp>
-        <p:nvSpPr>
-          <p:cNvPr id="4" name="TextBox 3"/>
+              <a:t>Starting Jupyter Notebook</a:t>
+            </a:r>
+          </a:p>
+        </p:txBody>
+      </p:sp>
+      <p:sp>
+        <p:nvSpPr>
+          <p:cNvPr id="5" name="TextBox 4"/>
           <p:cNvSpPr txBox="1"/>
           <p:nvPr/>
         </p:nvSpPr>
         <p:spPr>
           <a:xfrm>
-            <a:off x="267037" y="1043873"/>
-            <a:ext cx="3531736" cy="400110"/>
+            <a:off x="1073790" y="1778466"/>
+            <a:ext cx="184731" cy="646331"/>
           </a:xfrm>
           <a:prstGeom prst="rect">
             <a:avLst/>
@@ -7006,16 +7390,16 @@
           </a:bodyPr>
           <a:lstStyle/>
           <a:p>
-            <a:r>
-              <a:rPr lang="en-US" sz="2000" dirty="0"/>
-              <a:t>Start the Jupyter Notebook</a:t>
-            </a:r>
+            <a:endParaRPr lang="en-US" dirty="0"/>
+          </a:p>
+          <a:p>
+            <a:endParaRPr lang="en-US" dirty="0"/>
           </a:p>
         </p:txBody>
       </p:sp>
       <p:pic>
         <p:nvPicPr>
-          <p:cNvPr id="5" name="Picture 4"/>
+          <p:cNvPr id="4" name="Picture 3"/>
           <p:cNvPicPr>
             <a:picLocks noChangeAspect="1"/>
           </p:cNvPicPr>
@@ -7029,8 +7413,8 @@
         </p:blipFill>
         <p:spPr>
           <a:xfrm>
-            <a:off x="1112528" y="1974204"/>
-            <a:ext cx="6276975" cy="2343150"/>
+            <a:off x="854047" y="1807138"/>
+            <a:ext cx="2156018" cy="4820239"/>
           </a:xfrm>
           <a:prstGeom prst="rect">
             <a:avLst/>
@@ -7039,60 +7423,14 @@
       </p:pic>
       <p:sp>
         <p:nvSpPr>
-          <p:cNvPr id="10" name="Line Callout 1 9"/>
-          <p:cNvSpPr/>
-          <p:nvPr/>
-        </p:nvSpPr>
-        <p:spPr>
-          <a:xfrm>
-            <a:off x="7914012" y="2217220"/>
-            <a:ext cx="3560496" cy="517890"/>
-          </a:xfrm>
-          <a:prstGeom prst="borderCallout1">
-            <a:avLst/>
-          </a:prstGeom>
-          <a:solidFill>
-            <a:srgbClr val="C00000"/>
-          </a:solidFill>
-        </p:spPr>
-        <p:style>
-          <a:lnRef idx="2">
-            <a:schemeClr val="accent1">
-              <a:shade val="50000"/>
-            </a:schemeClr>
-          </a:lnRef>
-          <a:fillRef idx="1">
-            <a:schemeClr val="accent1"/>
-          </a:fillRef>
-          <a:effectRef idx="0">
-            <a:schemeClr val="accent1"/>
-          </a:effectRef>
-          <a:fontRef idx="minor">
-            <a:schemeClr val="lt1"/>
-          </a:fontRef>
-        </p:style>
-        <p:txBody>
-          <a:bodyPr rtlCol="0" anchor="ctr"/>
-          <a:lstStyle/>
-          <a:p>
-            <a:pPr algn="ctr"/>
-            <a:r>
-              <a:rPr lang="en-US" dirty="0"/>
-              <a:t>Windows Command Prompt</a:t>
-            </a:r>
-          </a:p>
-        </p:txBody>
-      </p:sp>
-      <p:sp>
-        <p:nvSpPr>
-          <p:cNvPr id="6" name="TextBox 5"/>
+          <p:cNvPr id="7" name="TextBox 6"/>
           <p:cNvSpPr txBox="1"/>
           <p:nvPr/>
         </p:nvSpPr>
         <p:spPr>
           <a:xfrm>
-            <a:off x="404602" y="4944234"/>
-            <a:ext cx="9871613" cy="369332"/>
+            <a:off x="736376" y="1213805"/>
+            <a:ext cx="2973891" cy="369332"/>
           </a:xfrm>
           <a:prstGeom prst="rect">
             <a:avLst/>
@@ -7106,20 +7444,89 @@
           <a:lstStyle/>
           <a:p>
             <a:r>
+              <a:rPr lang="en-US" dirty="0"/>
+              <a:t>Start the command shell.</a:t>
+            </a:r>
+          </a:p>
+        </p:txBody>
+      </p:sp>
+      <p:sp>
+        <p:nvSpPr>
+          <p:cNvPr id="3" name="TextBox 2">
+            <a:extLst>
+              <a:ext uri="{FF2B5EF4-FFF2-40B4-BE49-F238E27FC236}">
+                <a16:creationId xmlns:a16="http://schemas.microsoft.com/office/drawing/2014/main" id="{22FFE8A9-A47E-46FA-BD41-EF8C35EDB289}"/>
+              </a:ext>
+            </a:extLst>
+          </p:cNvPr>
+          <p:cNvSpPr txBox="1"/>
+          <p:nvPr/>
+        </p:nvSpPr>
+        <p:spPr>
+          <a:xfrm>
+            <a:off x="4517840" y="2336799"/>
+            <a:ext cx="5546711" cy="369332"/>
+          </a:xfrm>
+          <a:prstGeom prst="rect">
+            <a:avLst/>
+          </a:prstGeom>
+          <a:noFill/>
+        </p:spPr>
+        <p:txBody>
+          <a:bodyPr wrap="none" rtlCol="0">
+            <a:spAutoFit/>
+          </a:bodyPr>
+          <a:lstStyle/>
+          <a:p>
+            <a:r>
+              <a:rPr lang="en-US" dirty="0"/>
+              <a:t>Included with the Python Anaconda Distribution</a:t>
+            </a:r>
+          </a:p>
+        </p:txBody>
+      </p:sp>
+      <p:sp>
+        <p:nvSpPr>
+          <p:cNvPr id="6" name="Rectangle 5">
+            <a:hlinkClick r:id="rId3"/>
+            <a:extLst>
+              <a:ext uri="{FF2B5EF4-FFF2-40B4-BE49-F238E27FC236}">
+                <a16:creationId xmlns:a16="http://schemas.microsoft.com/office/drawing/2014/main" id="{7EC91200-2835-46E6-88E6-E454B7023EA2}"/>
+              </a:ext>
+            </a:extLst>
+          </p:cNvPr>
+          <p:cNvSpPr/>
+          <p:nvPr/>
+        </p:nvSpPr>
+        <p:spPr>
+          <a:xfrm>
+            <a:off x="4897751" y="3125801"/>
+            <a:ext cx="4786888" cy="369332"/>
+          </a:xfrm>
+          <a:prstGeom prst="rect">
+            <a:avLst/>
+          </a:prstGeom>
+        </p:spPr>
+        <p:txBody>
+          <a:bodyPr wrap="none">
+            <a:spAutoFit/>
+          </a:bodyPr>
+          <a:lstStyle/>
+          <a:p>
+            <a:r>
               <a:rPr lang="en-US" dirty="0">
-                <a:solidFill>
-                  <a:srgbClr val="FFFF00"/>
-                </a:solidFill>
+                <a:hlinkClick r:id="rId3"/>
               </a:rPr>
-              <a:t>Note:  The notebook starts pointing to the folder from where the notebook was started.</a:t>
-            </a:r>
+              <a:t>https://www.anaconda.com/download/</a:t>
+            </a:r>
+            <a:endParaRPr lang="en-US" dirty="0"/>
           </a:p>
         </p:txBody>
       </p:sp>
     </p:spTree>
     <p:extLst>
       <p:ext uri="{BB962C8B-B14F-4D97-AF65-F5344CB8AC3E}">
-        <p14:creationId xmlns:p14="http://schemas.microsoft.com/office/powerpoint/2010/main" val="2423318380"/>
+        <p14:creationId xmlns:p14="http://schemas.microsoft.com/office/powerpoint/2010/main" val="1777266602"/>
       </p:ext>
     </p:extLst>
   </p:cSld>
@@ -7158,8 +7565,8 @@
         </p:nvSpPr>
         <p:spPr>
           <a:xfrm>
-            <a:off x="248944" y="374011"/>
-            <a:ext cx="8825658" cy="599112"/>
+            <a:off x="232760" y="106974"/>
+            <a:ext cx="8825658" cy="669861"/>
           </a:xfrm>
         </p:spPr>
         <p:txBody>
@@ -7168,21 +7575,21 @@
           <a:p>
             <a:r>
               <a:rPr lang="en-US" sz="4000" dirty="0"/>
-              <a:t>The Jupyter Server Running</a:t>
-            </a:r>
-          </a:p>
-        </p:txBody>
-      </p:sp>
-      <p:sp>
-        <p:nvSpPr>
-          <p:cNvPr id="5" name="TextBox 4"/>
+              <a:t>Installing Jupyter Notebook</a:t>
+            </a:r>
+          </a:p>
+        </p:txBody>
+      </p:sp>
+      <p:sp>
+        <p:nvSpPr>
+          <p:cNvPr id="4" name="TextBox 3"/>
           <p:cNvSpPr txBox="1"/>
           <p:nvPr/>
         </p:nvSpPr>
         <p:spPr>
           <a:xfrm>
-            <a:off x="1073790" y="1778466"/>
-            <a:ext cx="184731" cy="646331"/>
+            <a:off x="267037" y="1043873"/>
+            <a:ext cx="3531736" cy="400110"/>
           </a:xfrm>
           <a:prstGeom prst="rect">
             <a:avLst/>
@@ -7195,16 +7602,16 @@
           </a:bodyPr>
           <a:lstStyle/>
           <a:p>
-            <a:endParaRPr lang="en-US" dirty="0"/>
-          </a:p>
-          <a:p>
-            <a:endParaRPr lang="en-US" dirty="0"/>
+            <a:r>
+              <a:rPr lang="en-US" sz="2000" dirty="0"/>
+              <a:t>Start the Jupyter Notebook</a:t>
+            </a:r>
           </a:p>
         </p:txBody>
       </p:sp>
       <p:pic>
         <p:nvPicPr>
-          <p:cNvPr id="3" name="Picture 2"/>
+          <p:cNvPr id="5" name="Picture 4"/>
           <p:cNvPicPr>
             <a:picLocks noChangeAspect="1"/>
           </p:cNvPicPr>
@@ -7218,18 +7625,97 @@
         </p:blipFill>
         <p:spPr>
           <a:xfrm>
-            <a:off x="1702067" y="1286885"/>
-            <a:ext cx="7902662" cy="4482735"/>
+            <a:off x="1112528" y="1974204"/>
+            <a:ext cx="6276975" cy="2343150"/>
           </a:xfrm>
           <a:prstGeom prst="rect">
             <a:avLst/>
           </a:prstGeom>
         </p:spPr>
       </p:pic>
+      <p:sp>
+        <p:nvSpPr>
+          <p:cNvPr id="10" name="Line Callout 1 9"/>
+          <p:cNvSpPr/>
+          <p:nvPr/>
+        </p:nvSpPr>
+        <p:spPr>
+          <a:xfrm>
+            <a:off x="7914012" y="2217220"/>
+            <a:ext cx="3560496" cy="517890"/>
+          </a:xfrm>
+          <a:prstGeom prst="borderCallout1">
+            <a:avLst/>
+          </a:prstGeom>
+          <a:solidFill>
+            <a:srgbClr val="C00000"/>
+          </a:solidFill>
+        </p:spPr>
+        <p:style>
+          <a:lnRef idx="2">
+            <a:schemeClr val="accent1">
+              <a:shade val="50000"/>
+            </a:schemeClr>
+          </a:lnRef>
+          <a:fillRef idx="1">
+            <a:schemeClr val="accent1"/>
+          </a:fillRef>
+          <a:effectRef idx="0">
+            <a:schemeClr val="accent1"/>
+          </a:effectRef>
+          <a:fontRef idx="minor">
+            <a:schemeClr val="lt1"/>
+          </a:fontRef>
+        </p:style>
+        <p:txBody>
+          <a:bodyPr rtlCol="0" anchor="ctr"/>
+          <a:lstStyle/>
+          <a:p>
+            <a:pPr algn="ctr"/>
+            <a:r>
+              <a:rPr lang="en-US" dirty="0"/>
+              <a:t>Windows Command Prompt</a:t>
+            </a:r>
+          </a:p>
+        </p:txBody>
+      </p:sp>
+      <p:sp>
+        <p:nvSpPr>
+          <p:cNvPr id="6" name="TextBox 5"/>
+          <p:cNvSpPr txBox="1"/>
+          <p:nvPr/>
+        </p:nvSpPr>
+        <p:spPr>
+          <a:xfrm>
+            <a:off x="404602" y="4944234"/>
+            <a:ext cx="9871613" cy="369332"/>
+          </a:xfrm>
+          <a:prstGeom prst="rect">
+            <a:avLst/>
+          </a:prstGeom>
+          <a:noFill/>
+        </p:spPr>
+        <p:txBody>
+          <a:bodyPr wrap="none" rtlCol="0">
+            <a:spAutoFit/>
+          </a:bodyPr>
+          <a:lstStyle/>
+          <a:p>
+            <a:r>
+              <a:rPr lang="en-US" dirty="0">
+                <a:solidFill>
+                  <a:srgbClr val="FFFF00"/>
+                </a:solidFill>
+              </a:rPr>
+              <a:t>Note:  The notebook starts pointing to the folder from where the notebook was started.</a:t>
+            </a:r>
+          </a:p>
+        </p:txBody>
+      </p:sp>
     </p:spTree>
     <p:extLst>
       <p:ext uri="{BB962C8B-B14F-4D97-AF65-F5344CB8AC3E}">
-        <p14:creationId xmlns:p14="http://schemas.microsoft.com/office/powerpoint/2010/main" val="1835528001"/>
+        <p14:creationId xmlns:p14="http://schemas.microsoft.com/office/powerpoint/2010/main" val="2423318380"/>
       </p:ext>
     </p:extLst>
   </p:cSld>
@@ -7268,8 +7754,8 @@
         </p:nvSpPr>
         <p:spPr>
           <a:xfrm>
-            <a:off x="232760" y="106974"/>
-            <a:ext cx="8825658" cy="669861"/>
+            <a:off x="248944" y="374011"/>
+            <a:ext cx="8825658" cy="599112"/>
           </a:xfrm>
         </p:spPr>
         <p:txBody>
@@ -7278,8 +7764,37 @@
           <a:p>
             <a:r>
               <a:rPr lang="en-US" sz="4000" dirty="0"/>
-              <a:t>A First Look at a Notebook</a:t>
-            </a:r>
+              <a:t>The Jupyter Server Running</a:t>
+            </a:r>
+          </a:p>
+        </p:txBody>
+      </p:sp>
+      <p:sp>
+        <p:nvSpPr>
+          <p:cNvPr id="5" name="TextBox 4"/>
+          <p:cNvSpPr txBox="1"/>
+          <p:nvPr/>
+        </p:nvSpPr>
+        <p:spPr>
+          <a:xfrm>
+            <a:off x="1073790" y="1778466"/>
+            <a:ext cx="184731" cy="646331"/>
+          </a:xfrm>
+          <a:prstGeom prst="rect">
+            <a:avLst/>
+          </a:prstGeom>
+          <a:noFill/>
+        </p:spPr>
+        <p:txBody>
+          <a:bodyPr wrap="none" rtlCol="0">
+            <a:spAutoFit/>
+          </a:bodyPr>
+          <a:lstStyle/>
+          <a:p>
+            <a:endParaRPr lang="en-US" dirty="0"/>
+          </a:p>
+          <a:p>
+            <a:endParaRPr lang="en-US" dirty="0"/>
           </a:p>
         </p:txBody>
       </p:sp>
@@ -7299,64 +7814,18 @@
         </p:blipFill>
         <p:spPr>
           <a:xfrm>
-            <a:off x="847472" y="893790"/>
-            <a:ext cx="7810500" cy="5572125"/>
+            <a:off x="1702067" y="1286885"/>
+            <a:ext cx="7902662" cy="4482735"/>
           </a:xfrm>
           <a:prstGeom prst="rect">
             <a:avLst/>
           </a:prstGeom>
         </p:spPr>
       </p:pic>
-      <p:sp>
-        <p:nvSpPr>
-          <p:cNvPr id="10" name="Line Callout 1 9"/>
-          <p:cNvSpPr/>
-          <p:nvPr/>
-        </p:nvSpPr>
-        <p:spPr>
-          <a:xfrm>
-            <a:off x="8658480" y="3673784"/>
-            <a:ext cx="2824119" cy="1027687"/>
-          </a:xfrm>
-          <a:prstGeom prst="borderCallout1">
-            <a:avLst/>
-          </a:prstGeom>
-          <a:solidFill>
-            <a:srgbClr val="C00000"/>
-          </a:solidFill>
-        </p:spPr>
-        <p:style>
-          <a:lnRef idx="2">
-            <a:schemeClr val="accent1">
-              <a:shade val="50000"/>
-            </a:schemeClr>
-          </a:lnRef>
-          <a:fillRef idx="1">
-            <a:schemeClr val="accent1"/>
-          </a:fillRef>
-          <a:effectRef idx="0">
-            <a:schemeClr val="accent1"/>
-          </a:effectRef>
-          <a:fontRef idx="minor">
-            <a:schemeClr val="lt1"/>
-          </a:fontRef>
-        </p:style>
-        <p:txBody>
-          <a:bodyPr rtlCol="0" anchor="ctr"/>
-          <a:lstStyle/>
-          <a:p>
-            <a:pPr algn="ctr"/>
-            <a:r>
-              <a:rPr lang="en-US" dirty="0"/>
-              <a:t>Select New and the kernel, i.e. R</a:t>
-            </a:r>
-          </a:p>
-        </p:txBody>
-      </p:sp>
     </p:spTree>
     <p:extLst>
       <p:ext uri="{BB962C8B-B14F-4D97-AF65-F5344CB8AC3E}">
-        <p14:creationId xmlns:p14="http://schemas.microsoft.com/office/powerpoint/2010/main" val="693809145"/>
+        <p14:creationId xmlns:p14="http://schemas.microsoft.com/office/powerpoint/2010/main" val="1835528001"/>
       </p:ext>
     </p:extLst>
   </p:cSld>
@@ -7412,7 +7881,7 @@
       </p:sp>
       <p:pic>
         <p:nvPicPr>
-          <p:cNvPr id="4" name="Picture 3"/>
+          <p:cNvPr id="3" name="Picture 2"/>
           <p:cNvPicPr>
             <a:picLocks noChangeAspect="1"/>
           </p:cNvPicPr>
@@ -7426,8 +7895,8 @@
         </p:blipFill>
         <p:spPr>
           <a:xfrm>
-            <a:off x="1310911" y="835707"/>
-            <a:ext cx="6952245" cy="5699876"/>
+            <a:off x="847472" y="893790"/>
+            <a:ext cx="7810500" cy="5572125"/>
           </a:xfrm>
           <a:prstGeom prst="rect">
             <a:avLst/>
@@ -7442,16 +7911,11 @@
         </p:nvSpPr>
         <p:spPr>
           <a:xfrm>
-            <a:off x="8545193" y="3382471"/>
-            <a:ext cx="2791750" cy="1197621"/>
+            <a:off x="8658480" y="3673784"/>
+            <a:ext cx="2824119" cy="1027687"/>
           </a:xfrm>
           <a:prstGeom prst="borderCallout1">
-            <a:avLst>
-              <a:gd name="adj1" fmla="val 18750"/>
-              <a:gd name="adj2" fmla="val -8333"/>
-              <a:gd name="adj3" fmla="val 3040"/>
-              <a:gd name="adj4" fmla="val -45579"/>
-            </a:avLst>
+            <a:avLst/>
           </a:prstGeom>
           <a:solidFill>
             <a:srgbClr val="C00000"/>
@@ -7480,96 +7944,7 @@
             <a:pPr algn="ctr"/>
             <a:r>
               <a:rPr lang="en-US" dirty="0"/>
-              <a:t>Enter R code and press Shift + Enter</a:t>
-            </a:r>
-          </a:p>
-          <a:p>
-            <a:pPr algn="ctr"/>
-            <a:r>
-              <a:rPr lang="en-US" dirty="0"/>
-              <a:t>Or</a:t>
-            </a:r>
-          </a:p>
-          <a:p>
-            <a:pPr algn="ctr"/>
-            <a:r>
-              <a:rPr lang="en-US" dirty="0"/>
-              <a:t>Click on </a:t>
-            </a:r>
-          </a:p>
-        </p:txBody>
-      </p:sp>
-      <p:pic>
-        <p:nvPicPr>
-          <p:cNvPr id="5" name="Picture 4"/>
-          <p:cNvPicPr>
-            <a:picLocks noChangeAspect="1"/>
-          </p:cNvPicPr>
-          <p:nvPr/>
-        </p:nvPicPr>
-        <p:blipFill>
-          <a:blip r:embed="rId3"/>
-          <a:stretch>
-            <a:fillRect/>
-          </a:stretch>
-        </p:blipFill>
-        <p:spPr>
-          <a:xfrm>
-            <a:off x="10526672" y="4233647"/>
-            <a:ext cx="295275" cy="276225"/>
-          </a:xfrm>
-          <a:prstGeom prst="rect">
-            <a:avLst/>
-          </a:prstGeom>
-        </p:spPr>
-      </p:pic>
-      <p:sp>
-        <p:nvSpPr>
-          <p:cNvPr id="6" name="Line Callout 1 5"/>
-          <p:cNvSpPr/>
-          <p:nvPr/>
-        </p:nvSpPr>
-        <p:spPr>
-          <a:xfrm>
-            <a:off x="9183115" y="1795083"/>
-            <a:ext cx="2218563" cy="559699"/>
-          </a:xfrm>
-          <a:prstGeom prst="borderCallout1">
-            <a:avLst>
-              <a:gd name="adj1" fmla="val 18750"/>
-              <a:gd name="adj2" fmla="val -8333"/>
-              <a:gd name="adj3" fmla="val 34847"/>
-              <a:gd name="adj4" fmla="val -45579"/>
-            </a:avLst>
-          </a:prstGeom>
-          <a:solidFill>
-            <a:srgbClr val="C00000"/>
-          </a:solidFill>
-        </p:spPr>
-        <p:style>
-          <a:lnRef idx="2">
-            <a:schemeClr val="accent1">
-              <a:shade val="50000"/>
-            </a:schemeClr>
-          </a:lnRef>
-          <a:fillRef idx="1">
-            <a:schemeClr val="accent1"/>
-          </a:fillRef>
-          <a:effectRef idx="0">
-            <a:schemeClr val="accent1"/>
-          </a:effectRef>
-          <a:fontRef idx="minor">
-            <a:schemeClr val="lt1"/>
-          </a:fontRef>
-        </p:style>
-        <p:txBody>
-          <a:bodyPr rtlCol="0" anchor="ctr"/>
-          <a:lstStyle/>
-          <a:p>
-            <a:pPr algn="ctr"/>
-            <a:r>
-              <a:rPr lang="en-US" dirty="0"/>
-              <a:t>Kernel Running</a:t>
+              <a:t>Select New and the kernel, i.e. R</a:t>
             </a:r>
           </a:p>
         </p:txBody>
@@ -7577,7 +7952,7 @@
     </p:spTree>
     <p:extLst>
       <p:ext uri="{BB962C8B-B14F-4D97-AF65-F5344CB8AC3E}">
-        <p14:creationId xmlns:p14="http://schemas.microsoft.com/office/powerpoint/2010/main" val="2161879018"/>
+        <p14:creationId xmlns:p14="http://schemas.microsoft.com/office/powerpoint/2010/main" val="693809145"/>
       </p:ext>
     </p:extLst>
   </p:cSld>
@@ -7626,11 +8001,35 @@
           <a:p>
             <a:r>
               <a:rPr lang="en-US" sz="4000" dirty="0"/>
-              <a:t>The Cell Toolbar</a:t>
-            </a:r>
-          </a:p>
-        </p:txBody>
-      </p:sp>
+              <a:t>A First Look at a Notebook</a:t>
+            </a:r>
+          </a:p>
+        </p:txBody>
+      </p:sp>
+      <p:pic>
+        <p:nvPicPr>
+          <p:cNvPr id="4" name="Picture 3"/>
+          <p:cNvPicPr>
+            <a:picLocks noChangeAspect="1"/>
+          </p:cNvPicPr>
+          <p:nvPr/>
+        </p:nvPicPr>
+        <p:blipFill>
+          <a:blip r:embed="rId2"/>
+          <a:stretch>
+            <a:fillRect/>
+          </a:stretch>
+        </p:blipFill>
+        <p:spPr>
+          <a:xfrm>
+            <a:off x="1310911" y="835707"/>
+            <a:ext cx="6952245" cy="5699876"/>
+          </a:xfrm>
+          <a:prstGeom prst="rect">
+            <a:avLst/>
+          </a:prstGeom>
+        </p:spPr>
+      </p:pic>
       <p:sp>
         <p:nvSpPr>
           <p:cNvPr id="10" name="Line Callout 1 9"/>
@@ -7639,15 +8038,15 @@
         </p:nvSpPr>
         <p:spPr>
           <a:xfrm>
-            <a:off x="2233404" y="3615793"/>
-            <a:ext cx="995318" cy="647362"/>
+            <a:off x="8545193" y="3382471"/>
+            <a:ext cx="2791750" cy="1197621"/>
           </a:xfrm>
           <a:prstGeom prst="borderCallout1">
             <a:avLst>
-              <a:gd name="adj1" fmla="val -7234"/>
-              <a:gd name="adj2" fmla="val 45249"/>
-              <a:gd name="adj3" fmla="val -51881"/>
-              <a:gd name="adj4" fmla="val 106311"/>
+              <a:gd name="adj1" fmla="val 18750"/>
+              <a:gd name="adj2" fmla="val -8333"/>
+              <a:gd name="adj3" fmla="val 3040"/>
+              <a:gd name="adj4" fmla="val -45579"/>
             </a:avLst>
           </a:prstGeom>
           <a:solidFill>
@@ -7676,34 +8075,44 @@
           <a:p>
             <a:pPr algn="ctr"/>
             <a:r>
-              <a:rPr lang="en-US" sz="1200" dirty="0"/>
-              <a:t>Insert </a:t>
-            </a:r>
-            <a:r>
-              <a:rPr lang="en-US" sz="1100" dirty="0"/>
-              <a:t>Cell</a:t>
+              <a:rPr lang="en-US" dirty="0"/>
+              <a:t>Enter R code and press Shift + Enter</a:t>
+            </a:r>
+          </a:p>
+          <a:p>
+            <a:pPr algn="ctr"/>
+            <a:r>
+              <a:rPr lang="en-US" dirty="0"/>
+              <a:t>Or</a:t>
+            </a:r>
+          </a:p>
+          <a:p>
+            <a:pPr algn="ctr"/>
+            <a:r>
+              <a:rPr lang="en-US" dirty="0"/>
+              <a:t>Click on </a:t>
             </a:r>
           </a:p>
         </p:txBody>
       </p:sp>
       <p:pic>
         <p:nvPicPr>
-          <p:cNvPr id="3" name="Picture 2"/>
+          <p:cNvPr id="5" name="Picture 4"/>
           <p:cNvPicPr>
             <a:picLocks noChangeAspect="1"/>
           </p:cNvPicPr>
           <p:nvPr/>
         </p:nvPicPr>
         <p:blipFill>
-          <a:blip r:embed="rId2"/>
+          <a:blip r:embed="rId3"/>
           <a:stretch>
             <a:fillRect/>
           </a:stretch>
         </p:blipFill>
         <p:spPr>
           <a:xfrm>
-            <a:off x="2618657" y="2765369"/>
-            <a:ext cx="6353517" cy="487629"/>
+            <a:off x="10526672" y="4233647"/>
+            <a:ext cx="295275" cy="276225"/>
           </a:xfrm>
           <a:prstGeom prst="rect">
             <a:avLst/>
@@ -7712,21 +8121,21 @@
       </p:pic>
       <p:sp>
         <p:nvSpPr>
-          <p:cNvPr id="7" name="Line Callout 1 6"/>
+          <p:cNvPr id="6" name="Line Callout 1 5"/>
           <p:cNvSpPr/>
           <p:nvPr/>
         </p:nvSpPr>
         <p:spPr>
           <a:xfrm>
-            <a:off x="4637818" y="3615793"/>
-            <a:ext cx="995318" cy="647362"/>
+            <a:off x="9183115" y="1795083"/>
+            <a:ext cx="2218563" cy="559699"/>
           </a:xfrm>
           <a:prstGeom prst="borderCallout1">
             <a:avLst>
-              <a:gd name="adj1" fmla="val -7234"/>
-              <a:gd name="adj2" fmla="val 45249"/>
-              <a:gd name="adj3" fmla="val -48131"/>
-              <a:gd name="adj4" fmla="val 45335"/>
+              <a:gd name="adj1" fmla="val 18750"/>
+              <a:gd name="adj2" fmla="val -8333"/>
+              <a:gd name="adj3" fmla="val 34847"/>
+              <a:gd name="adj4" fmla="val -45579"/>
             </a:avLst>
           </a:prstGeom>
           <a:solidFill>
@@ -7755,467 +8164,8 @@
           <a:p>
             <a:pPr algn="ctr"/>
             <a:r>
-              <a:rPr lang="en-US" sz="1100" dirty="0"/>
-              <a:t>Move Cell(s) Up 1</a:t>
-            </a:r>
-          </a:p>
-        </p:txBody>
-      </p:sp>
-      <p:sp>
-        <p:nvSpPr>
-          <p:cNvPr id="8" name="Line Callout 1 7"/>
-          <p:cNvSpPr/>
-          <p:nvPr/>
-        </p:nvSpPr>
-        <p:spPr>
-          <a:xfrm>
-            <a:off x="5840025" y="3615793"/>
-            <a:ext cx="995318" cy="647362"/>
-          </a:xfrm>
-          <a:prstGeom prst="borderCallout1">
-            <a:avLst>
-              <a:gd name="adj1" fmla="val -7234"/>
-              <a:gd name="adj2" fmla="val 45249"/>
-              <a:gd name="adj3" fmla="val -46881"/>
-              <a:gd name="adj4" fmla="val 33953"/>
-            </a:avLst>
-          </a:prstGeom>
-          <a:solidFill>
-            <a:srgbClr val="C00000"/>
-          </a:solidFill>
-        </p:spPr>
-        <p:style>
-          <a:lnRef idx="2">
-            <a:schemeClr val="accent1">
-              <a:shade val="50000"/>
-            </a:schemeClr>
-          </a:lnRef>
-          <a:fillRef idx="1">
-            <a:schemeClr val="accent1"/>
-          </a:fillRef>
-          <a:effectRef idx="0">
-            <a:schemeClr val="accent1"/>
-          </a:effectRef>
-          <a:fontRef idx="minor">
-            <a:schemeClr val="lt1"/>
-          </a:fontRef>
-        </p:style>
-        <p:txBody>
-          <a:bodyPr rtlCol="0" anchor="ctr"/>
-          <a:lstStyle/>
-          <a:p>
-            <a:pPr algn="ctr"/>
-            <a:r>
-              <a:rPr lang="en-US" sz="1100" dirty="0"/>
-              <a:t>Run Code in Selected Cell(s)</a:t>
-            </a:r>
-          </a:p>
-        </p:txBody>
-      </p:sp>
-      <p:sp>
-        <p:nvSpPr>
-          <p:cNvPr id="9" name="Line Callout 1 8"/>
-          <p:cNvSpPr/>
-          <p:nvPr/>
-        </p:nvSpPr>
-        <p:spPr>
-          <a:xfrm>
-            <a:off x="8244438" y="3615793"/>
-            <a:ext cx="995318" cy="647362"/>
-          </a:xfrm>
-          <a:prstGeom prst="borderCallout1">
-            <a:avLst>
-              <a:gd name="adj1" fmla="val -7234"/>
-              <a:gd name="adj2" fmla="val 45249"/>
-              <a:gd name="adj3" fmla="val -48131"/>
-              <a:gd name="adj4" fmla="val 45335"/>
-            </a:avLst>
-          </a:prstGeom>
-          <a:solidFill>
-            <a:srgbClr val="C00000"/>
-          </a:solidFill>
-        </p:spPr>
-        <p:style>
-          <a:lnRef idx="2">
-            <a:schemeClr val="accent1">
-              <a:shade val="50000"/>
-            </a:schemeClr>
-          </a:lnRef>
-          <a:fillRef idx="1">
-            <a:schemeClr val="accent1"/>
-          </a:fillRef>
-          <a:effectRef idx="0">
-            <a:schemeClr val="accent1"/>
-          </a:effectRef>
-          <a:fontRef idx="minor">
-            <a:schemeClr val="lt1"/>
-          </a:fontRef>
-        </p:style>
-        <p:txBody>
-          <a:bodyPr rtlCol="0" anchor="ctr"/>
-          <a:lstStyle/>
-          <a:p>
-            <a:pPr algn="ctr"/>
-            <a:r>
-              <a:rPr lang="en-US" sz="1100" dirty="0"/>
-              <a:t>Set Cell Content Type</a:t>
-            </a:r>
-          </a:p>
-        </p:txBody>
-      </p:sp>
-      <p:sp>
-        <p:nvSpPr>
-          <p:cNvPr id="11" name="Line Callout 1 10"/>
-          <p:cNvSpPr/>
-          <p:nvPr/>
-        </p:nvSpPr>
-        <p:spPr>
-          <a:xfrm>
-            <a:off x="7042232" y="3615793"/>
-            <a:ext cx="995318" cy="647362"/>
-          </a:xfrm>
-          <a:prstGeom prst="borderCallout1">
-            <a:avLst>
-              <a:gd name="adj1" fmla="val -7234"/>
-              <a:gd name="adj2" fmla="val 45249"/>
-              <a:gd name="adj3" fmla="val -49381"/>
-              <a:gd name="adj4" fmla="val 7124"/>
-            </a:avLst>
-          </a:prstGeom>
-          <a:solidFill>
-            <a:srgbClr val="C00000"/>
-          </a:solidFill>
-        </p:spPr>
-        <p:style>
-          <a:lnRef idx="2">
-            <a:schemeClr val="accent1">
-              <a:shade val="50000"/>
-            </a:schemeClr>
-          </a:lnRef>
-          <a:fillRef idx="1">
-            <a:schemeClr val="accent1"/>
-          </a:fillRef>
-          <a:effectRef idx="0">
-            <a:schemeClr val="accent1"/>
-          </a:effectRef>
-          <a:fontRef idx="minor">
-            <a:schemeClr val="lt1"/>
-          </a:fontRef>
-        </p:style>
-        <p:txBody>
-          <a:bodyPr rtlCol="0" anchor="ctr"/>
-          <a:lstStyle/>
-          <a:p>
-            <a:pPr algn="ctr"/>
-            <a:r>
-              <a:rPr lang="en-US" sz="1100" dirty="0"/>
-              <a:t>Restart the Kernel</a:t>
-            </a:r>
-          </a:p>
-        </p:txBody>
-      </p:sp>
-      <p:sp>
-        <p:nvSpPr>
-          <p:cNvPr id="12" name="Line Callout 1 11"/>
-          <p:cNvSpPr/>
-          <p:nvPr/>
-        </p:nvSpPr>
-        <p:spPr>
-          <a:xfrm>
-            <a:off x="3549711" y="1510515"/>
-            <a:ext cx="995318" cy="647362"/>
-          </a:xfrm>
-          <a:prstGeom prst="borderCallout1">
-            <a:avLst>
-              <a:gd name="adj1" fmla="val 109016"/>
-              <a:gd name="adj2" fmla="val 49314"/>
-              <a:gd name="adj3" fmla="val 180619"/>
-              <a:gd name="adj4" fmla="val 50213"/>
-            </a:avLst>
-          </a:prstGeom>
-          <a:solidFill>
-            <a:srgbClr val="C00000"/>
-          </a:solidFill>
-        </p:spPr>
-        <p:style>
-          <a:lnRef idx="2">
-            <a:schemeClr val="accent1">
-              <a:shade val="50000"/>
-            </a:schemeClr>
-          </a:lnRef>
-          <a:fillRef idx="1">
-            <a:schemeClr val="accent1"/>
-          </a:fillRef>
-          <a:effectRef idx="0">
-            <a:schemeClr val="accent1"/>
-          </a:effectRef>
-          <a:fontRef idx="minor">
-            <a:schemeClr val="lt1"/>
-          </a:fontRef>
-        </p:style>
-        <p:txBody>
-          <a:bodyPr rtlCol="0" anchor="ctr"/>
-          <a:lstStyle/>
-          <a:p>
-            <a:pPr algn="ctr"/>
-            <a:r>
-              <a:rPr lang="en-US" sz="1100" dirty="0"/>
-              <a:t>Cut Cell</a:t>
-            </a:r>
-          </a:p>
-        </p:txBody>
-      </p:sp>
-      <p:sp>
-        <p:nvSpPr>
-          <p:cNvPr id="13" name="Line Callout 1 12"/>
-          <p:cNvSpPr/>
-          <p:nvPr/>
-        </p:nvSpPr>
-        <p:spPr>
-          <a:xfrm>
-            <a:off x="2480214" y="1517259"/>
-            <a:ext cx="995318" cy="647362"/>
-          </a:xfrm>
-          <a:prstGeom prst="borderCallout1">
-            <a:avLst>
-              <a:gd name="adj1" fmla="val 109016"/>
-              <a:gd name="adj2" fmla="val 49314"/>
-              <a:gd name="adj3" fmla="val 180619"/>
-              <a:gd name="adj4" fmla="val 50213"/>
-            </a:avLst>
-          </a:prstGeom>
-          <a:solidFill>
-            <a:srgbClr val="C00000"/>
-          </a:solidFill>
-        </p:spPr>
-        <p:style>
-          <a:lnRef idx="2">
-            <a:schemeClr val="accent1">
-              <a:shade val="50000"/>
-            </a:schemeClr>
-          </a:lnRef>
-          <a:fillRef idx="1">
-            <a:schemeClr val="accent1"/>
-          </a:fillRef>
-          <a:effectRef idx="0">
-            <a:schemeClr val="accent1"/>
-          </a:effectRef>
-          <a:fontRef idx="minor">
-            <a:schemeClr val="lt1"/>
-          </a:fontRef>
-        </p:style>
-        <p:txBody>
-          <a:bodyPr rtlCol="0" anchor="ctr"/>
-          <a:lstStyle/>
-          <a:p>
-            <a:pPr algn="ctr"/>
-            <a:r>
-              <a:rPr lang="en-US" sz="1100" dirty="0"/>
-              <a:t>Save Notebook</a:t>
-            </a:r>
-          </a:p>
-        </p:txBody>
-      </p:sp>
-      <p:sp>
-        <p:nvSpPr>
-          <p:cNvPr id="14" name="Line Callout 1 13"/>
-          <p:cNvSpPr/>
-          <p:nvPr/>
-        </p:nvSpPr>
-        <p:spPr>
-          <a:xfrm>
-            <a:off x="4650227" y="1494331"/>
-            <a:ext cx="995318" cy="647362"/>
-          </a:xfrm>
-          <a:prstGeom prst="borderCallout1">
-            <a:avLst>
-              <a:gd name="adj1" fmla="val 109016"/>
-              <a:gd name="adj2" fmla="val 49314"/>
-              <a:gd name="adj3" fmla="val 181869"/>
-              <a:gd name="adj4" fmla="val -15641"/>
-            </a:avLst>
-          </a:prstGeom>
-          <a:solidFill>
-            <a:srgbClr val="C00000"/>
-          </a:solidFill>
-        </p:spPr>
-        <p:style>
-          <a:lnRef idx="2">
-            <a:schemeClr val="accent1">
-              <a:shade val="50000"/>
-            </a:schemeClr>
-          </a:lnRef>
-          <a:fillRef idx="1">
-            <a:schemeClr val="accent1"/>
-          </a:fillRef>
-          <a:effectRef idx="0">
-            <a:schemeClr val="accent1"/>
-          </a:effectRef>
-          <a:fontRef idx="minor">
-            <a:schemeClr val="lt1"/>
-          </a:fontRef>
-        </p:style>
-        <p:txBody>
-          <a:bodyPr rtlCol="0" anchor="ctr"/>
-          <a:lstStyle/>
-          <a:p>
-            <a:pPr algn="ctr"/>
-            <a:r>
-              <a:rPr lang="en-US" sz="1100" dirty="0"/>
-              <a:t>Copy Cell</a:t>
-            </a:r>
-          </a:p>
-        </p:txBody>
-      </p:sp>
-      <p:sp>
-        <p:nvSpPr>
-          <p:cNvPr id="15" name="Line Callout 1 14"/>
-          <p:cNvSpPr/>
-          <p:nvPr/>
-        </p:nvSpPr>
-        <p:spPr>
-          <a:xfrm>
-            <a:off x="6875536" y="1486238"/>
-            <a:ext cx="995318" cy="647362"/>
-          </a:xfrm>
-          <a:prstGeom prst="borderCallout1">
-            <a:avLst>
-              <a:gd name="adj1" fmla="val 109016"/>
-              <a:gd name="adj2" fmla="val 49314"/>
-              <a:gd name="adj3" fmla="val 184369"/>
-              <a:gd name="adj4" fmla="val -17267"/>
-            </a:avLst>
-          </a:prstGeom>
-          <a:solidFill>
-            <a:srgbClr val="C00000"/>
-          </a:solidFill>
-        </p:spPr>
-        <p:style>
-          <a:lnRef idx="2">
-            <a:schemeClr val="accent1">
-              <a:shade val="50000"/>
-            </a:schemeClr>
-          </a:lnRef>
-          <a:fillRef idx="1">
-            <a:schemeClr val="accent1"/>
-          </a:fillRef>
-          <a:effectRef idx="0">
-            <a:schemeClr val="accent1"/>
-          </a:effectRef>
-          <a:fontRef idx="minor">
-            <a:schemeClr val="lt1"/>
-          </a:fontRef>
-        </p:style>
-        <p:txBody>
-          <a:bodyPr rtlCol="0" anchor="ctr"/>
-          <a:lstStyle/>
-          <a:p>
-            <a:pPr algn="ctr"/>
-            <a:r>
-              <a:rPr lang="en-US" sz="1100" dirty="0"/>
-              <a:t>Stop Cell Execution</a:t>
-            </a:r>
-          </a:p>
-        </p:txBody>
-      </p:sp>
-      <p:sp>
-        <p:nvSpPr>
-          <p:cNvPr id="16" name="Line Callout 1 15"/>
-          <p:cNvSpPr/>
-          <p:nvPr/>
-        </p:nvSpPr>
-        <p:spPr>
-          <a:xfrm>
-            <a:off x="5750744" y="1486238"/>
-            <a:ext cx="995318" cy="647362"/>
-          </a:xfrm>
-          <a:prstGeom prst="borderCallout1">
-            <a:avLst>
-              <a:gd name="adj1" fmla="val 109016"/>
-              <a:gd name="adj2" fmla="val 49314"/>
-              <a:gd name="adj3" fmla="val 186869"/>
-              <a:gd name="adj4" fmla="val 6310"/>
-            </a:avLst>
-          </a:prstGeom>
-          <a:solidFill>
-            <a:srgbClr val="C00000"/>
-          </a:solidFill>
-        </p:spPr>
-        <p:style>
-          <a:lnRef idx="2">
-            <a:schemeClr val="accent1">
-              <a:shade val="50000"/>
-            </a:schemeClr>
-          </a:lnRef>
-          <a:fillRef idx="1">
-            <a:schemeClr val="accent1"/>
-          </a:fillRef>
-          <a:effectRef idx="0">
-            <a:schemeClr val="accent1"/>
-          </a:effectRef>
-          <a:fontRef idx="minor">
-            <a:schemeClr val="lt1"/>
-          </a:fontRef>
-        </p:style>
-        <p:txBody>
-          <a:bodyPr rtlCol="0" anchor="ctr"/>
-          <a:lstStyle/>
-          <a:p>
-            <a:pPr algn="ctr"/>
-            <a:r>
-              <a:rPr lang="en-US" sz="1100" dirty="0"/>
-              <a:t>Move Cell Down 1</a:t>
-            </a:r>
-          </a:p>
-        </p:txBody>
-      </p:sp>
-      <p:sp>
-        <p:nvSpPr>
-          <p:cNvPr id="17" name="Line Callout 1 16"/>
-          <p:cNvSpPr/>
-          <p:nvPr/>
-        </p:nvSpPr>
-        <p:spPr>
-          <a:xfrm>
-            <a:off x="3435611" y="3615793"/>
-            <a:ext cx="995318" cy="647362"/>
-          </a:xfrm>
-          <a:prstGeom prst="borderCallout1">
-            <a:avLst>
-              <a:gd name="adj1" fmla="val -7234"/>
-              <a:gd name="adj2" fmla="val 45249"/>
-              <a:gd name="adj3" fmla="val -53131"/>
-              <a:gd name="adj4" fmla="val 120132"/>
-            </a:avLst>
-          </a:prstGeom>
-          <a:solidFill>
-            <a:srgbClr val="C00000"/>
-          </a:solidFill>
-        </p:spPr>
-        <p:style>
-          <a:lnRef idx="2">
-            <a:schemeClr val="accent1">
-              <a:shade val="50000"/>
-            </a:schemeClr>
-          </a:lnRef>
-          <a:fillRef idx="1">
-            <a:schemeClr val="accent1"/>
-          </a:fillRef>
-          <a:effectRef idx="0">
-            <a:schemeClr val="accent1"/>
-          </a:effectRef>
-          <a:fontRef idx="minor">
-            <a:schemeClr val="lt1"/>
-          </a:fontRef>
-        </p:style>
-        <p:txBody>
-          <a:bodyPr rtlCol="0" anchor="ctr"/>
-          <a:lstStyle/>
-          <a:p>
-            <a:pPr algn="ctr"/>
-            <a:r>
-              <a:rPr lang="en-US" sz="1100" dirty="0"/>
-              <a:t>Paste Cells Below</a:t>
+              <a:rPr lang="en-US" dirty="0"/>
+              <a:t>Kernel Running</a:t>
             </a:r>
           </a:p>
         </p:txBody>
@@ -8223,7 +8173,7 @@
     </p:spTree>
     <p:extLst>
       <p:ext uri="{BB962C8B-B14F-4D97-AF65-F5344CB8AC3E}">
-        <p14:creationId xmlns:p14="http://schemas.microsoft.com/office/powerpoint/2010/main" val="47206604"/>
+        <p14:creationId xmlns:p14="http://schemas.microsoft.com/office/powerpoint/2010/main" val="2161879018"/>
       </p:ext>
     </p:extLst>
   </p:cSld>
@@ -8262,8 +8212,8 @@
         </p:nvSpPr>
         <p:spPr>
           <a:xfrm>
-            <a:off x="3194444" y="5682387"/>
-            <a:ext cx="5496402" cy="669861"/>
+            <a:off x="232760" y="106974"/>
+            <a:ext cx="8825658" cy="669861"/>
           </a:xfrm>
         </p:spPr>
         <p:txBody>
@@ -8271,150 +8221,605 @@
           <a:lstStyle/>
           <a:p>
             <a:r>
-              <a:rPr lang="en-US" sz="4000" b="1" i="1" dirty="0">
-                <a:solidFill>
-                  <a:schemeClr val="accent2">
-                    <a:lumMod val="40000"/>
-                    <a:lumOff val="60000"/>
-                  </a:schemeClr>
-                </a:solidFill>
-              </a:rPr>
-              <a:t>Exploring Jupyter…</a:t>
+              <a:rPr lang="en-US" sz="4000" dirty="0"/>
+              <a:t>The Cell Toolbar</a:t>
+            </a:r>
+          </a:p>
+        </p:txBody>
+      </p:sp>
+      <p:sp>
+        <p:nvSpPr>
+          <p:cNvPr id="10" name="Line Callout 1 9"/>
+          <p:cNvSpPr/>
+          <p:nvPr/>
+        </p:nvSpPr>
+        <p:spPr>
+          <a:xfrm>
+            <a:off x="2233404" y="3615793"/>
+            <a:ext cx="995318" cy="647362"/>
+          </a:xfrm>
+          <a:prstGeom prst="borderCallout1">
+            <a:avLst>
+              <a:gd name="adj1" fmla="val -7234"/>
+              <a:gd name="adj2" fmla="val 45249"/>
+              <a:gd name="adj3" fmla="val -51881"/>
+              <a:gd name="adj4" fmla="val 106311"/>
+            </a:avLst>
+          </a:prstGeom>
+          <a:solidFill>
+            <a:srgbClr val="C00000"/>
+          </a:solidFill>
+        </p:spPr>
+        <p:style>
+          <a:lnRef idx="2">
+            <a:schemeClr val="accent1">
+              <a:shade val="50000"/>
+            </a:schemeClr>
+          </a:lnRef>
+          <a:fillRef idx="1">
+            <a:schemeClr val="accent1"/>
+          </a:fillRef>
+          <a:effectRef idx="0">
+            <a:schemeClr val="accent1"/>
+          </a:effectRef>
+          <a:fontRef idx="minor">
+            <a:schemeClr val="lt1"/>
+          </a:fontRef>
+        </p:style>
+        <p:txBody>
+          <a:bodyPr rtlCol="0" anchor="ctr"/>
+          <a:lstStyle/>
+          <a:p>
+            <a:pPr algn="ctr"/>
+            <a:r>
+              <a:rPr lang="en-US" sz="1200" dirty="0"/>
+              <a:t>Insert </a:t>
+            </a:r>
+            <a:r>
+              <a:rPr lang="en-US" sz="1100" dirty="0"/>
+              <a:t>Cell</a:t>
             </a:r>
           </a:p>
         </p:txBody>
       </p:sp>
       <p:pic>
         <p:nvPicPr>
-          <p:cNvPr id="2050" name="Picture 2" descr="Image result for jupiter"/>
+          <p:cNvPr id="3" name="Picture 2"/>
           <p:cNvPicPr>
-            <a:picLocks noChangeAspect="1" noChangeArrowheads="1"/>
+            <a:picLocks noChangeAspect="1"/>
           </p:cNvPicPr>
           <p:nvPr/>
         </p:nvPicPr>
         <p:blipFill>
-          <a:blip r:embed="rId2">
-            <a:extLst>
-              <a:ext uri="{28A0092B-C50C-407E-A947-70E740481C1C}">
-                <a14:useLocalDpi xmlns:a14="http://schemas.microsoft.com/office/drawing/2010/main" val="0"/>
-              </a:ext>
-            </a:extLst>
-          </a:blip>
-          <a:srcRect/>
+          <a:blip r:embed="rId2"/>
           <a:stretch>
             <a:fillRect/>
           </a:stretch>
         </p:blipFill>
-        <p:spPr bwMode="auto">
-          <a:xfrm>
-            <a:off x="1741615" y="823912"/>
-            <a:ext cx="8143364" cy="4581567"/>
+        <p:spPr>
+          <a:xfrm>
+            <a:off x="2618657" y="2765369"/>
+            <a:ext cx="6353517" cy="487629"/>
           </a:xfrm>
           <a:prstGeom prst="rect">
             <a:avLst/>
           </a:prstGeom>
-          <a:noFill/>
-          <a:extLst>
-            <a:ext uri="{909E8E84-426E-40DD-AFC4-6F175D3DCCD1}">
-              <a14:hiddenFill xmlns:a14="http://schemas.microsoft.com/office/drawing/2010/main">
-                <a:solidFill>
-                  <a:srgbClr val="FFFFFF"/>
-                </a:solidFill>
-              </a14:hiddenFill>
-            </a:ext>
-          </a:extLst>
         </p:spPr>
       </p:pic>
       <p:sp>
         <p:nvSpPr>
-          <p:cNvPr id="3" name="TextBox 2"/>
-          <p:cNvSpPr txBox="1"/>
+          <p:cNvPr id="7" name="Line Callout 1 6"/>
+          <p:cNvSpPr/>
           <p:nvPr/>
         </p:nvSpPr>
         <p:spPr>
           <a:xfrm>
-            <a:off x="10045258" y="1666959"/>
-            <a:ext cx="2097049" cy="1600438"/>
-          </a:xfrm>
-          <a:prstGeom prst="rect">
-            <a:avLst/>
-          </a:prstGeom>
-          <a:noFill/>
-        </p:spPr>
-        <p:txBody>
-          <a:bodyPr wrap="none" rtlCol="0">
-            <a:spAutoFit/>
-          </a:bodyPr>
-          <a:lstStyle/>
-          <a:p>
-            <a:pPr marL="285750" indent="-285750">
-              <a:buFont typeface="Arial" panose="020B0604020202020204" pitchFamily="34" charset="0"/>
-              <a:buChar char="•"/>
-            </a:pPr>
-            <a:r>
-              <a:rPr lang="en-US" sz="1400" dirty="0"/>
-              <a:t>New notebook</a:t>
-            </a:r>
-          </a:p>
-          <a:p>
-            <a:pPr marL="285750" indent="-285750">
-              <a:buFont typeface="Arial" panose="020B0604020202020204" pitchFamily="34" charset="0"/>
-              <a:buChar char="•"/>
-            </a:pPr>
-            <a:r>
-              <a:rPr lang="en-US" sz="1400" dirty="0"/>
-              <a:t>Sample notebooks</a:t>
-            </a:r>
-          </a:p>
-          <a:p>
-            <a:pPr marL="742950" lvl="1" indent="-285750">
-              <a:buFont typeface="Arial" panose="020B0604020202020204" pitchFamily="34" charset="0"/>
-              <a:buChar char="•"/>
-            </a:pPr>
-            <a:r>
-              <a:rPr lang="en-US" sz="1400" dirty="0"/>
-              <a:t>Python</a:t>
-            </a:r>
-          </a:p>
-          <a:p>
-            <a:pPr marL="742950" lvl="1" indent="-285750">
-              <a:buFont typeface="Arial" panose="020B0604020202020204" pitchFamily="34" charset="0"/>
-              <a:buChar char="•"/>
-            </a:pPr>
-            <a:r>
-              <a:rPr lang="en-US" sz="1400" dirty="0"/>
-              <a:t>R</a:t>
-            </a:r>
-          </a:p>
-          <a:p>
-            <a:pPr marL="285750" indent="-285750">
-              <a:buFont typeface="Arial" panose="020B0604020202020204" pitchFamily="34" charset="0"/>
-              <a:buChar char="•"/>
-            </a:pPr>
-            <a:r>
-              <a:rPr lang="en-US" sz="1400" dirty="0"/>
-              <a:t>Cell Magic</a:t>
-            </a:r>
-          </a:p>
-          <a:p>
-            <a:pPr marL="285750" indent="-285750">
-              <a:buFont typeface="Arial" panose="020B0604020202020204" pitchFamily="34" charset="0"/>
-              <a:buChar char="•"/>
-            </a:pPr>
-            <a:r>
-              <a:rPr lang="en-US" sz="1400" dirty="0"/>
-              <a:t>Widgets</a:t>
-            </a:r>
-          </a:p>
-          <a:p>
-            <a:endParaRPr lang="en-US" sz="1400" dirty="0"/>
+            <a:off x="4637818" y="3615793"/>
+            <a:ext cx="995318" cy="647362"/>
+          </a:xfrm>
+          <a:prstGeom prst="borderCallout1">
+            <a:avLst>
+              <a:gd name="adj1" fmla="val -7234"/>
+              <a:gd name="adj2" fmla="val 45249"/>
+              <a:gd name="adj3" fmla="val -48131"/>
+              <a:gd name="adj4" fmla="val 45335"/>
+            </a:avLst>
+          </a:prstGeom>
+          <a:solidFill>
+            <a:srgbClr val="C00000"/>
+          </a:solidFill>
+        </p:spPr>
+        <p:style>
+          <a:lnRef idx="2">
+            <a:schemeClr val="accent1">
+              <a:shade val="50000"/>
+            </a:schemeClr>
+          </a:lnRef>
+          <a:fillRef idx="1">
+            <a:schemeClr val="accent1"/>
+          </a:fillRef>
+          <a:effectRef idx="0">
+            <a:schemeClr val="accent1"/>
+          </a:effectRef>
+          <a:fontRef idx="minor">
+            <a:schemeClr val="lt1"/>
+          </a:fontRef>
+        </p:style>
+        <p:txBody>
+          <a:bodyPr rtlCol="0" anchor="ctr"/>
+          <a:lstStyle/>
+          <a:p>
+            <a:pPr algn="ctr"/>
+            <a:r>
+              <a:rPr lang="en-US" sz="1100" dirty="0"/>
+              <a:t>Move Cell(s) Up 1</a:t>
+            </a:r>
+          </a:p>
+        </p:txBody>
+      </p:sp>
+      <p:sp>
+        <p:nvSpPr>
+          <p:cNvPr id="8" name="Line Callout 1 7"/>
+          <p:cNvSpPr/>
+          <p:nvPr/>
+        </p:nvSpPr>
+        <p:spPr>
+          <a:xfrm>
+            <a:off x="5840025" y="3615793"/>
+            <a:ext cx="995318" cy="647362"/>
+          </a:xfrm>
+          <a:prstGeom prst="borderCallout1">
+            <a:avLst>
+              <a:gd name="adj1" fmla="val -7234"/>
+              <a:gd name="adj2" fmla="val 45249"/>
+              <a:gd name="adj3" fmla="val -46881"/>
+              <a:gd name="adj4" fmla="val 33953"/>
+            </a:avLst>
+          </a:prstGeom>
+          <a:solidFill>
+            <a:srgbClr val="C00000"/>
+          </a:solidFill>
+        </p:spPr>
+        <p:style>
+          <a:lnRef idx="2">
+            <a:schemeClr val="accent1">
+              <a:shade val="50000"/>
+            </a:schemeClr>
+          </a:lnRef>
+          <a:fillRef idx="1">
+            <a:schemeClr val="accent1"/>
+          </a:fillRef>
+          <a:effectRef idx="0">
+            <a:schemeClr val="accent1"/>
+          </a:effectRef>
+          <a:fontRef idx="minor">
+            <a:schemeClr val="lt1"/>
+          </a:fontRef>
+        </p:style>
+        <p:txBody>
+          <a:bodyPr rtlCol="0" anchor="ctr"/>
+          <a:lstStyle/>
+          <a:p>
+            <a:pPr algn="ctr"/>
+            <a:r>
+              <a:rPr lang="en-US" sz="1100" dirty="0"/>
+              <a:t>Run Code in Selected Cell(s)</a:t>
+            </a:r>
+          </a:p>
+        </p:txBody>
+      </p:sp>
+      <p:sp>
+        <p:nvSpPr>
+          <p:cNvPr id="9" name="Line Callout 1 8"/>
+          <p:cNvSpPr/>
+          <p:nvPr/>
+        </p:nvSpPr>
+        <p:spPr>
+          <a:xfrm>
+            <a:off x="8244438" y="3615793"/>
+            <a:ext cx="995318" cy="647362"/>
+          </a:xfrm>
+          <a:prstGeom prst="borderCallout1">
+            <a:avLst>
+              <a:gd name="adj1" fmla="val -7234"/>
+              <a:gd name="adj2" fmla="val 45249"/>
+              <a:gd name="adj3" fmla="val -48131"/>
+              <a:gd name="adj4" fmla="val 45335"/>
+            </a:avLst>
+          </a:prstGeom>
+          <a:solidFill>
+            <a:srgbClr val="C00000"/>
+          </a:solidFill>
+        </p:spPr>
+        <p:style>
+          <a:lnRef idx="2">
+            <a:schemeClr val="accent1">
+              <a:shade val="50000"/>
+            </a:schemeClr>
+          </a:lnRef>
+          <a:fillRef idx="1">
+            <a:schemeClr val="accent1"/>
+          </a:fillRef>
+          <a:effectRef idx="0">
+            <a:schemeClr val="accent1"/>
+          </a:effectRef>
+          <a:fontRef idx="minor">
+            <a:schemeClr val="lt1"/>
+          </a:fontRef>
+        </p:style>
+        <p:txBody>
+          <a:bodyPr rtlCol="0" anchor="ctr"/>
+          <a:lstStyle/>
+          <a:p>
+            <a:pPr algn="ctr"/>
+            <a:r>
+              <a:rPr lang="en-US" sz="1100" dirty="0"/>
+              <a:t>Set Cell Content Type</a:t>
+            </a:r>
+          </a:p>
+        </p:txBody>
+      </p:sp>
+      <p:sp>
+        <p:nvSpPr>
+          <p:cNvPr id="11" name="Line Callout 1 10"/>
+          <p:cNvSpPr/>
+          <p:nvPr/>
+        </p:nvSpPr>
+        <p:spPr>
+          <a:xfrm>
+            <a:off x="7042232" y="3615793"/>
+            <a:ext cx="995318" cy="647362"/>
+          </a:xfrm>
+          <a:prstGeom prst="borderCallout1">
+            <a:avLst>
+              <a:gd name="adj1" fmla="val -7234"/>
+              <a:gd name="adj2" fmla="val 45249"/>
+              <a:gd name="adj3" fmla="val -49381"/>
+              <a:gd name="adj4" fmla="val 7124"/>
+            </a:avLst>
+          </a:prstGeom>
+          <a:solidFill>
+            <a:srgbClr val="C00000"/>
+          </a:solidFill>
+        </p:spPr>
+        <p:style>
+          <a:lnRef idx="2">
+            <a:schemeClr val="accent1">
+              <a:shade val="50000"/>
+            </a:schemeClr>
+          </a:lnRef>
+          <a:fillRef idx="1">
+            <a:schemeClr val="accent1"/>
+          </a:fillRef>
+          <a:effectRef idx="0">
+            <a:schemeClr val="accent1"/>
+          </a:effectRef>
+          <a:fontRef idx="minor">
+            <a:schemeClr val="lt1"/>
+          </a:fontRef>
+        </p:style>
+        <p:txBody>
+          <a:bodyPr rtlCol="0" anchor="ctr"/>
+          <a:lstStyle/>
+          <a:p>
+            <a:pPr algn="ctr"/>
+            <a:r>
+              <a:rPr lang="en-US" sz="1100" dirty="0"/>
+              <a:t>Restart the Kernel</a:t>
+            </a:r>
+          </a:p>
+        </p:txBody>
+      </p:sp>
+      <p:sp>
+        <p:nvSpPr>
+          <p:cNvPr id="12" name="Line Callout 1 11"/>
+          <p:cNvSpPr/>
+          <p:nvPr/>
+        </p:nvSpPr>
+        <p:spPr>
+          <a:xfrm>
+            <a:off x="3549711" y="1510515"/>
+            <a:ext cx="995318" cy="647362"/>
+          </a:xfrm>
+          <a:prstGeom prst="borderCallout1">
+            <a:avLst>
+              <a:gd name="adj1" fmla="val 109016"/>
+              <a:gd name="adj2" fmla="val 49314"/>
+              <a:gd name="adj3" fmla="val 180619"/>
+              <a:gd name="adj4" fmla="val 50213"/>
+            </a:avLst>
+          </a:prstGeom>
+          <a:solidFill>
+            <a:srgbClr val="C00000"/>
+          </a:solidFill>
+        </p:spPr>
+        <p:style>
+          <a:lnRef idx="2">
+            <a:schemeClr val="accent1">
+              <a:shade val="50000"/>
+            </a:schemeClr>
+          </a:lnRef>
+          <a:fillRef idx="1">
+            <a:schemeClr val="accent1"/>
+          </a:fillRef>
+          <a:effectRef idx="0">
+            <a:schemeClr val="accent1"/>
+          </a:effectRef>
+          <a:fontRef idx="minor">
+            <a:schemeClr val="lt1"/>
+          </a:fontRef>
+        </p:style>
+        <p:txBody>
+          <a:bodyPr rtlCol="0" anchor="ctr"/>
+          <a:lstStyle/>
+          <a:p>
+            <a:pPr algn="ctr"/>
+            <a:r>
+              <a:rPr lang="en-US" sz="1100" dirty="0"/>
+              <a:t>Cut Cell</a:t>
+            </a:r>
+          </a:p>
+        </p:txBody>
+      </p:sp>
+      <p:sp>
+        <p:nvSpPr>
+          <p:cNvPr id="13" name="Line Callout 1 12"/>
+          <p:cNvSpPr/>
+          <p:nvPr/>
+        </p:nvSpPr>
+        <p:spPr>
+          <a:xfrm>
+            <a:off x="2480214" y="1517259"/>
+            <a:ext cx="995318" cy="647362"/>
+          </a:xfrm>
+          <a:prstGeom prst="borderCallout1">
+            <a:avLst>
+              <a:gd name="adj1" fmla="val 109016"/>
+              <a:gd name="adj2" fmla="val 49314"/>
+              <a:gd name="adj3" fmla="val 180619"/>
+              <a:gd name="adj4" fmla="val 50213"/>
+            </a:avLst>
+          </a:prstGeom>
+          <a:solidFill>
+            <a:srgbClr val="C00000"/>
+          </a:solidFill>
+        </p:spPr>
+        <p:style>
+          <a:lnRef idx="2">
+            <a:schemeClr val="accent1">
+              <a:shade val="50000"/>
+            </a:schemeClr>
+          </a:lnRef>
+          <a:fillRef idx="1">
+            <a:schemeClr val="accent1"/>
+          </a:fillRef>
+          <a:effectRef idx="0">
+            <a:schemeClr val="accent1"/>
+          </a:effectRef>
+          <a:fontRef idx="minor">
+            <a:schemeClr val="lt1"/>
+          </a:fontRef>
+        </p:style>
+        <p:txBody>
+          <a:bodyPr rtlCol="0" anchor="ctr"/>
+          <a:lstStyle/>
+          <a:p>
+            <a:pPr algn="ctr"/>
+            <a:r>
+              <a:rPr lang="en-US" sz="1100" dirty="0"/>
+              <a:t>Save Notebook</a:t>
+            </a:r>
+          </a:p>
+        </p:txBody>
+      </p:sp>
+      <p:sp>
+        <p:nvSpPr>
+          <p:cNvPr id="14" name="Line Callout 1 13"/>
+          <p:cNvSpPr/>
+          <p:nvPr/>
+        </p:nvSpPr>
+        <p:spPr>
+          <a:xfrm>
+            <a:off x="4650227" y="1494331"/>
+            <a:ext cx="995318" cy="647362"/>
+          </a:xfrm>
+          <a:prstGeom prst="borderCallout1">
+            <a:avLst>
+              <a:gd name="adj1" fmla="val 109016"/>
+              <a:gd name="adj2" fmla="val 49314"/>
+              <a:gd name="adj3" fmla="val 181869"/>
+              <a:gd name="adj4" fmla="val -15641"/>
+            </a:avLst>
+          </a:prstGeom>
+          <a:solidFill>
+            <a:srgbClr val="C00000"/>
+          </a:solidFill>
+        </p:spPr>
+        <p:style>
+          <a:lnRef idx="2">
+            <a:schemeClr val="accent1">
+              <a:shade val="50000"/>
+            </a:schemeClr>
+          </a:lnRef>
+          <a:fillRef idx="1">
+            <a:schemeClr val="accent1"/>
+          </a:fillRef>
+          <a:effectRef idx="0">
+            <a:schemeClr val="accent1"/>
+          </a:effectRef>
+          <a:fontRef idx="minor">
+            <a:schemeClr val="lt1"/>
+          </a:fontRef>
+        </p:style>
+        <p:txBody>
+          <a:bodyPr rtlCol="0" anchor="ctr"/>
+          <a:lstStyle/>
+          <a:p>
+            <a:pPr algn="ctr"/>
+            <a:r>
+              <a:rPr lang="en-US" sz="1100" dirty="0"/>
+              <a:t>Copy Cell</a:t>
+            </a:r>
+          </a:p>
+        </p:txBody>
+      </p:sp>
+      <p:sp>
+        <p:nvSpPr>
+          <p:cNvPr id="15" name="Line Callout 1 14"/>
+          <p:cNvSpPr/>
+          <p:nvPr/>
+        </p:nvSpPr>
+        <p:spPr>
+          <a:xfrm>
+            <a:off x="6875536" y="1486238"/>
+            <a:ext cx="995318" cy="647362"/>
+          </a:xfrm>
+          <a:prstGeom prst="borderCallout1">
+            <a:avLst>
+              <a:gd name="adj1" fmla="val 109016"/>
+              <a:gd name="adj2" fmla="val 49314"/>
+              <a:gd name="adj3" fmla="val 184369"/>
+              <a:gd name="adj4" fmla="val -17267"/>
+            </a:avLst>
+          </a:prstGeom>
+          <a:solidFill>
+            <a:srgbClr val="C00000"/>
+          </a:solidFill>
+        </p:spPr>
+        <p:style>
+          <a:lnRef idx="2">
+            <a:schemeClr val="accent1">
+              <a:shade val="50000"/>
+            </a:schemeClr>
+          </a:lnRef>
+          <a:fillRef idx="1">
+            <a:schemeClr val="accent1"/>
+          </a:fillRef>
+          <a:effectRef idx="0">
+            <a:schemeClr val="accent1"/>
+          </a:effectRef>
+          <a:fontRef idx="minor">
+            <a:schemeClr val="lt1"/>
+          </a:fontRef>
+        </p:style>
+        <p:txBody>
+          <a:bodyPr rtlCol="0" anchor="ctr"/>
+          <a:lstStyle/>
+          <a:p>
+            <a:pPr algn="ctr"/>
+            <a:r>
+              <a:rPr lang="en-US" sz="1100" dirty="0"/>
+              <a:t>Stop Cell Execution</a:t>
+            </a:r>
+          </a:p>
+        </p:txBody>
+      </p:sp>
+      <p:sp>
+        <p:nvSpPr>
+          <p:cNvPr id="16" name="Line Callout 1 15"/>
+          <p:cNvSpPr/>
+          <p:nvPr/>
+        </p:nvSpPr>
+        <p:spPr>
+          <a:xfrm>
+            <a:off x="5750744" y="1486238"/>
+            <a:ext cx="995318" cy="647362"/>
+          </a:xfrm>
+          <a:prstGeom prst="borderCallout1">
+            <a:avLst>
+              <a:gd name="adj1" fmla="val 109016"/>
+              <a:gd name="adj2" fmla="val 49314"/>
+              <a:gd name="adj3" fmla="val 186869"/>
+              <a:gd name="adj4" fmla="val 6310"/>
+            </a:avLst>
+          </a:prstGeom>
+          <a:solidFill>
+            <a:srgbClr val="C00000"/>
+          </a:solidFill>
+        </p:spPr>
+        <p:style>
+          <a:lnRef idx="2">
+            <a:schemeClr val="accent1">
+              <a:shade val="50000"/>
+            </a:schemeClr>
+          </a:lnRef>
+          <a:fillRef idx="1">
+            <a:schemeClr val="accent1"/>
+          </a:fillRef>
+          <a:effectRef idx="0">
+            <a:schemeClr val="accent1"/>
+          </a:effectRef>
+          <a:fontRef idx="minor">
+            <a:schemeClr val="lt1"/>
+          </a:fontRef>
+        </p:style>
+        <p:txBody>
+          <a:bodyPr rtlCol="0" anchor="ctr"/>
+          <a:lstStyle/>
+          <a:p>
+            <a:pPr algn="ctr"/>
+            <a:r>
+              <a:rPr lang="en-US" sz="1100" dirty="0"/>
+              <a:t>Move Cell Down 1</a:t>
+            </a:r>
+          </a:p>
+        </p:txBody>
+      </p:sp>
+      <p:sp>
+        <p:nvSpPr>
+          <p:cNvPr id="17" name="Line Callout 1 16"/>
+          <p:cNvSpPr/>
+          <p:nvPr/>
+        </p:nvSpPr>
+        <p:spPr>
+          <a:xfrm>
+            <a:off x="3435611" y="3615793"/>
+            <a:ext cx="995318" cy="647362"/>
+          </a:xfrm>
+          <a:prstGeom prst="borderCallout1">
+            <a:avLst>
+              <a:gd name="adj1" fmla="val -7234"/>
+              <a:gd name="adj2" fmla="val 45249"/>
+              <a:gd name="adj3" fmla="val -53131"/>
+              <a:gd name="adj4" fmla="val 120132"/>
+            </a:avLst>
+          </a:prstGeom>
+          <a:solidFill>
+            <a:srgbClr val="C00000"/>
+          </a:solidFill>
+        </p:spPr>
+        <p:style>
+          <a:lnRef idx="2">
+            <a:schemeClr val="accent1">
+              <a:shade val="50000"/>
+            </a:schemeClr>
+          </a:lnRef>
+          <a:fillRef idx="1">
+            <a:schemeClr val="accent1"/>
+          </a:fillRef>
+          <a:effectRef idx="0">
+            <a:schemeClr val="accent1"/>
+          </a:effectRef>
+          <a:fontRef idx="minor">
+            <a:schemeClr val="lt1"/>
+          </a:fontRef>
+        </p:style>
+        <p:txBody>
+          <a:bodyPr rtlCol="0" anchor="ctr"/>
+          <a:lstStyle/>
+          <a:p>
+            <a:pPr algn="ctr"/>
+            <a:r>
+              <a:rPr lang="en-US" sz="1100" dirty="0"/>
+              <a:t>Paste Cells Below</a:t>
+            </a:r>
           </a:p>
         </p:txBody>
       </p:sp>
     </p:spTree>
     <p:extLst>
       <p:ext uri="{BB962C8B-B14F-4D97-AF65-F5344CB8AC3E}">
-        <p14:creationId xmlns:p14="http://schemas.microsoft.com/office/powerpoint/2010/main" val="1773617040"/>
+        <p14:creationId xmlns:p14="http://schemas.microsoft.com/office/powerpoint/2010/main" val="47206604"/>
       </p:ext>
     </p:extLst>
   </p:cSld>
@@ -8453,7 +8858,7 @@
         </p:nvSpPr>
         <p:spPr>
           <a:xfrm>
-            <a:off x="3032604" y="3101027"/>
+            <a:off x="3194444" y="5682387"/>
             <a:ext cx="5496402" cy="669861"/>
           </a:xfrm>
         </p:spPr>
@@ -8463,11 +8868,15 @@
           <a:p>
             <a:r>
               <a:rPr lang="en-US" sz="4000" b="1" i="1" dirty="0">
-                <a:hlinkClick r:id="rId2"/>
+                <a:solidFill>
+                  <a:schemeClr val="accent2">
+                    <a:lumMod val="40000"/>
+                    <a:lumOff val="60000"/>
+                  </a:schemeClr>
+                </a:solidFill>
               </a:rPr>
-              <a:t>http://jupyter.org/</a:t>
-            </a:r>
-            <a:endParaRPr lang="en-US" sz="4000" b="1" i="1" dirty="0"/>
+              <a:t>Exploring Jupyter…</a:t>
+            </a:r>
           </a:p>
         </p:txBody>
       </p:sp>
@@ -8480,7 +8889,7 @@
           <p:nvPr/>
         </p:nvPicPr>
         <p:blipFill>
-          <a:blip r:embed="rId3">
+          <a:blip r:embed="rId2">
             <a:extLst>
               <a:ext uri="{28A0092B-C50C-407E-A947-70E740481C1C}">
                 <a14:useLocalDpi xmlns:a14="http://schemas.microsoft.com/office/drawing/2010/main" val="0"/>
@@ -8494,8 +8903,8 @@
         </p:blipFill>
         <p:spPr bwMode="auto">
           <a:xfrm>
-            <a:off x="438797" y="192733"/>
-            <a:ext cx="3051805" cy="1716987"/>
+            <a:off x="1741615" y="823912"/>
+            <a:ext cx="8143364" cy="4581567"/>
           </a:xfrm>
           <a:prstGeom prst="rect">
             <a:avLst/>
@@ -8520,8 +8929,8 @@
         </p:nvSpPr>
         <p:spPr>
           <a:xfrm>
-            <a:off x="3676826" y="4143122"/>
-            <a:ext cx="3260829" cy="1138773"/>
+            <a:off x="10045258" y="1666959"/>
+            <a:ext cx="2097049" cy="1600438"/>
           </a:xfrm>
           <a:prstGeom prst="rect">
             <a:avLst/>
@@ -8539,8 +8948,8 @@
               <a:buChar char="•"/>
             </a:pPr>
             <a:r>
-              <a:rPr lang="en-US" dirty="0"/>
-              <a:t>Documentation</a:t>
+              <a:rPr lang="en-US" sz="1400" dirty="0"/>
+              <a:t>New notebook</a:t>
             </a:r>
           </a:p>
           <a:p>
@@ -8548,7 +8957,30 @@
               <a:buFont typeface="Arial" panose="020B0604020202020204" pitchFamily="34" charset="0"/>
               <a:buChar char="•"/>
             </a:pPr>
-            <a:endParaRPr lang="en-US" dirty="0"/>
+            <a:r>
+              <a:rPr lang="en-US" sz="1400" dirty="0"/>
+              <a:t>Sample notebooks</a:t>
+            </a:r>
+          </a:p>
+          <a:p>
+            <a:pPr marL="742950" lvl="1" indent="-285750">
+              <a:buFont typeface="Arial" panose="020B0604020202020204" pitchFamily="34" charset="0"/>
+              <a:buChar char="•"/>
+            </a:pPr>
+            <a:r>
+              <a:rPr lang="en-US" sz="1400" dirty="0"/>
+              <a:t>Python</a:t>
+            </a:r>
+          </a:p>
+          <a:p>
+            <a:pPr marL="742950" lvl="1" indent="-285750">
+              <a:buFont typeface="Arial" panose="020B0604020202020204" pitchFamily="34" charset="0"/>
+              <a:buChar char="•"/>
+            </a:pPr>
+            <a:r>
+              <a:rPr lang="en-US" sz="1400" dirty="0"/>
+              <a:t>R</a:t>
+            </a:r>
           </a:p>
           <a:p>
             <a:pPr marL="285750" indent="-285750">
@@ -8556,8 +8988,18 @@
               <a:buChar char="•"/>
             </a:pPr>
             <a:r>
-              <a:rPr lang="en-US" dirty="0"/>
-              <a:t>Free notebook play area</a:t>
+              <a:rPr lang="en-US" sz="1400" dirty="0"/>
+              <a:t>Cell Magic</a:t>
+            </a:r>
+          </a:p>
+          <a:p>
+            <a:pPr marL="285750" indent="-285750">
+              <a:buFont typeface="Arial" panose="020B0604020202020204" pitchFamily="34" charset="0"/>
+              <a:buChar char="•"/>
+            </a:pPr>
+            <a:r>
+              <a:rPr lang="en-US" sz="1400" dirty="0"/>
+              <a:t>Widgets</a:t>
             </a:r>
           </a:p>
           <a:p>
@@ -8568,7 +9010,7 @@
     </p:spTree>
     <p:extLst>
       <p:ext uri="{BB962C8B-B14F-4D97-AF65-F5344CB8AC3E}">
-        <p14:creationId xmlns:p14="http://schemas.microsoft.com/office/powerpoint/2010/main" val="1302515217"/>
+        <p14:creationId xmlns:p14="http://schemas.microsoft.com/office/powerpoint/2010/main" val="1773617040"/>
       </p:ext>
     </p:extLst>
   </p:cSld>
@@ -8607,8 +9049,8 @@
         </p:nvSpPr>
         <p:spPr>
           <a:xfrm>
-            <a:off x="101355" y="249392"/>
-            <a:ext cx="8825658" cy="418638"/>
+            <a:off x="3032604" y="3101027"/>
+            <a:ext cx="5496402" cy="669861"/>
           </a:xfrm>
         </p:spPr>
         <p:txBody>
@@ -8616,320 +9058,113 @@
           <a:lstStyle/>
           <a:p>
             <a:r>
-              <a:rPr lang="en-US" sz="3200" dirty="0"/>
-              <a:t>Use R and Python Together…</a:t>
-            </a:r>
+              <a:rPr lang="en-US" sz="4000" b="1" i="1" dirty="0">
+                <a:hlinkClick r:id="rId2"/>
+              </a:rPr>
+              <a:t>http://jupyter.org/</a:t>
+            </a:r>
+            <a:endParaRPr lang="en-US" sz="4000" b="1" i="1" dirty="0"/>
           </a:p>
         </p:txBody>
       </p:sp>
       <p:pic>
         <p:nvPicPr>
-          <p:cNvPr id="6" name="Picture 5"/>
+          <p:cNvPr id="2050" name="Picture 2" descr="Image result for jupiter"/>
           <p:cNvPicPr>
-            <a:picLocks noChangeAspect="1"/>
+            <a:picLocks noChangeAspect="1" noChangeArrowheads="1"/>
           </p:cNvPicPr>
           <p:nvPr/>
         </p:nvPicPr>
         <p:blipFill>
-          <a:blip r:embed="rId2">
+          <a:blip r:embed="rId3">
             <a:extLst>
               <a:ext uri="{28A0092B-C50C-407E-A947-70E740481C1C}">
                 <a14:useLocalDpi xmlns:a14="http://schemas.microsoft.com/office/drawing/2010/main" val="0"/>
               </a:ext>
             </a:extLst>
           </a:blip>
+          <a:srcRect/>
           <a:stretch>
             <a:fillRect/>
           </a:stretch>
         </p:blipFill>
-        <p:spPr>
-          <a:xfrm>
-            <a:off x="1668363" y="920955"/>
-            <a:ext cx="7922103" cy="5937045"/>
+        <p:spPr bwMode="auto">
+          <a:xfrm>
+            <a:off x="438797" y="192733"/>
+            <a:ext cx="3051805" cy="1716987"/>
           </a:xfrm>
           <a:prstGeom prst="rect">
             <a:avLst/>
           </a:prstGeom>
+          <a:noFill/>
+          <a:extLst>
+            <a:ext uri="{909E8E84-426E-40DD-AFC4-6F175D3DCCD1}">
+              <a14:hiddenFill xmlns:a14="http://schemas.microsoft.com/office/drawing/2010/main">
+                <a:solidFill>
+                  <a:srgbClr val="FFFFFF"/>
+                </a:solidFill>
+              </a14:hiddenFill>
+            </a:ext>
+          </a:extLst>
         </p:spPr>
       </p:pic>
       <p:sp>
         <p:nvSpPr>
-          <p:cNvPr id="8" name="Line Callout 1 7"/>
-          <p:cNvSpPr/>
+          <p:cNvPr id="3" name="TextBox 2"/>
+          <p:cNvSpPr txBox="1"/>
           <p:nvPr/>
         </p:nvSpPr>
         <p:spPr>
           <a:xfrm>
-            <a:off x="5964435" y="920955"/>
-            <a:ext cx="1335185" cy="612648"/>
-          </a:xfrm>
-          <a:prstGeom prst="borderCallout1">
-            <a:avLst>
-              <a:gd name="adj1" fmla="val 18750"/>
-              <a:gd name="adj2" fmla="val -8333"/>
-              <a:gd name="adj3" fmla="val 127985"/>
-              <a:gd name="adj4" fmla="val -162532"/>
-            </a:avLst>
-          </a:prstGeom>
-          <a:solidFill>
-            <a:srgbClr val="C00000"/>
-          </a:solidFill>
-        </p:spPr>
-        <p:style>
-          <a:lnRef idx="2">
-            <a:schemeClr val="accent4">
-              <a:shade val="50000"/>
-            </a:schemeClr>
-          </a:lnRef>
-          <a:fillRef idx="1">
-            <a:schemeClr val="accent4"/>
-          </a:fillRef>
-          <a:effectRef idx="0">
-            <a:schemeClr val="accent4"/>
-          </a:effectRef>
-          <a:fontRef idx="minor">
-            <a:schemeClr val="lt1"/>
-          </a:fontRef>
-        </p:style>
-        <p:txBody>
-          <a:bodyPr rtlCol="0" anchor="ctr"/>
-          <a:lstStyle/>
-          <a:p>
-            <a:pPr algn="ctr"/>
-            <a:r>
-              <a:rPr lang="en-US" sz="1400" dirty="0"/>
-              <a:t>Loads R Python Extension</a:t>
-            </a:r>
-          </a:p>
-        </p:txBody>
-      </p:sp>
-      <p:sp>
-        <p:nvSpPr>
-          <p:cNvPr id="9" name="Line Callout 1 8"/>
-          <p:cNvSpPr/>
-          <p:nvPr/>
-        </p:nvSpPr>
-        <p:spPr>
-          <a:xfrm>
-            <a:off x="6925488" y="1594320"/>
-            <a:ext cx="1335185" cy="612648"/>
-          </a:xfrm>
-          <a:prstGeom prst="borderCallout1">
-            <a:avLst>
-              <a:gd name="adj1" fmla="val 18750"/>
-              <a:gd name="adj2" fmla="val -8333"/>
-              <a:gd name="adj3" fmla="val 79478"/>
-              <a:gd name="adj4" fmla="val -235909"/>
-            </a:avLst>
-          </a:prstGeom>
-          <a:solidFill>
-            <a:srgbClr val="C00000"/>
-          </a:solidFill>
-        </p:spPr>
-        <p:style>
-          <a:lnRef idx="2">
-            <a:schemeClr val="accent4">
-              <a:shade val="50000"/>
-            </a:schemeClr>
-          </a:lnRef>
-          <a:fillRef idx="1">
-            <a:schemeClr val="accent4"/>
-          </a:fillRef>
-          <a:effectRef idx="0">
-            <a:schemeClr val="accent4"/>
-          </a:effectRef>
-          <a:fontRef idx="minor">
-            <a:schemeClr val="lt1"/>
-          </a:fontRef>
-        </p:style>
-        <p:txBody>
-          <a:bodyPr rtlCol="0" anchor="ctr"/>
-          <a:lstStyle/>
-          <a:p>
-            <a:pPr algn="ctr"/>
-            <a:r>
-              <a:rPr lang="en-US" sz="1400" dirty="0"/>
-              <a:t>%R to run  R code in the cell</a:t>
-            </a:r>
-          </a:p>
-        </p:txBody>
-      </p:sp>
-      <p:sp>
-        <p:nvSpPr>
-          <p:cNvPr id="10" name="Line Callout 1 9"/>
-          <p:cNvSpPr/>
-          <p:nvPr/>
-        </p:nvSpPr>
-        <p:spPr>
-          <a:xfrm>
-            <a:off x="9709150" y="1578135"/>
-            <a:ext cx="1335185" cy="612648"/>
-          </a:xfrm>
-          <a:prstGeom prst="borderCallout1">
-            <a:avLst>
-              <a:gd name="adj1" fmla="val 18750"/>
-              <a:gd name="adj2" fmla="val -8333"/>
-              <a:gd name="adj3" fmla="val -39396"/>
-              <a:gd name="adj4" fmla="val -41970"/>
-            </a:avLst>
-          </a:prstGeom>
-          <a:solidFill>
-            <a:srgbClr val="C00000"/>
-          </a:solidFill>
-        </p:spPr>
-        <p:style>
-          <a:lnRef idx="2">
-            <a:schemeClr val="accent4">
-              <a:shade val="50000"/>
-            </a:schemeClr>
-          </a:lnRef>
-          <a:fillRef idx="1">
-            <a:schemeClr val="accent4"/>
-          </a:fillRef>
-          <a:effectRef idx="0">
-            <a:schemeClr val="accent4"/>
-          </a:effectRef>
-          <a:fontRef idx="minor">
-            <a:schemeClr val="lt1"/>
-          </a:fontRef>
-        </p:style>
-        <p:txBody>
-          <a:bodyPr rtlCol="0" anchor="ctr"/>
-          <a:lstStyle/>
-          <a:p>
-            <a:pPr algn="ctr"/>
-            <a:r>
-              <a:rPr lang="en-US" sz="1400" dirty="0"/>
-              <a:t>Default language is Python 3</a:t>
-            </a:r>
-          </a:p>
-        </p:txBody>
-      </p:sp>
-      <p:sp>
-        <p:nvSpPr>
-          <p:cNvPr id="11" name="Line Callout 1 10"/>
-          <p:cNvSpPr/>
-          <p:nvPr/>
-        </p:nvSpPr>
-        <p:spPr>
-          <a:xfrm>
-            <a:off x="7168250" y="4321336"/>
-            <a:ext cx="2155179" cy="1240780"/>
-          </a:xfrm>
-          <a:prstGeom prst="borderCallout1">
-            <a:avLst>
-              <a:gd name="adj1" fmla="val 18750"/>
-              <a:gd name="adj2" fmla="val -8333"/>
-              <a:gd name="adj3" fmla="val -70142"/>
-              <a:gd name="adj4" fmla="val -188083"/>
-            </a:avLst>
-          </a:prstGeom>
-          <a:solidFill>
-            <a:srgbClr val="C00000"/>
-          </a:solidFill>
-        </p:spPr>
-        <p:style>
-          <a:lnRef idx="2">
-            <a:schemeClr val="accent4">
-              <a:shade val="50000"/>
-            </a:schemeClr>
-          </a:lnRef>
-          <a:fillRef idx="1">
-            <a:schemeClr val="accent4"/>
-          </a:fillRef>
-          <a:effectRef idx="0">
-            <a:schemeClr val="accent4"/>
-          </a:effectRef>
-          <a:fontRef idx="minor">
-            <a:schemeClr val="lt1"/>
-          </a:fontRef>
-        </p:style>
-        <p:txBody>
-          <a:bodyPr rtlCol="0" anchor="ctr"/>
-          <a:lstStyle/>
-          <a:p>
-            <a:r>
-              <a:rPr lang="en-US" sz="1400" dirty="0"/>
-              <a:t>%%R defines data to be passed between R and Python:</a:t>
-            </a:r>
-          </a:p>
-          <a:p>
-            <a:r>
-              <a:rPr lang="en-US" sz="1400" dirty="0"/>
-              <a:t>-i = Python to R</a:t>
-            </a:r>
-          </a:p>
-          <a:p>
-            <a:r>
-              <a:rPr lang="en-US" sz="1400" dirty="0"/>
-              <a:t>-o = R to Python</a:t>
-            </a:r>
-          </a:p>
-        </p:txBody>
-      </p:sp>
-      <p:sp>
-        <p:nvSpPr>
-          <p:cNvPr id="12" name="Line Callout 1 11"/>
-          <p:cNvSpPr/>
-          <p:nvPr/>
-        </p:nvSpPr>
-        <p:spPr>
-          <a:xfrm>
-            <a:off x="8802841" y="2622009"/>
-            <a:ext cx="1564460" cy="925190"/>
-          </a:xfrm>
-          <a:prstGeom prst="borderCallout1">
-            <a:avLst>
-              <a:gd name="adj1" fmla="val 18750"/>
-              <a:gd name="adj2" fmla="val -8333"/>
-              <a:gd name="adj3" fmla="val 99146"/>
-              <a:gd name="adj4" fmla="val -120199"/>
-            </a:avLst>
-          </a:prstGeom>
-          <a:solidFill>
-            <a:srgbClr val="C00000"/>
-          </a:solidFill>
-        </p:spPr>
-        <p:style>
-          <a:lnRef idx="2">
-            <a:schemeClr val="accent4">
-              <a:shade val="50000"/>
-            </a:schemeClr>
-          </a:lnRef>
-          <a:fillRef idx="1">
-            <a:schemeClr val="accent4"/>
-          </a:fillRef>
-          <a:effectRef idx="0">
-            <a:schemeClr val="accent4"/>
-          </a:effectRef>
-          <a:fontRef idx="minor">
-            <a:schemeClr val="lt1"/>
-          </a:fontRef>
-        </p:style>
-        <p:txBody>
-          <a:bodyPr rtlCol="0" anchor="ctr"/>
-          <a:lstStyle/>
-          <a:p>
-            <a:pPr algn="ctr"/>
-            <a:r>
-              <a:rPr lang="en-US" sz="1400" dirty="0"/>
-              <a:t>R ggplot call passing data frame, </a:t>
-            </a:r>
-            <a:r>
-              <a:rPr lang="en-US" sz="1400" dirty="0" err="1"/>
-              <a:t>df</a:t>
-            </a:r>
-            <a:r>
-              <a:rPr lang="en-US" sz="1400" dirty="0"/>
-              <a:t>, from Python</a:t>
-            </a:r>
+            <a:off x="3676826" y="4143122"/>
+            <a:ext cx="3260829" cy="1138773"/>
+          </a:xfrm>
+          <a:prstGeom prst="rect">
+            <a:avLst/>
+          </a:prstGeom>
+          <a:noFill/>
+        </p:spPr>
+        <p:txBody>
+          <a:bodyPr wrap="none" rtlCol="0">
+            <a:spAutoFit/>
+          </a:bodyPr>
+          <a:lstStyle/>
+          <a:p>
+            <a:pPr marL="285750" indent="-285750">
+              <a:buFont typeface="Arial" panose="020B0604020202020204" pitchFamily="34" charset="0"/>
+              <a:buChar char="•"/>
+            </a:pPr>
+            <a:r>
+              <a:rPr lang="en-US" dirty="0"/>
+              <a:t>Documentation</a:t>
+            </a:r>
+          </a:p>
+          <a:p>
+            <a:pPr marL="285750" indent="-285750">
+              <a:buFont typeface="Arial" panose="020B0604020202020204" pitchFamily="34" charset="0"/>
+              <a:buChar char="•"/>
+            </a:pPr>
+            <a:endParaRPr lang="en-US" dirty="0"/>
+          </a:p>
+          <a:p>
+            <a:pPr marL="285750" indent="-285750">
+              <a:buFont typeface="Arial" panose="020B0604020202020204" pitchFamily="34" charset="0"/>
+              <a:buChar char="•"/>
+            </a:pPr>
+            <a:r>
+              <a:rPr lang="en-US" dirty="0"/>
+              <a:t>Free notebook play area</a:t>
+            </a:r>
+          </a:p>
+          <a:p>
+            <a:endParaRPr lang="en-US" sz="1400" dirty="0"/>
           </a:p>
         </p:txBody>
       </p:sp>
     </p:spTree>
     <p:extLst>
       <p:ext uri="{BB962C8B-B14F-4D97-AF65-F5344CB8AC3E}">
-        <p14:creationId xmlns:p14="http://schemas.microsoft.com/office/powerpoint/2010/main" val="3809914187"/>
+        <p14:creationId xmlns:p14="http://schemas.microsoft.com/office/powerpoint/2010/main" val="1302515217"/>
       </p:ext>
     </p:extLst>
   </p:cSld>
@@ -8968,8 +9203,8 @@
         </p:nvSpPr>
         <p:spPr>
           <a:xfrm>
-            <a:off x="344860" y="0"/>
-            <a:ext cx="8825658" cy="599112"/>
+            <a:off x="101355" y="249392"/>
+            <a:ext cx="8825658" cy="418638"/>
           </a:xfrm>
         </p:spPr>
         <p:txBody>
@@ -8977,38 +9212,36 @@
           <a:lstStyle/>
           <a:p>
             <a:r>
-              <a:rPr lang="en-US" sz="2800" dirty="0"/>
-              <a:t>Accessing Spark with </a:t>
-            </a:r>
-            <a:r>
-              <a:rPr lang="en-US" sz="2800" dirty="0" err="1"/>
-              <a:t>pyspark</a:t>
-            </a:r>
-            <a:r>
-              <a:rPr lang="en-US" sz="2800" dirty="0"/>
-              <a:t>…</a:t>
+              <a:rPr lang="en-US" sz="3200" dirty="0"/>
+              <a:t>Use R and Python Together…</a:t>
             </a:r>
           </a:p>
         </p:txBody>
       </p:sp>
       <p:pic>
         <p:nvPicPr>
-          <p:cNvPr id="3" name="Picture 2"/>
+          <p:cNvPr id="6" name="Picture 5"/>
           <p:cNvPicPr>
             <a:picLocks noChangeAspect="1"/>
           </p:cNvPicPr>
           <p:nvPr/>
         </p:nvPicPr>
         <p:blipFill>
-          <a:blip r:embed="rId2"/>
+          <a:blip r:embed="rId2">
+            <a:extLst>
+              <a:ext uri="{28A0092B-C50C-407E-A947-70E740481C1C}">
+                <a14:useLocalDpi xmlns:a14="http://schemas.microsoft.com/office/drawing/2010/main" val="0"/>
+              </a:ext>
+            </a:extLst>
+          </a:blip>
           <a:stretch>
             <a:fillRect/>
           </a:stretch>
         </p:blipFill>
         <p:spPr>
           <a:xfrm>
-            <a:off x="1019596" y="741994"/>
-            <a:ext cx="8140588" cy="6014211"/>
+            <a:off x="1668363" y="920955"/>
+            <a:ext cx="7922103" cy="5937045"/>
           </a:xfrm>
           <a:prstGeom prst="rect">
             <a:avLst/>
@@ -9017,21 +9250,21 @@
       </p:pic>
       <p:sp>
         <p:nvSpPr>
-          <p:cNvPr id="4" name="Line Callout 1 3"/>
+          <p:cNvPr id="8" name="Line Callout 1 7"/>
           <p:cNvSpPr/>
           <p:nvPr/>
         </p:nvSpPr>
         <p:spPr>
           <a:xfrm>
-            <a:off x="9710442" y="1383737"/>
+            <a:off x="5964435" y="920955"/>
             <a:ext cx="1335185" cy="612648"/>
           </a:xfrm>
           <a:prstGeom prst="borderCallout1">
             <a:avLst>
               <a:gd name="adj1" fmla="val 18750"/>
               <a:gd name="adj2" fmla="val -8333"/>
-              <a:gd name="adj3" fmla="val 50421"/>
-              <a:gd name="adj4" fmla="val -101363"/>
+              <a:gd name="adj3" fmla="val 127985"/>
+              <a:gd name="adj4" fmla="val -162532"/>
             </a:avLst>
           </a:prstGeom>
           <a:solidFill>
@@ -9061,36 +9294,28 @@
             <a:pPr algn="ctr"/>
             <a:r>
               <a:rPr lang="en-US" sz="1400" dirty="0"/>
-              <a:t>Import </a:t>
-            </a:r>
-            <a:r>
-              <a:rPr lang="en-US" sz="1400" dirty="0" err="1"/>
-              <a:t>pyspark</a:t>
-            </a:r>
-            <a:r>
-              <a:rPr lang="en-US" sz="1400" dirty="0"/>
-              <a:t> module</a:t>
-            </a:r>
-          </a:p>
-        </p:txBody>
-      </p:sp>
-      <p:sp>
-        <p:nvSpPr>
-          <p:cNvPr id="5" name="Line Callout 1 4"/>
+              <a:t>Loads R Python Extension</a:t>
+            </a:r>
+          </a:p>
+        </p:txBody>
+      </p:sp>
+      <p:sp>
+        <p:nvSpPr>
+          <p:cNvPr id="9" name="Line Callout 1 8"/>
           <p:cNvSpPr/>
           <p:nvPr/>
         </p:nvSpPr>
         <p:spPr>
           <a:xfrm>
-            <a:off x="9668633" y="2134948"/>
+            <a:off x="6925488" y="1594320"/>
             <a:ext cx="1335185" cy="612648"/>
           </a:xfrm>
           <a:prstGeom prst="borderCallout1">
             <a:avLst>
               <a:gd name="adj1" fmla="val 18750"/>
               <a:gd name="adj2" fmla="val -8333"/>
-              <a:gd name="adj3" fmla="val 50421"/>
-              <a:gd name="adj4" fmla="val -101363"/>
+              <a:gd name="adj3" fmla="val 79478"/>
+              <a:gd name="adj4" fmla="val -235909"/>
             </a:avLst>
           </a:prstGeom>
           <a:solidFill>
@@ -9120,28 +9345,28 @@
             <a:pPr algn="ctr"/>
             <a:r>
               <a:rPr lang="en-US" sz="1400" dirty="0"/>
-              <a:t>Set the Spark context</a:t>
-            </a:r>
-          </a:p>
-        </p:txBody>
-      </p:sp>
-      <p:sp>
-        <p:nvSpPr>
-          <p:cNvPr id="6" name="Line Callout 1 5"/>
+              <a:t>%R to run  R code in the cell</a:t>
+            </a:r>
+          </a:p>
+        </p:txBody>
+      </p:sp>
+      <p:sp>
+        <p:nvSpPr>
+          <p:cNvPr id="10" name="Line Callout 1 9"/>
           <p:cNvSpPr/>
           <p:nvPr/>
         </p:nvSpPr>
         <p:spPr>
           <a:xfrm>
-            <a:off x="9692909" y="3243556"/>
+            <a:off x="9709150" y="1578135"/>
             <a:ext cx="1335185" cy="612648"/>
           </a:xfrm>
           <a:prstGeom prst="borderCallout1">
             <a:avLst>
               <a:gd name="adj1" fmla="val 18750"/>
               <a:gd name="adj2" fmla="val -8333"/>
-              <a:gd name="adj3" fmla="val 50421"/>
-              <a:gd name="adj4" fmla="val -101363"/>
+              <a:gd name="adj3" fmla="val -39396"/>
+              <a:gd name="adj4" fmla="val -41970"/>
             </a:avLst>
           </a:prstGeom>
           <a:solidFill>
@@ -9171,28 +9396,28 @@
             <a:pPr algn="ctr"/>
             <a:r>
               <a:rPr lang="en-US" sz="1400" dirty="0"/>
-              <a:t>Point context to HDFS file</a:t>
-            </a:r>
-          </a:p>
-        </p:txBody>
-      </p:sp>
-      <p:sp>
-        <p:nvSpPr>
-          <p:cNvPr id="7" name="Line Callout 1 6"/>
+              <a:t>Default language is Python 3</a:t>
+            </a:r>
+          </a:p>
+        </p:txBody>
+      </p:sp>
+      <p:sp>
+        <p:nvSpPr>
+          <p:cNvPr id="11" name="Line Callout 1 10"/>
           <p:cNvSpPr/>
           <p:nvPr/>
         </p:nvSpPr>
         <p:spPr>
           <a:xfrm>
-            <a:off x="9757646" y="4093220"/>
-            <a:ext cx="1335185" cy="612648"/>
+            <a:off x="7168250" y="4321336"/>
+            <a:ext cx="2155179" cy="1240780"/>
           </a:xfrm>
           <a:prstGeom prst="borderCallout1">
             <a:avLst>
               <a:gd name="adj1" fmla="val 18750"/>
               <a:gd name="adj2" fmla="val -8333"/>
-              <a:gd name="adj3" fmla="val 5513"/>
-              <a:gd name="adj4" fmla="val -112272"/>
+              <a:gd name="adj3" fmla="val -70142"/>
+              <a:gd name="adj4" fmla="val -188083"/>
             </a:avLst>
           </a:prstGeom>
           <a:solidFill>
@@ -9219,31 +9444,42 @@
           <a:bodyPr rtlCol="0" anchor="ctr"/>
           <a:lstStyle/>
           <a:p>
-            <a:pPr algn="ctr"/>
             <a:r>
               <a:rPr lang="en-US" sz="1400" dirty="0"/>
-              <a:t>Reads the data in Spark</a:t>
-            </a:r>
-          </a:p>
-        </p:txBody>
-      </p:sp>
-      <p:sp>
-        <p:nvSpPr>
-          <p:cNvPr id="8" name="Line Callout 1 7"/>
+              <a:t>%%R defines data to be passed between R and Python:</a:t>
+            </a:r>
+          </a:p>
+          <a:p>
+            <a:r>
+              <a:rPr lang="en-US" sz="1400" dirty="0"/>
+              <a:t>-i = Python to R</a:t>
+            </a:r>
+          </a:p>
+          <a:p>
+            <a:r>
+              <a:rPr lang="en-US" sz="1400" dirty="0"/>
+              <a:t>-o = R to Python</a:t>
+            </a:r>
+          </a:p>
+        </p:txBody>
+      </p:sp>
+      <p:sp>
+        <p:nvSpPr>
+          <p:cNvPr id="12" name="Line Callout 1 11"/>
           <p:cNvSpPr/>
           <p:nvPr/>
         </p:nvSpPr>
         <p:spPr>
           <a:xfrm>
-            <a:off x="9692909" y="5274657"/>
-            <a:ext cx="1335185" cy="612648"/>
+            <a:off x="8802841" y="2622009"/>
+            <a:ext cx="1564460" cy="925190"/>
           </a:xfrm>
           <a:prstGeom prst="borderCallout1">
             <a:avLst>
               <a:gd name="adj1" fmla="val 18750"/>
               <a:gd name="adj2" fmla="val -8333"/>
-              <a:gd name="adj3" fmla="val -28829"/>
-              <a:gd name="adj4" fmla="val -104393"/>
+              <a:gd name="adj3" fmla="val 99146"/>
+              <a:gd name="adj4" fmla="val -120199"/>
             </a:avLst>
           </a:prstGeom>
           <a:solidFill>
@@ -9273,58 +9509,15 @@
             <a:pPr algn="ctr"/>
             <a:r>
               <a:rPr lang="en-US" sz="1400" dirty="0"/>
-              <a:t>Sample the data</a:t>
-            </a:r>
-          </a:p>
-        </p:txBody>
-      </p:sp>
-      <p:sp>
-        <p:nvSpPr>
-          <p:cNvPr id="9" name="Line Callout 1 8"/>
-          <p:cNvSpPr/>
-          <p:nvPr/>
-        </p:nvSpPr>
-        <p:spPr>
-          <a:xfrm>
-            <a:off x="5784456" y="2296788"/>
-            <a:ext cx="1335185" cy="612648"/>
-          </a:xfrm>
-          <a:prstGeom prst="borderCallout1">
-            <a:avLst>
-              <a:gd name="adj1" fmla="val 18750"/>
-              <a:gd name="adj2" fmla="val -8333"/>
-              <a:gd name="adj3" fmla="val 140237"/>
-              <a:gd name="adj4" fmla="val -94091"/>
-            </a:avLst>
-          </a:prstGeom>
-          <a:solidFill>
-            <a:srgbClr val="C00000"/>
-          </a:solidFill>
-        </p:spPr>
-        <p:style>
-          <a:lnRef idx="2">
-            <a:schemeClr val="accent4">
-              <a:shade val="50000"/>
-            </a:schemeClr>
-          </a:lnRef>
-          <a:fillRef idx="1">
-            <a:schemeClr val="accent4"/>
-          </a:fillRef>
-          <a:effectRef idx="0">
-            <a:schemeClr val="accent4"/>
-          </a:effectRef>
-          <a:fontRef idx="minor">
-            <a:schemeClr val="lt1"/>
-          </a:fontRef>
-        </p:style>
-        <p:txBody>
-          <a:bodyPr rtlCol="0" anchor="ctr"/>
-          <a:lstStyle/>
-          <a:p>
-            <a:pPr algn="ctr"/>
+              <a:t>R ggplot call passing data frame, </a:t>
+            </a:r>
+            <a:r>
+              <a:rPr lang="en-US" sz="1400" dirty="0" err="1"/>
+              <a:t>df</a:t>
+            </a:r>
             <a:r>
               <a:rPr lang="en-US" sz="1400" dirty="0"/>
-              <a:t>Resilient Distributed Dataset</a:t>
+              <a:t>, from Python</a:t>
             </a:r>
           </a:p>
         </p:txBody>
@@ -9332,7 +9525,7 @@
     </p:spTree>
     <p:extLst>
       <p:ext uri="{BB962C8B-B14F-4D97-AF65-F5344CB8AC3E}">
-        <p14:creationId xmlns:p14="http://schemas.microsoft.com/office/powerpoint/2010/main" val="2459084123"/>
+        <p14:creationId xmlns:p14="http://schemas.microsoft.com/office/powerpoint/2010/main" val="3809914187"/>
       </p:ext>
     </p:extLst>
   </p:cSld>
@@ -9359,229 +9552,97 @@
           <a:chExt cx="0" cy="0"/>
         </a:xfrm>
       </p:grpSpPr>
-      <p:sp>
-        <p:nvSpPr>
-          <p:cNvPr id="2" name="Title 1"/>
-          <p:cNvSpPr>
-            <a:spLocks noGrp="1"/>
-          </p:cNvSpPr>
-          <p:nvPr>
-            <p:ph type="ctrTitle"/>
-          </p:nvPr>
-        </p:nvSpPr>
-        <p:spPr>
-          <a:xfrm>
-            <a:off x="507512" y="207240"/>
-            <a:ext cx="8825658" cy="497435"/>
-          </a:xfrm>
-        </p:spPr>
-        <p:txBody>
-          <a:bodyPr/>
-          <a:lstStyle/>
-          <a:p>
-            <a:r>
-              <a:rPr lang="en-US" sz="3200" dirty="0"/>
-              <a:t>About Bryan Cafferky…</a:t>
-            </a:r>
-          </a:p>
-        </p:txBody>
-      </p:sp>
-      <p:sp>
-        <p:nvSpPr>
-          <p:cNvPr id="6" name="Rectangle 5"/>
-          <p:cNvSpPr/>
-          <p:nvPr/>
-        </p:nvSpPr>
-        <p:spPr>
-          <a:xfrm>
-            <a:off x="212008" y="5275284"/>
-            <a:ext cx="4853820" cy="738664"/>
-          </a:xfrm>
-          <a:prstGeom prst="rect">
-            <a:avLst/>
-          </a:prstGeom>
-        </p:spPr>
-        <p:txBody>
-          <a:bodyPr wrap="square">
-            <a:spAutoFit/>
-          </a:bodyPr>
-          <a:lstStyle/>
-          <a:p>
-            <a:r>
-              <a:rPr lang="en-US" sz="1400" u="sng" dirty="0">
-                <a:solidFill>
-                  <a:schemeClr val="accent4">
-                    <a:lumMod val="20000"/>
-                    <a:lumOff val="80000"/>
-                  </a:schemeClr>
-                </a:solidFill>
-                <a:hlinkClick r:id="rId2"/>
-              </a:rPr>
-              <a:t>https://www.linkedin.com/in/bryancafferky</a:t>
-            </a:r>
-            <a:endParaRPr lang="en-US" sz="1400" u="sng" dirty="0">
-              <a:solidFill>
-                <a:schemeClr val="accent4">
-                  <a:lumMod val="20000"/>
-                  <a:lumOff val="80000"/>
-                </a:schemeClr>
-              </a:solidFill>
-            </a:endParaRPr>
-          </a:p>
-          <a:p>
-            <a:endParaRPr lang="en-US" sz="1400" u="sng" dirty="0">
-              <a:solidFill>
-                <a:schemeClr val="accent4">
-                  <a:lumMod val="20000"/>
-                  <a:lumOff val="80000"/>
-                </a:schemeClr>
-              </a:solidFill>
-            </a:endParaRPr>
-          </a:p>
-          <a:p>
-            <a:r>
-              <a:rPr lang="en-US" sz="1400" dirty="0">
-                <a:solidFill>
-                  <a:schemeClr val="accent4">
-                    <a:lumMod val="20000"/>
-                    <a:lumOff val="80000"/>
-                  </a:schemeClr>
-                </a:solidFill>
-              </a:rPr>
-              <a:t>@BryanCafferky – follow me!</a:t>
-            </a:r>
-          </a:p>
-        </p:txBody>
-      </p:sp>
-      <p:sp>
-        <p:nvSpPr>
-          <p:cNvPr id="4" name="TextBox 3"/>
-          <p:cNvSpPr txBox="1"/>
-          <p:nvPr/>
-        </p:nvSpPr>
-        <p:spPr>
-          <a:xfrm>
-            <a:off x="507512" y="1058354"/>
-            <a:ext cx="10238700" cy="3693319"/>
-          </a:xfrm>
-          <a:prstGeom prst="rect">
-            <a:avLst/>
-          </a:prstGeom>
-          <a:noFill/>
-        </p:spPr>
-        <p:txBody>
-          <a:bodyPr wrap="none" rtlCol="0">
-            <a:spAutoFit/>
-          </a:bodyPr>
-          <a:lstStyle/>
-          <a:p>
-            <a:pPr marL="285750" indent="-285750">
-              <a:buFont typeface="Arial" panose="020B0604020202020204" pitchFamily="34" charset="0"/>
-              <a:buChar char="•"/>
-            </a:pPr>
-            <a:r>
-              <a:rPr lang="en-US" dirty="0"/>
-              <a:t>Microsoft Technical Solutions Enabler (TSP)</a:t>
-            </a:r>
-          </a:p>
-          <a:p>
-            <a:endParaRPr lang="en-US" dirty="0"/>
-          </a:p>
-          <a:p>
-            <a:pPr marL="285750" indent="-285750">
-              <a:buFont typeface="Arial" panose="020B0604020202020204" pitchFamily="34" charset="0"/>
-              <a:buChar char="•"/>
-            </a:pPr>
-            <a:r>
-              <a:rPr lang="en-US" dirty="0"/>
-              <a:t>Decades of IT Experience</a:t>
-            </a:r>
-          </a:p>
-          <a:p>
-            <a:endParaRPr lang="en-US" dirty="0"/>
-          </a:p>
-          <a:p>
-            <a:pPr marL="285750" indent="-285750">
-              <a:buFont typeface="Arial" panose="020B0604020202020204" pitchFamily="34" charset="0"/>
-              <a:buChar char="•"/>
-            </a:pPr>
-            <a:r>
-              <a:rPr lang="en-US" dirty="0"/>
-              <a:t>Author of Pro PowerShell for Database Developers</a:t>
-            </a:r>
-          </a:p>
-          <a:p>
-            <a:pPr marL="285750" indent="-285750">
-              <a:buFont typeface="Arial" panose="020B0604020202020204" pitchFamily="34" charset="0"/>
-              <a:buChar char="•"/>
-            </a:pPr>
-            <a:endParaRPr lang="en-US" dirty="0"/>
-          </a:p>
-          <a:p>
-            <a:pPr marL="285750" indent="-285750">
-              <a:buFont typeface="Arial" panose="020B0604020202020204" pitchFamily="34" charset="0"/>
-              <a:buChar char="•"/>
-            </a:pPr>
-            <a:r>
-              <a:rPr lang="en-US" dirty="0"/>
-              <a:t>Experienced in health care, insurance, banking, and ecommerce</a:t>
-            </a:r>
-          </a:p>
-          <a:p>
-            <a:pPr marL="285750" indent="-285750">
-              <a:buFont typeface="Arial" panose="020B0604020202020204" pitchFamily="34" charset="0"/>
-              <a:buChar char="•"/>
-            </a:pPr>
-            <a:endParaRPr lang="en-US" dirty="0"/>
-          </a:p>
-          <a:p>
-            <a:pPr marL="285750" indent="-285750">
-              <a:buFont typeface="Arial" panose="020B0604020202020204" pitchFamily="34" charset="0"/>
-              <a:buChar char="•"/>
-            </a:pPr>
-            <a:r>
-              <a:rPr lang="en-US" dirty="0"/>
-              <a:t>Founded and lead PASS Chapter The RI Microsoft BI User Group </a:t>
-            </a:r>
-          </a:p>
-          <a:p>
-            <a:endParaRPr lang="en-US" dirty="0"/>
-          </a:p>
-          <a:p>
-            <a:pPr marL="285750" indent="-285750">
-              <a:buFont typeface="Arial" panose="020B0604020202020204" pitchFamily="34" charset="0"/>
-              <a:buChar char="•"/>
-            </a:pPr>
-            <a:r>
-              <a:rPr lang="en-US" dirty="0"/>
-              <a:t>Founded and Lead the Greater Boston Data Science, Machine Learning, and AI Group</a:t>
-            </a:r>
-          </a:p>
-          <a:p>
-            <a:endParaRPr lang="en-US" dirty="0"/>
-          </a:p>
-          <a:p>
-            <a:pPr marL="285750" indent="-285750">
-              <a:buFont typeface="Arial" panose="020B0604020202020204" pitchFamily="34" charset="0"/>
-              <a:buChar char="•"/>
-            </a:pPr>
-            <a:r>
-              <a:rPr lang="en-US" dirty="0"/>
-              <a:t>Proud to be a Nerd.</a:t>
-            </a:r>
-          </a:p>
-        </p:txBody>
-      </p:sp>
       <p:pic>
         <p:nvPicPr>
-          <p:cNvPr id="11" name="Picture 10"/>
+          <p:cNvPr id="5" name="Picture 4"/>
           <p:cNvPicPr>
             <a:picLocks noChangeAspect="1"/>
           </p:cNvPicPr>
           <p:nvPr/>
         </p:nvPicPr>
         <p:blipFill>
-          <a:blip r:embed="rId3">
+          <a:blip r:embed="rId3"/>
+          <a:stretch>
+            <a:fillRect/>
+          </a:stretch>
+        </p:blipFill>
+        <p:spPr>
+          <a:xfrm>
+            <a:off x="3993990" y="1141265"/>
+            <a:ext cx="4365563" cy="4729359"/>
+          </a:xfrm>
+          <a:prstGeom prst="rect">
+            <a:avLst/>
+          </a:prstGeom>
+        </p:spPr>
+      </p:pic>
+      <p:sp>
+        <p:nvSpPr>
+          <p:cNvPr id="2" name="Title 1"/>
+          <p:cNvSpPr>
+            <a:spLocks noGrp="1"/>
+          </p:cNvSpPr>
+          <p:nvPr>
+            <p:ph type="ctrTitle"/>
+          </p:nvPr>
+        </p:nvSpPr>
+        <p:spPr>
+          <a:xfrm>
+            <a:off x="0" y="183518"/>
+            <a:ext cx="12192000" cy="636207"/>
+          </a:xfrm>
+        </p:spPr>
+        <p:txBody>
+          <a:bodyPr/>
+          <a:lstStyle/>
+          <a:p>
+            <a:pPr algn="ctr"/>
+            <a:r>
+              <a:rPr lang="en-US" sz="3600" dirty="0"/>
+              <a:t>An Introduction to Jupyter Notebooks</a:t>
+            </a:r>
+          </a:p>
+        </p:txBody>
+      </p:sp>
+      <p:sp>
+        <p:nvSpPr>
+          <p:cNvPr id="4" name="TextBox 3"/>
+          <p:cNvSpPr txBox="1"/>
+          <p:nvPr/>
+        </p:nvSpPr>
+        <p:spPr>
+          <a:xfrm>
+            <a:off x="216685" y="6115220"/>
+            <a:ext cx="3267241" cy="523220"/>
+          </a:xfrm>
+          <a:prstGeom prst="rect">
+            <a:avLst/>
+          </a:prstGeom>
+          <a:noFill/>
+        </p:spPr>
+        <p:txBody>
+          <a:bodyPr wrap="none" rtlCol="0">
+            <a:spAutoFit/>
+          </a:bodyPr>
+          <a:lstStyle/>
+          <a:p>
+            <a:r>
+              <a:rPr lang="en-US" sz="2800" i="1" dirty="0"/>
+              <a:t>by Bryan Cafferky</a:t>
+            </a:r>
+          </a:p>
+        </p:txBody>
+      </p:sp>
+      <p:pic>
+        <p:nvPicPr>
+          <p:cNvPr id="3" name="Picture 2"/>
+          <p:cNvPicPr>
+            <a:picLocks noChangeAspect="1"/>
+          </p:cNvPicPr>
+          <p:nvPr/>
+        </p:nvPicPr>
+        <p:blipFill>
+          <a:blip r:embed="rId4">
             <a:extLst>
               <a:ext uri="{28A0092B-C50C-407E-A947-70E740481C1C}">
                 <a14:useLocalDpi xmlns:a14="http://schemas.microsoft.com/office/drawing/2010/main" val="0"/>
@@ -9594,50 +9655,65 @@
         </p:blipFill>
         <p:spPr>
           <a:xfrm>
-            <a:off x="10259403" y="4819180"/>
-            <a:ext cx="1792855" cy="1547405"/>
+            <a:off x="4290175" y="1921202"/>
+            <a:ext cx="3169485" cy="3169485"/>
           </a:xfrm>
           <a:prstGeom prst="rect">
             <a:avLst/>
           </a:prstGeom>
         </p:spPr>
       </p:pic>
-      <p:pic>
-        <p:nvPicPr>
-          <p:cNvPr id="7" name="Picture 6">
+      <p:sp>
+        <p:nvSpPr>
+          <p:cNvPr id="6" name="AutoShape 2" descr="Image result for python">
             <a:extLst>
               <a:ext uri="{FF2B5EF4-FFF2-40B4-BE49-F238E27FC236}">
-                <a16:creationId xmlns:a16="http://schemas.microsoft.com/office/drawing/2014/main" id="{97484C21-7E2A-438D-B523-A79984D4F0A5}"/>
+                <a16:creationId xmlns:a16="http://schemas.microsoft.com/office/drawing/2014/main" id="{CE327347-A86D-4C8F-8A11-CDE1F75DED8C}"/>
               </a:ext>
             </a:extLst>
           </p:cNvPr>
-          <p:cNvPicPr>
-            <a:picLocks noChangeAspect="1"/>
-          </p:cNvPicPr>
+          <p:cNvSpPr>
+            <a:spLocks noChangeAspect="1" noChangeArrowheads="1"/>
+          </p:cNvSpPr>
           <p:nvPr/>
-        </p:nvPicPr>
-        <p:blipFill>
-          <a:blip r:embed="rId4"/>
-          <a:stretch>
-            <a:fillRect/>
-          </a:stretch>
-        </p:blipFill>
-        <p:spPr>
-          <a:xfrm>
-            <a:off x="10300646" y="6434092"/>
-            <a:ext cx="1751612" cy="287742"/>
+        </p:nvSpPr>
+        <p:spPr bwMode="auto">
+          <a:xfrm>
+            <a:off x="6206067" y="3377603"/>
+            <a:ext cx="304800" cy="304800"/>
           </a:xfrm>
           <a:prstGeom prst="rect">
             <a:avLst/>
           </a:prstGeom>
-        </p:spPr>
-      </p:pic>
-      <p:sp>
-        <p:nvSpPr>
-          <p:cNvPr id="8" name="Rectangle 7">
+          <a:noFill/>
+          <a:extLst>
+            <a:ext uri="{909E8E84-426E-40DD-AFC4-6F175D3DCCD1}">
+              <a14:hiddenFill xmlns:a14="http://schemas.microsoft.com/office/drawing/2010/main">
+                <a:solidFill>
+                  <a:srgbClr val="FFFFFF"/>
+                </a:solidFill>
+              </a14:hiddenFill>
+            </a:ext>
+          </a:extLst>
+        </p:spPr>
+        <p:txBody>
+          <a:bodyPr vert="horz" wrap="square" lIns="91440" tIns="45720" rIns="91440" bIns="45720" numCol="1" anchor="t" anchorCtr="0" compatLnSpc="1">
+            <a:prstTxWarp prst="textNoShape">
+              <a:avLst/>
+            </a:prstTxWarp>
+          </a:bodyPr>
+          <a:lstStyle/>
+          <a:p>
+            <a:endParaRPr lang="en-US"/>
+          </a:p>
+        </p:txBody>
+      </p:sp>
+      <p:sp>
+        <p:nvSpPr>
+          <p:cNvPr id="7" name="Rectangle 6">
             <a:extLst>
               <a:ext uri="{FF2B5EF4-FFF2-40B4-BE49-F238E27FC236}">
-                <a16:creationId xmlns:a16="http://schemas.microsoft.com/office/drawing/2014/main" id="{D79F1F65-D56D-4C0F-9C31-08ADA13A0A9B}"/>
+                <a16:creationId xmlns:a16="http://schemas.microsoft.com/office/drawing/2014/main" id="{FA484680-C0A8-47D3-9C7D-A69F6F30E899}"/>
               </a:ext>
             </a:extLst>
           </p:cNvPr>
@@ -9646,7 +9722,7 @@
         </p:nvSpPr>
         <p:spPr>
           <a:xfrm>
-            <a:off x="2235200" y="6352502"/>
+            <a:off x="4961467" y="6192164"/>
             <a:ext cx="7230533" cy="369332"/>
           </a:xfrm>
           <a:prstGeom prst="rect">
@@ -9672,7 +9748,7 @@
     </p:spTree>
     <p:extLst>
       <p:ext uri="{BB962C8B-B14F-4D97-AF65-F5344CB8AC3E}">
-        <p14:creationId xmlns:p14="http://schemas.microsoft.com/office/powerpoint/2010/main" val="1004504306"/>
+        <p14:creationId xmlns:p14="http://schemas.microsoft.com/office/powerpoint/2010/main" val="213509883"/>
       </p:ext>
     </p:extLst>
   </p:cSld>
@@ -9721,7 +9797,15 @@
           <a:p>
             <a:r>
               <a:rPr lang="en-US" sz="2800" dirty="0"/>
-              <a:t>Presentations from Jupyter…</a:t>
+              <a:t>Accessing Spark with </a:t>
+            </a:r>
+            <a:r>
+              <a:rPr lang="en-US" sz="2800" dirty="0" err="1"/>
+              <a:t>pyspark</a:t>
+            </a:r>
+            <a:r>
+              <a:rPr lang="en-US" sz="2800" dirty="0"/>
+              <a:t>…</a:t>
             </a:r>
           </a:p>
         </p:txBody>
@@ -9742,8 +9826,8 @@
         </p:blipFill>
         <p:spPr>
           <a:xfrm>
-            <a:off x="619449" y="817297"/>
-            <a:ext cx="9144140" cy="5737968"/>
+            <a:off x="1019596" y="741994"/>
+            <a:ext cx="8140588" cy="6014211"/>
           </a:xfrm>
           <a:prstGeom prst="rect">
             <a:avLst/>
@@ -9758,15 +9842,15 @@
         </p:nvSpPr>
         <p:spPr>
           <a:xfrm>
-            <a:off x="5389295" y="2241493"/>
+            <a:off x="9710442" y="1383737"/>
             <a:ext cx="1335185" cy="612648"/>
           </a:xfrm>
           <a:prstGeom prst="borderCallout1">
             <a:avLst>
               <a:gd name="adj1" fmla="val 18750"/>
               <a:gd name="adj2" fmla="val -8333"/>
-              <a:gd name="adj3" fmla="val 38534"/>
-              <a:gd name="adj4" fmla="val -105606"/>
+              <a:gd name="adj3" fmla="val 50421"/>
+              <a:gd name="adj4" fmla="val -101363"/>
             </a:avLst>
           </a:prstGeom>
           <a:solidFill>
@@ -9796,28 +9880,36 @@
             <a:pPr algn="ctr"/>
             <a:r>
               <a:rPr lang="en-US" sz="1400" dirty="0"/>
-              <a:t>Switch to Slideshow Mode</a:t>
-            </a:r>
-          </a:p>
-        </p:txBody>
-      </p:sp>
-      <p:sp>
-        <p:nvSpPr>
-          <p:cNvPr id="11" name="Line Callout 1 10"/>
+              <a:t>Import </a:t>
+            </a:r>
+            <a:r>
+              <a:rPr lang="en-US" sz="1400" dirty="0" err="1"/>
+              <a:t>pyspark</a:t>
+            </a:r>
+            <a:r>
+              <a:rPr lang="en-US" sz="1400" dirty="0"/>
+              <a:t> module</a:t>
+            </a:r>
+          </a:p>
+        </p:txBody>
+      </p:sp>
+      <p:sp>
+        <p:nvSpPr>
+          <p:cNvPr id="5" name="Line Callout 1 4"/>
           <p:cNvSpPr/>
           <p:nvPr/>
         </p:nvSpPr>
         <p:spPr>
           <a:xfrm>
-            <a:off x="10275537" y="2215868"/>
+            <a:off x="9668633" y="2134948"/>
             <a:ext cx="1335185" cy="612648"/>
           </a:xfrm>
           <a:prstGeom prst="borderCallout1">
             <a:avLst>
               <a:gd name="adj1" fmla="val 18750"/>
               <a:gd name="adj2" fmla="val -8333"/>
-              <a:gd name="adj3" fmla="val -14299"/>
-              <a:gd name="adj4" fmla="val -66818"/>
+              <a:gd name="adj3" fmla="val 50421"/>
+              <a:gd name="adj4" fmla="val -101363"/>
             </a:avLst>
           </a:prstGeom>
           <a:solidFill>
@@ -9847,7 +9939,211 @@
             <a:pPr algn="ctr"/>
             <a:r>
               <a:rPr lang="en-US" sz="1400" dirty="0"/>
-              <a:t>Organize Slides</a:t>
+              <a:t>Set the Spark context</a:t>
+            </a:r>
+          </a:p>
+        </p:txBody>
+      </p:sp>
+      <p:sp>
+        <p:nvSpPr>
+          <p:cNvPr id="6" name="Line Callout 1 5"/>
+          <p:cNvSpPr/>
+          <p:nvPr/>
+        </p:nvSpPr>
+        <p:spPr>
+          <a:xfrm>
+            <a:off x="9692909" y="3243556"/>
+            <a:ext cx="1335185" cy="612648"/>
+          </a:xfrm>
+          <a:prstGeom prst="borderCallout1">
+            <a:avLst>
+              <a:gd name="adj1" fmla="val 18750"/>
+              <a:gd name="adj2" fmla="val -8333"/>
+              <a:gd name="adj3" fmla="val 50421"/>
+              <a:gd name="adj4" fmla="val -101363"/>
+            </a:avLst>
+          </a:prstGeom>
+          <a:solidFill>
+            <a:srgbClr val="C00000"/>
+          </a:solidFill>
+        </p:spPr>
+        <p:style>
+          <a:lnRef idx="2">
+            <a:schemeClr val="accent4">
+              <a:shade val="50000"/>
+            </a:schemeClr>
+          </a:lnRef>
+          <a:fillRef idx="1">
+            <a:schemeClr val="accent4"/>
+          </a:fillRef>
+          <a:effectRef idx="0">
+            <a:schemeClr val="accent4"/>
+          </a:effectRef>
+          <a:fontRef idx="minor">
+            <a:schemeClr val="lt1"/>
+          </a:fontRef>
+        </p:style>
+        <p:txBody>
+          <a:bodyPr rtlCol="0" anchor="ctr"/>
+          <a:lstStyle/>
+          <a:p>
+            <a:pPr algn="ctr"/>
+            <a:r>
+              <a:rPr lang="en-US" sz="1400" dirty="0"/>
+              <a:t>Point context to HDFS file</a:t>
+            </a:r>
+          </a:p>
+        </p:txBody>
+      </p:sp>
+      <p:sp>
+        <p:nvSpPr>
+          <p:cNvPr id="7" name="Line Callout 1 6"/>
+          <p:cNvSpPr/>
+          <p:nvPr/>
+        </p:nvSpPr>
+        <p:spPr>
+          <a:xfrm>
+            <a:off x="9757646" y="4093220"/>
+            <a:ext cx="1335185" cy="612648"/>
+          </a:xfrm>
+          <a:prstGeom prst="borderCallout1">
+            <a:avLst>
+              <a:gd name="adj1" fmla="val 18750"/>
+              <a:gd name="adj2" fmla="val -8333"/>
+              <a:gd name="adj3" fmla="val 5513"/>
+              <a:gd name="adj4" fmla="val -112272"/>
+            </a:avLst>
+          </a:prstGeom>
+          <a:solidFill>
+            <a:srgbClr val="C00000"/>
+          </a:solidFill>
+        </p:spPr>
+        <p:style>
+          <a:lnRef idx="2">
+            <a:schemeClr val="accent4">
+              <a:shade val="50000"/>
+            </a:schemeClr>
+          </a:lnRef>
+          <a:fillRef idx="1">
+            <a:schemeClr val="accent4"/>
+          </a:fillRef>
+          <a:effectRef idx="0">
+            <a:schemeClr val="accent4"/>
+          </a:effectRef>
+          <a:fontRef idx="minor">
+            <a:schemeClr val="lt1"/>
+          </a:fontRef>
+        </p:style>
+        <p:txBody>
+          <a:bodyPr rtlCol="0" anchor="ctr"/>
+          <a:lstStyle/>
+          <a:p>
+            <a:pPr algn="ctr"/>
+            <a:r>
+              <a:rPr lang="en-US" sz="1400" dirty="0"/>
+              <a:t>Reads the data in Spark</a:t>
+            </a:r>
+          </a:p>
+        </p:txBody>
+      </p:sp>
+      <p:sp>
+        <p:nvSpPr>
+          <p:cNvPr id="8" name="Line Callout 1 7"/>
+          <p:cNvSpPr/>
+          <p:nvPr/>
+        </p:nvSpPr>
+        <p:spPr>
+          <a:xfrm>
+            <a:off x="9692909" y="5274657"/>
+            <a:ext cx="1335185" cy="612648"/>
+          </a:xfrm>
+          <a:prstGeom prst="borderCallout1">
+            <a:avLst>
+              <a:gd name="adj1" fmla="val 18750"/>
+              <a:gd name="adj2" fmla="val -8333"/>
+              <a:gd name="adj3" fmla="val -28829"/>
+              <a:gd name="adj4" fmla="val -104393"/>
+            </a:avLst>
+          </a:prstGeom>
+          <a:solidFill>
+            <a:srgbClr val="C00000"/>
+          </a:solidFill>
+        </p:spPr>
+        <p:style>
+          <a:lnRef idx="2">
+            <a:schemeClr val="accent4">
+              <a:shade val="50000"/>
+            </a:schemeClr>
+          </a:lnRef>
+          <a:fillRef idx="1">
+            <a:schemeClr val="accent4"/>
+          </a:fillRef>
+          <a:effectRef idx="0">
+            <a:schemeClr val="accent4"/>
+          </a:effectRef>
+          <a:fontRef idx="minor">
+            <a:schemeClr val="lt1"/>
+          </a:fontRef>
+        </p:style>
+        <p:txBody>
+          <a:bodyPr rtlCol="0" anchor="ctr"/>
+          <a:lstStyle/>
+          <a:p>
+            <a:pPr algn="ctr"/>
+            <a:r>
+              <a:rPr lang="en-US" sz="1400" dirty="0"/>
+              <a:t>Sample the data</a:t>
+            </a:r>
+          </a:p>
+        </p:txBody>
+      </p:sp>
+      <p:sp>
+        <p:nvSpPr>
+          <p:cNvPr id="9" name="Line Callout 1 8"/>
+          <p:cNvSpPr/>
+          <p:nvPr/>
+        </p:nvSpPr>
+        <p:spPr>
+          <a:xfrm>
+            <a:off x="5784456" y="2296788"/>
+            <a:ext cx="1335185" cy="612648"/>
+          </a:xfrm>
+          <a:prstGeom prst="borderCallout1">
+            <a:avLst>
+              <a:gd name="adj1" fmla="val 18750"/>
+              <a:gd name="adj2" fmla="val -8333"/>
+              <a:gd name="adj3" fmla="val 140237"/>
+              <a:gd name="adj4" fmla="val -94091"/>
+            </a:avLst>
+          </a:prstGeom>
+          <a:solidFill>
+            <a:srgbClr val="C00000"/>
+          </a:solidFill>
+        </p:spPr>
+        <p:style>
+          <a:lnRef idx="2">
+            <a:schemeClr val="accent4">
+              <a:shade val="50000"/>
+            </a:schemeClr>
+          </a:lnRef>
+          <a:fillRef idx="1">
+            <a:schemeClr val="accent4"/>
+          </a:fillRef>
+          <a:effectRef idx="0">
+            <a:schemeClr val="accent4"/>
+          </a:effectRef>
+          <a:fontRef idx="minor">
+            <a:schemeClr val="lt1"/>
+          </a:fontRef>
+        </p:style>
+        <p:txBody>
+          <a:bodyPr rtlCol="0" anchor="ctr"/>
+          <a:lstStyle/>
+          <a:p>
+            <a:pPr algn="ctr"/>
+            <a:r>
+              <a:rPr lang="en-US" sz="1400" dirty="0"/>
+              <a:t>Resilient Distributed Dataset</a:t>
             </a:r>
           </a:p>
         </p:txBody>
@@ -9855,7 +10151,7 @@
     </p:spTree>
     <p:extLst>
       <p:ext uri="{BB962C8B-B14F-4D97-AF65-F5344CB8AC3E}">
-        <p14:creationId xmlns:p14="http://schemas.microsoft.com/office/powerpoint/2010/main" val="2600968967"/>
+        <p14:creationId xmlns:p14="http://schemas.microsoft.com/office/powerpoint/2010/main" val="2459084123"/>
       </p:ext>
     </p:extLst>
   </p:cSld>
@@ -9894,8 +10190,8 @@
         </p:nvSpPr>
         <p:spPr>
           <a:xfrm>
-            <a:off x="0" y="162667"/>
-            <a:ext cx="10850967" cy="599112"/>
+            <a:off x="344860" y="0"/>
+            <a:ext cx="8825658" cy="599112"/>
           </a:xfrm>
         </p:spPr>
         <p:txBody>
@@ -9903,12 +10199,8 @@
           <a:lstStyle/>
           <a:p>
             <a:r>
-              <a:rPr lang="en-US" sz="3600" dirty="0" err="1"/>
-              <a:t>Github</a:t>
-            </a:r>
-            <a:r>
-              <a:rPr lang="en-US" sz="3600" dirty="0"/>
-              <a:t> Renders Notebooks Automatically…</a:t>
+              <a:rPr lang="en-US" sz="2800" dirty="0"/>
+              <a:t>Presentations from Jupyter…</a:t>
             </a:r>
           </a:p>
         </p:txBody>
@@ -9929,18 +10221,120 @@
         </p:blipFill>
         <p:spPr>
           <a:xfrm>
-            <a:off x="1529394" y="1063606"/>
-            <a:ext cx="7251261" cy="5563771"/>
+            <a:off x="619449" y="817297"/>
+            <a:ext cx="9144140" cy="5737968"/>
           </a:xfrm>
           <a:prstGeom prst="rect">
             <a:avLst/>
           </a:prstGeom>
         </p:spPr>
       </p:pic>
+      <p:sp>
+        <p:nvSpPr>
+          <p:cNvPr id="4" name="Line Callout 1 3"/>
+          <p:cNvSpPr/>
+          <p:nvPr/>
+        </p:nvSpPr>
+        <p:spPr>
+          <a:xfrm>
+            <a:off x="5389295" y="2241493"/>
+            <a:ext cx="1335185" cy="612648"/>
+          </a:xfrm>
+          <a:prstGeom prst="borderCallout1">
+            <a:avLst>
+              <a:gd name="adj1" fmla="val 18750"/>
+              <a:gd name="adj2" fmla="val -8333"/>
+              <a:gd name="adj3" fmla="val 38534"/>
+              <a:gd name="adj4" fmla="val -105606"/>
+            </a:avLst>
+          </a:prstGeom>
+          <a:solidFill>
+            <a:srgbClr val="C00000"/>
+          </a:solidFill>
+        </p:spPr>
+        <p:style>
+          <a:lnRef idx="2">
+            <a:schemeClr val="accent4">
+              <a:shade val="50000"/>
+            </a:schemeClr>
+          </a:lnRef>
+          <a:fillRef idx="1">
+            <a:schemeClr val="accent4"/>
+          </a:fillRef>
+          <a:effectRef idx="0">
+            <a:schemeClr val="accent4"/>
+          </a:effectRef>
+          <a:fontRef idx="minor">
+            <a:schemeClr val="lt1"/>
+          </a:fontRef>
+        </p:style>
+        <p:txBody>
+          <a:bodyPr rtlCol="0" anchor="ctr"/>
+          <a:lstStyle/>
+          <a:p>
+            <a:pPr algn="ctr"/>
+            <a:r>
+              <a:rPr lang="en-US" sz="1400" dirty="0"/>
+              <a:t>Switch to Slideshow Mode</a:t>
+            </a:r>
+          </a:p>
+        </p:txBody>
+      </p:sp>
+      <p:sp>
+        <p:nvSpPr>
+          <p:cNvPr id="11" name="Line Callout 1 10"/>
+          <p:cNvSpPr/>
+          <p:nvPr/>
+        </p:nvSpPr>
+        <p:spPr>
+          <a:xfrm>
+            <a:off x="10275537" y="2215868"/>
+            <a:ext cx="1335185" cy="612648"/>
+          </a:xfrm>
+          <a:prstGeom prst="borderCallout1">
+            <a:avLst>
+              <a:gd name="adj1" fmla="val 18750"/>
+              <a:gd name="adj2" fmla="val -8333"/>
+              <a:gd name="adj3" fmla="val -14299"/>
+              <a:gd name="adj4" fmla="val -66818"/>
+            </a:avLst>
+          </a:prstGeom>
+          <a:solidFill>
+            <a:srgbClr val="C00000"/>
+          </a:solidFill>
+        </p:spPr>
+        <p:style>
+          <a:lnRef idx="2">
+            <a:schemeClr val="accent4">
+              <a:shade val="50000"/>
+            </a:schemeClr>
+          </a:lnRef>
+          <a:fillRef idx="1">
+            <a:schemeClr val="accent4"/>
+          </a:fillRef>
+          <a:effectRef idx="0">
+            <a:schemeClr val="accent4"/>
+          </a:effectRef>
+          <a:fontRef idx="minor">
+            <a:schemeClr val="lt1"/>
+          </a:fontRef>
+        </p:style>
+        <p:txBody>
+          <a:bodyPr rtlCol="0" anchor="ctr"/>
+          <a:lstStyle/>
+          <a:p>
+            <a:pPr algn="ctr"/>
+            <a:r>
+              <a:rPr lang="en-US" sz="1400" dirty="0"/>
+              <a:t>Organize Slides</a:t>
+            </a:r>
+          </a:p>
+        </p:txBody>
+      </p:sp>
     </p:spTree>
     <p:extLst>
       <p:ext uri="{BB962C8B-B14F-4D97-AF65-F5344CB8AC3E}">
-        <p14:creationId xmlns:p14="http://schemas.microsoft.com/office/powerpoint/2010/main" val="1032639014"/>
+        <p14:creationId xmlns:p14="http://schemas.microsoft.com/office/powerpoint/2010/main" val="2600968967"/>
       </p:ext>
     </p:extLst>
   </p:cSld>
@@ -9979,8 +10373,8 @@
         </p:nvSpPr>
         <p:spPr>
           <a:xfrm>
-            <a:off x="232760" y="106974"/>
-            <a:ext cx="8825658" cy="671959"/>
+            <a:off x="0" y="162667"/>
+            <a:ext cx="10850967" cy="599112"/>
           </a:xfrm>
         </p:spPr>
         <p:txBody>
@@ -9988,8 +10382,12 @@
           <a:lstStyle/>
           <a:p>
             <a:r>
-              <a:rPr lang="en-US" sz="4400" dirty="0"/>
-              <a:t>Kernel Architecture</a:t>
+              <a:rPr lang="en-US" sz="3600" dirty="0" err="1"/>
+              <a:t>Github</a:t>
+            </a:r>
+            <a:r>
+              <a:rPr lang="en-US" sz="3600" dirty="0"/>
+              <a:t> Renders Notebooks Automatically…</a:t>
             </a:r>
           </a:p>
         </p:txBody>
@@ -10010,209 +10408,18 @@
         </p:blipFill>
         <p:spPr>
           <a:xfrm>
-            <a:off x="2986087" y="1852612"/>
-            <a:ext cx="6219825" cy="3152775"/>
+            <a:off x="1529394" y="1063606"/>
+            <a:ext cx="7251261" cy="5563771"/>
           </a:xfrm>
           <a:prstGeom prst="rect">
             <a:avLst/>
           </a:prstGeom>
         </p:spPr>
       </p:pic>
-      <p:sp>
-        <p:nvSpPr>
-          <p:cNvPr id="6" name="Line Callout 1 5"/>
-          <p:cNvSpPr/>
-          <p:nvPr/>
-        </p:nvSpPr>
-        <p:spPr>
-          <a:xfrm>
-            <a:off x="8180020" y="4594660"/>
-            <a:ext cx="2875908" cy="1573384"/>
-          </a:xfrm>
-          <a:prstGeom prst="borderCallout1">
-            <a:avLst>
-              <a:gd name="adj1" fmla="val -5025"/>
-              <a:gd name="adj2" fmla="val 11033"/>
-              <a:gd name="adj3" fmla="val -64380"/>
-              <a:gd name="adj4" fmla="val -4521"/>
-            </a:avLst>
-          </a:prstGeom>
-          <a:solidFill>
-            <a:srgbClr val="C00000"/>
-          </a:solidFill>
-        </p:spPr>
-        <p:style>
-          <a:lnRef idx="2">
-            <a:schemeClr val="accent1">
-              <a:shade val="50000"/>
-            </a:schemeClr>
-          </a:lnRef>
-          <a:fillRef idx="1">
-            <a:schemeClr val="accent1"/>
-          </a:fillRef>
-          <a:effectRef idx="0">
-            <a:schemeClr val="accent1"/>
-          </a:effectRef>
-          <a:fontRef idx="minor">
-            <a:schemeClr val="lt1"/>
-          </a:fontRef>
-        </p:style>
-        <p:txBody>
-          <a:bodyPr rtlCol="0" anchor="ctr"/>
-          <a:lstStyle/>
-          <a:p>
-            <a:r>
-              <a:rPr lang="en-US" sz="1400" dirty="0"/>
-              <a:t>Can be many kernels:</a:t>
-            </a:r>
-          </a:p>
-          <a:p>
-            <a:pPr marL="285750" indent="-285750">
-              <a:buFont typeface="Arial" panose="020B0604020202020204" pitchFamily="34" charset="0"/>
-              <a:buChar char="•"/>
-            </a:pPr>
-            <a:r>
-              <a:rPr lang="en-US" sz="1400" dirty="0"/>
-              <a:t>Python</a:t>
-            </a:r>
-          </a:p>
-          <a:p>
-            <a:pPr marL="285750" indent="-285750">
-              <a:buFont typeface="Arial" panose="020B0604020202020204" pitchFamily="34" charset="0"/>
-              <a:buChar char="•"/>
-            </a:pPr>
-            <a:r>
-              <a:rPr lang="en-US" sz="1400" dirty="0"/>
-              <a:t>R</a:t>
-            </a:r>
-          </a:p>
-          <a:p>
-            <a:pPr marL="285750" indent="-285750">
-              <a:buFont typeface="Arial" panose="020B0604020202020204" pitchFamily="34" charset="0"/>
-              <a:buChar char="•"/>
-            </a:pPr>
-            <a:r>
-              <a:rPr lang="en-US" sz="1400" dirty="0"/>
-              <a:t>Julia</a:t>
-            </a:r>
-          </a:p>
-          <a:p>
-            <a:pPr marL="285750" indent="-285750">
-              <a:buFont typeface="Arial" panose="020B0604020202020204" pitchFamily="34" charset="0"/>
-              <a:buChar char="•"/>
-            </a:pPr>
-            <a:r>
-              <a:rPr lang="en-US" sz="1400" dirty="0"/>
-              <a:t>Ruby</a:t>
-            </a:r>
-          </a:p>
-          <a:p>
-            <a:pPr marL="285750" indent="-285750">
-              <a:buFont typeface="Arial" panose="020B0604020202020204" pitchFamily="34" charset="0"/>
-              <a:buChar char="•"/>
-            </a:pPr>
-            <a:r>
-              <a:rPr lang="en-US" sz="1400" dirty="0"/>
-              <a:t>Perl</a:t>
-            </a:r>
-          </a:p>
-          <a:p>
-            <a:pPr marL="285750" indent="-285750">
-              <a:buFont typeface="Arial" panose="020B0604020202020204" pitchFamily="34" charset="0"/>
-              <a:buChar char="•"/>
-            </a:pPr>
-            <a:r>
-              <a:rPr lang="en-US" sz="1400" dirty="0"/>
-              <a:t>PowerShell</a:t>
-            </a:r>
-          </a:p>
-        </p:txBody>
-      </p:sp>
-      <p:sp>
-        <p:nvSpPr>
-          <p:cNvPr id="5" name="Rectangle 4"/>
-          <p:cNvSpPr/>
-          <p:nvPr/>
-        </p:nvSpPr>
-        <p:spPr>
-          <a:xfrm>
-            <a:off x="953192" y="6339486"/>
-            <a:ext cx="7467599" cy="276999"/>
-          </a:xfrm>
-          <a:prstGeom prst="rect">
-            <a:avLst/>
-          </a:prstGeom>
-        </p:spPr>
-        <p:txBody>
-          <a:bodyPr wrap="square">
-            <a:spAutoFit/>
-          </a:bodyPr>
-          <a:lstStyle/>
-          <a:p>
-            <a:r>
-              <a:rPr lang="en-US" sz="1200" dirty="0">
-                <a:hlinkClick r:id="rId3"/>
-              </a:rPr>
-              <a:t>http://jupyter.readthedocs.io/en/latest/architecture/how_jupyter_ipython_work.html</a:t>
-            </a:r>
-            <a:endParaRPr lang="en-US" sz="1200" dirty="0"/>
-          </a:p>
-        </p:txBody>
-      </p:sp>
-      <p:sp>
-        <p:nvSpPr>
-          <p:cNvPr id="8" name="Line Callout 1 7"/>
-          <p:cNvSpPr/>
-          <p:nvPr/>
-        </p:nvSpPr>
-        <p:spPr>
-          <a:xfrm>
-            <a:off x="4148838" y="4018777"/>
-            <a:ext cx="1329470" cy="715064"/>
-          </a:xfrm>
-          <a:prstGeom prst="borderCallout1">
-            <a:avLst>
-              <a:gd name="adj1" fmla="val 45899"/>
-              <a:gd name="adj2" fmla="val 105985"/>
-              <a:gd name="adj3" fmla="val 47654"/>
-              <a:gd name="adj4" fmla="val 151297"/>
-            </a:avLst>
-          </a:prstGeom>
-          <a:solidFill>
-            <a:srgbClr val="C00000"/>
-          </a:solidFill>
-        </p:spPr>
-        <p:style>
-          <a:lnRef idx="2">
-            <a:schemeClr val="accent1">
-              <a:shade val="50000"/>
-            </a:schemeClr>
-          </a:lnRef>
-          <a:fillRef idx="1">
-            <a:schemeClr val="accent1"/>
-          </a:fillRef>
-          <a:effectRef idx="0">
-            <a:schemeClr val="accent1"/>
-          </a:effectRef>
-          <a:fontRef idx="minor">
-            <a:schemeClr val="lt1"/>
-          </a:fontRef>
-        </p:style>
-        <p:txBody>
-          <a:bodyPr rtlCol="0" anchor="ctr"/>
-          <a:lstStyle/>
-          <a:p>
-            <a:r>
-              <a:rPr lang="en-US" sz="1400" dirty="0"/>
-              <a:t>JSON format</a:t>
-            </a:r>
-          </a:p>
-        </p:txBody>
-      </p:sp>
     </p:spTree>
     <p:extLst>
       <p:ext uri="{BB962C8B-B14F-4D97-AF65-F5344CB8AC3E}">
-        <p14:creationId xmlns:p14="http://schemas.microsoft.com/office/powerpoint/2010/main" val="4101581149"/>
+        <p14:creationId xmlns:p14="http://schemas.microsoft.com/office/powerpoint/2010/main" val="1032639014"/>
       </p:ext>
     </p:extLst>
   </p:cSld>
@@ -10251,8 +10458,8 @@
         </p:nvSpPr>
         <p:spPr>
           <a:xfrm>
-            <a:off x="80360" y="-180893"/>
-            <a:ext cx="8825658" cy="985006"/>
+            <a:off x="232760" y="106974"/>
+            <a:ext cx="8825658" cy="671959"/>
           </a:xfrm>
         </p:spPr>
         <p:txBody>
@@ -10261,60 +10468,29 @@
           <a:p>
             <a:r>
               <a:rPr lang="en-US" sz="4400" dirty="0"/>
-              <a:t>Flexible Notebook Conversions</a:t>
-            </a:r>
-          </a:p>
-        </p:txBody>
-      </p:sp>
-      <p:sp>
-        <p:nvSpPr>
-          <p:cNvPr id="5" name="Rectangle 4"/>
-          <p:cNvSpPr/>
-          <p:nvPr/>
-        </p:nvSpPr>
-        <p:spPr>
-          <a:xfrm>
-            <a:off x="953192" y="6339486"/>
-            <a:ext cx="7467599" cy="276999"/>
-          </a:xfrm>
-          <a:prstGeom prst="rect">
-            <a:avLst/>
-          </a:prstGeom>
-        </p:spPr>
-        <p:txBody>
-          <a:bodyPr wrap="square">
-            <a:spAutoFit/>
-          </a:bodyPr>
-          <a:lstStyle/>
-          <a:p>
-            <a:r>
-              <a:rPr lang="en-US" sz="1200" dirty="0">
-                <a:hlinkClick r:id="rId2"/>
-              </a:rPr>
-              <a:t>http://jupyter.readthedocs.io/en/latest/architecture/how_jupyter_ipython_work.html</a:t>
-            </a:r>
-            <a:endParaRPr lang="en-US" sz="1200" dirty="0"/>
+              <a:t>Kernel Architecture</a:t>
+            </a:r>
           </a:p>
         </p:txBody>
       </p:sp>
       <p:pic>
         <p:nvPicPr>
-          <p:cNvPr id="7" name="Picture 6"/>
+          <p:cNvPr id="3" name="Picture 2"/>
           <p:cNvPicPr>
             <a:picLocks noChangeAspect="1"/>
           </p:cNvPicPr>
           <p:nvPr/>
         </p:nvPicPr>
         <p:blipFill>
-          <a:blip r:embed="rId3"/>
+          <a:blip r:embed="rId2"/>
           <a:stretch>
             <a:fillRect/>
           </a:stretch>
         </p:blipFill>
         <p:spPr>
           <a:xfrm>
-            <a:off x="2462472" y="2089265"/>
-            <a:ext cx="6153150" cy="2895600"/>
+            <a:off x="2986087" y="1852612"/>
+            <a:ext cx="6219825" cy="3152775"/>
           </a:xfrm>
           <a:prstGeom prst="rect">
             <a:avLst/>
@@ -10329,15 +10505,15 @@
         </p:nvSpPr>
         <p:spPr>
           <a:xfrm>
-            <a:off x="7537807" y="4986021"/>
-            <a:ext cx="2875908" cy="1132808"/>
+            <a:off x="8180020" y="4594660"/>
+            <a:ext cx="2875908" cy="1573384"/>
           </a:xfrm>
           <a:prstGeom prst="borderCallout1">
             <a:avLst>
               <a:gd name="adj1" fmla="val -5025"/>
               <a:gd name="adj2" fmla="val 11033"/>
-              <a:gd name="adj3" fmla="val -24658"/>
-              <a:gd name="adj4" fmla="val -29548"/>
+              <a:gd name="adj3" fmla="val -64380"/>
+              <a:gd name="adj4" fmla="val -4521"/>
             </a:avLst>
           </a:prstGeom>
           <a:solidFill>
@@ -10366,7 +10542,7 @@
           <a:p>
             <a:r>
               <a:rPr lang="en-US" sz="1400" dirty="0"/>
-              <a:t>Formats include:</a:t>
+              <a:t>Can be many kernels:</a:t>
             </a:r>
           </a:p>
           <a:p>
@@ -10376,7 +10552,7 @@
             </a:pPr>
             <a:r>
               <a:rPr lang="en-US" sz="1400" dirty="0"/>
-              <a:t>HTML Slides</a:t>
+              <a:t>Python</a:t>
             </a:r>
           </a:p>
           <a:p>
@@ -10386,7 +10562,7 @@
             </a:pPr>
             <a:r>
               <a:rPr lang="en-US" sz="1400" dirty="0"/>
-              <a:t>PDF</a:t>
+              <a:t>R</a:t>
             </a:r>
           </a:p>
           <a:p>
@@ -10396,7 +10572,7 @@
             </a:pPr>
             <a:r>
               <a:rPr lang="en-US" sz="1400" dirty="0"/>
-              <a:t>Markdown</a:t>
+              <a:t>Julia</a:t>
             </a:r>
           </a:p>
           <a:p>
@@ -10406,8 +10582,59 @@
             </a:pPr>
             <a:r>
               <a:rPr lang="en-US" sz="1400" dirty="0"/>
-              <a:t>Script</a:t>
-            </a:r>
+              <a:t>Ruby</a:t>
+            </a:r>
+          </a:p>
+          <a:p>
+            <a:pPr marL="285750" indent="-285750">
+              <a:buFont typeface="Arial" panose="020B0604020202020204" pitchFamily="34" charset="0"/>
+              <a:buChar char="•"/>
+            </a:pPr>
+            <a:r>
+              <a:rPr lang="en-US" sz="1400" dirty="0"/>
+              <a:t>Perl</a:t>
+            </a:r>
+          </a:p>
+          <a:p>
+            <a:pPr marL="285750" indent="-285750">
+              <a:buFont typeface="Arial" panose="020B0604020202020204" pitchFamily="34" charset="0"/>
+              <a:buChar char="•"/>
+            </a:pPr>
+            <a:r>
+              <a:rPr lang="en-US" sz="1400" dirty="0"/>
+              <a:t>PowerShell</a:t>
+            </a:r>
+          </a:p>
+        </p:txBody>
+      </p:sp>
+      <p:sp>
+        <p:nvSpPr>
+          <p:cNvPr id="5" name="Rectangle 4"/>
+          <p:cNvSpPr/>
+          <p:nvPr/>
+        </p:nvSpPr>
+        <p:spPr>
+          <a:xfrm>
+            <a:off x="953192" y="6339486"/>
+            <a:ext cx="7467599" cy="276999"/>
+          </a:xfrm>
+          <a:prstGeom prst="rect">
+            <a:avLst/>
+          </a:prstGeom>
+        </p:spPr>
+        <p:txBody>
+          <a:bodyPr wrap="square">
+            <a:spAutoFit/>
+          </a:bodyPr>
+          <a:lstStyle/>
+          <a:p>
+            <a:r>
+              <a:rPr lang="en-US" sz="1200" dirty="0">
+                <a:hlinkClick r:id="rId3"/>
+              </a:rPr>
+              <a:t>http://jupyter.readthedocs.io/en/latest/architecture/how_jupyter_ipython_work.html</a:t>
+            </a:r>
+            <a:endParaRPr lang="en-US" sz="1200" dirty="0"/>
           </a:p>
         </p:txBody>
       </p:sp>
@@ -10419,15 +10646,15 @@
         </p:nvSpPr>
         <p:spPr>
           <a:xfrm>
-            <a:off x="6901478" y="3049081"/>
-            <a:ext cx="1287661" cy="301021"/>
+            <a:off x="4148838" y="4018777"/>
+            <a:ext cx="1329470" cy="715064"/>
           </a:xfrm>
           <a:prstGeom prst="borderCallout1">
             <a:avLst>
-              <a:gd name="adj1" fmla="val -5025"/>
-              <a:gd name="adj2" fmla="val 11033"/>
-              <a:gd name="adj3" fmla="val -64380"/>
-              <a:gd name="adj4" fmla="val -4521"/>
+              <a:gd name="adj1" fmla="val 45899"/>
+              <a:gd name="adj2" fmla="val 105985"/>
+              <a:gd name="adj3" fmla="val 47654"/>
+              <a:gd name="adj4" fmla="val 151297"/>
             </a:avLst>
           </a:prstGeom>
           <a:solidFill>
@@ -10455,6 +10682,258 @@
           <a:lstStyle/>
           <a:p>
             <a:r>
+              <a:rPr lang="en-US" sz="1400" dirty="0"/>
+              <a:t>JSON format</a:t>
+            </a:r>
+          </a:p>
+        </p:txBody>
+      </p:sp>
+    </p:spTree>
+    <p:extLst>
+      <p:ext uri="{BB962C8B-B14F-4D97-AF65-F5344CB8AC3E}">
+        <p14:creationId xmlns:p14="http://schemas.microsoft.com/office/powerpoint/2010/main" val="4101581149"/>
+      </p:ext>
+    </p:extLst>
+  </p:cSld>
+  <p:clrMapOvr>
+    <a:masterClrMapping/>
+  </p:clrMapOvr>
+</p:sld>
+</file>
+
+<file path=ppt/slides/slide24.xml><?xml version="1.0" encoding="utf-8"?>
+<p:sld xmlns:a="http://schemas.openxmlformats.org/drawingml/2006/main" xmlns:r="http://schemas.openxmlformats.org/officeDocument/2006/relationships" xmlns:p="http://schemas.openxmlformats.org/presentationml/2006/main">
+  <p:cSld>
+    <p:spTree>
+      <p:nvGrpSpPr>
+        <p:cNvPr id="1" name=""/>
+        <p:cNvGrpSpPr/>
+        <p:nvPr/>
+      </p:nvGrpSpPr>
+      <p:grpSpPr>
+        <a:xfrm>
+          <a:off x="0" y="0"/>
+          <a:ext cx="0" cy="0"/>
+          <a:chOff x="0" y="0"/>
+          <a:chExt cx="0" cy="0"/>
+        </a:xfrm>
+      </p:grpSpPr>
+      <p:sp>
+        <p:nvSpPr>
+          <p:cNvPr id="2" name="Title 1"/>
+          <p:cNvSpPr>
+            <a:spLocks noGrp="1"/>
+          </p:cNvSpPr>
+          <p:nvPr>
+            <p:ph type="ctrTitle"/>
+          </p:nvPr>
+        </p:nvSpPr>
+        <p:spPr>
+          <a:xfrm>
+            <a:off x="80360" y="-180893"/>
+            <a:ext cx="8825658" cy="985006"/>
+          </a:xfrm>
+        </p:spPr>
+        <p:txBody>
+          <a:bodyPr/>
+          <a:lstStyle/>
+          <a:p>
+            <a:r>
+              <a:rPr lang="en-US" sz="4400" dirty="0"/>
+              <a:t>Flexible Notebook Conversions</a:t>
+            </a:r>
+          </a:p>
+        </p:txBody>
+      </p:sp>
+      <p:sp>
+        <p:nvSpPr>
+          <p:cNvPr id="5" name="Rectangle 4"/>
+          <p:cNvSpPr/>
+          <p:nvPr/>
+        </p:nvSpPr>
+        <p:spPr>
+          <a:xfrm>
+            <a:off x="953192" y="6339486"/>
+            <a:ext cx="7467599" cy="276999"/>
+          </a:xfrm>
+          <a:prstGeom prst="rect">
+            <a:avLst/>
+          </a:prstGeom>
+        </p:spPr>
+        <p:txBody>
+          <a:bodyPr wrap="square">
+            <a:spAutoFit/>
+          </a:bodyPr>
+          <a:lstStyle/>
+          <a:p>
+            <a:r>
+              <a:rPr lang="en-US" sz="1200" dirty="0">
+                <a:hlinkClick r:id="rId2"/>
+              </a:rPr>
+              <a:t>http://jupyter.readthedocs.io/en/latest/architecture/how_jupyter_ipython_work.html</a:t>
+            </a:r>
+            <a:endParaRPr lang="en-US" sz="1200" dirty="0"/>
+          </a:p>
+        </p:txBody>
+      </p:sp>
+      <p:pic>
+        <p:nvPicPr>
+          <p:cNvPr id="7" name="Picture 6"/>
+          <p:cNvPicPr>
+            <a:picLocks noChangeAspect="1"/>
+          </p:cNvPicPr>
+          <p:nvPr/>
+        </p:nvPicPr>
+        <p:blipFill>
+          <a:blip r:embed="rId3"/>
+          <a:stretch>
+            <a:fillRect/>
+          </a:stretch>
+        </p:blipFill>
+        <p:spPr>
+          <a:xfrm>
+            <a:off x="2462472" y="2089265"/>
+            <a:ext cx="6153150" cy="2895600"/>
+          </a:xfrm>
+          <a:prstGeom prst="rect">
+            <a:avLst/>
+          </a:prstGeom>
+        </p:spPr>
+      </p:pic>
+      <p:sp>
+        <p:nvSpPr>
+          <p:cNvPr id="6" name="Line Callout 1 5"/>
+          <p:cNvSpPr/>
+          <p:nvPr/>
+        </p:nvSpPr>
+        <p:spPr>
+          <a:xfrm>
+            <a:off x="7537807" y="4986021"/>
+            <a:ext cx="2875908" cy="1132808"/>
+          </a:xfrm>
+          <a:prstGeom prst="borderCallout1">
+            <a:avLst>
+              <a:gd name="adj1" fmla="val -5025"/>
+              <a:gd name="adj2" fmla="val 11033"/>
+              <a:gd name="adj3" fmla="val -24658"/>
+              <a:gd name="adj4" fmla="val -29548"/>
+            </a:avLst>
+          </a:prstGeom>
+          <a:solidFill>
+            <a:srgbClr val="C00000"/>
+          </a:solidFill>
+        </p:spPr>
+        <p:style>
+          <a:lnRef idx="2">
+            <a:schemeClr val="accent1">
+              <a:shade val="50000"/>
+            </a:schemeClr>
+          </a:lnRef>
+          <a:fillRef idx="1">
+            <a:schemeClr val="accent1"/>
+          </a:fillRef>
+          <a:effectRef idx="0">
+            <a:schemeClr val="accent1"/>
+          </a:effectRef>
+          <a:fontRef idx="minor">
+            <a:schemeClr val="lt1"/>
+          </a:fontRef>
+        </p:style>
+        <p:txBody>
+          <a:bodyPr rtlCol="0" anchor="ctr"/>
+          <a:lstStyle/>
+          <a:p>
+            <a:r>
+              <a:rPr lang="en-US" sz="1400" dirty="0"/>
+              <a:t>Formats include:</a:t>
+            </a:r>
+          </a:p>
+          <a:p>
+            <a:pPr marL="285750" indent="-285750">
+              <a:buFont typeface="Arial" panose="020B0604020202020204" pitchFamily="34" charset="0"/>
+              <a:buChar char="•"/>
+            </a:pPr>
+            <a:r>
+              <a:rPr lang="en-US" sz="1400" dirty="0"/>
+              <a:t>HTML Slides</a:t>
+            </a:r>
+          </a:p>
+          <a:p>
+            <a:pPr marL="285750" indent="-285750">
+              <a:buFont typeface="Arial" panose="020B0604020202020204" pitchFamily="34" charset="0"/>
+              <a:buChar char="•"/>
+            </a:pPr>
+            <a:r>
+              <a:rPr lang="en-US" sz="1400" dirty="0"/>
+              <a:t>PDF</a:t>
+            </a:r>
+          </a:p>
+          <a:p>
+            <a:pPr marL="285750" indent="-285750">
+              <a:buFont typeface="Arial" panose="020B0604020202020204" pitchFamily="34" charset="0"/>
+              <a:buChar char="•"/>
+            </a:pPr>
+            <a:r>
+              <a:rPr lang="en-US" sz="1400" dirty="0"/>
+              <a:t>Markdown</a:t>
+            </a:r>
+          </a:p>
+          <a:p>
+            <a:pPr marL="285750" indent="-285750">
+              <a:buFont typeface="Arial" panose="020B0604020202020204" pitchFamily="34" charset="0"/>
+              <a:buChar char="•"/>
+            </a:pPr>
+            <a:r>
+              <a:rPr lang="en-US" sz="1400" dirty="0"/>
+              <a:t>Script</a:t>
+            </a:r>
+          </a:p>
+        </p:txBody>
+      </p:sp>
+      <p:sp>
+        <p:nvSpPr>
+          <p:cNvPr id="8" name="Line Callout 1 7"/>
+          <p:cNvSpPr/>
+          <p:nvPr/>
+        </p:nvSpPr>
+        <p:spPr>
+          <a:xfrm>
+            <a:off x="6901478" y="3049081"/>
+            <a:ext cx="1287661" cy="301021"/>
+          </a:xfrm>
+          <a:prstGeom prst="borderCallout1">
+            <a:avLst>
+              <a:gd name="adj1" fmla="val -5025"/>
+              <a:gd name="adj2" fmla="val 11033"/>
+              <a:gd name="adj3" fmla="val -64380"/>
+              <a:gd name="adj4" fmla="val -4521"/>
+            </a:avLst>
+          </a:prstGeom>
+          <a:solidFill>
+            <a:srgbClr val="C00000"/>
+          </a:solidFill>
+        </p:spPr>
+        <p:style>
+          <a:lnRef idx="2">
+            <a:schemeClr val="accent1">
+              <a:shade val="50000"/>
+            </a:schemeClr>
+          </a:lnRef>
+          <a:fillRef idx="1">
+            <a:schemeClr val="accent1"/>
+          </a:fillRef>
+          <a:effectRef idx="0">
+            <a:schemeClr val="accent1"/>
+          </a:effectRef>
+          <a:fontRef idx="minor">
+            <a:schemeClr val="lt1"/>
+          </a:fontRef>
+        </p:style>
+        <p:txBody>
+          <a:bodyPr rtlCol="0" anchor="ctr"/>
+          <a:lstStyle/>
+          <a:p>
+            <a:r>
               <a:rPr lang="en-US" sz="1400" dirty="0" err="1"/>
               <a:t>nbconvert</a:t>
             </a:r>
@@ -10475,7 +10954,7 @@
 </p:sld>
 </file>
 
-<file path=ppt/slides/slide24.xml><?xml version="1.0" encoding="utf-8"?>
+<file path=ppt/slides/slide25.xml><?xml version="1.0" encoding="utf-8"?>
 <p:sld xmlns:a="http://schemas.openxmlformats.org/drawingml/2006/main" xmlns:r="http://schemas.openxmlformats.org/officeDocument/2006/relationships" xmlns:p="http://schemas.openxmlformats.org/presentationml/2006/main">
   <p:cSld>
     <p:spTree>
@@ -10661,9 +11140,12 @@
           <a:lstStyle/>
           <a:p>
             <a:r>
-              <a:rPr lang="en-US" dirty="0"/>
+              <a:rPr lang="en-US" dirty="0">
+                <a:hlinkClick r:id="rId3"/>
+              </a:rPr>
               <a:t>https://notebooks.azure.com/</a:t>
             </a:r>
+            <a:endParaRPr lang="en-US" dirty="0"/>
           </a:p>
         </p:txBody>
       </p:sp>
@@ -10713,7 +11195,137 @@
 </p:sld>
 </file>
 
-<file path=ppt/slides/slide25.xml><?xml version="1.0" encoding="utf-8"?>
+<file path=ppt/slides/slide26.xml><?xml version="1.0" encoding="utf-8"?>
+<p:sld xmlns:a="http://schemas.openxmlformats.org/drawingml/2006/main" xmlns:r="http://schemas.openxmlformats.org/officeDocument/2006/relationships" xmlns:p="http://schemas.openxmlformats.org/presentationml/2006/main">
+  <p:cSld>
+    <p:spTree>
+      <p:nvGrpSpPr>
+        <p:cNvPr id="1" name=""/>
+        <p:cNvGrpSpPr/>
+        <p:nvPr/>
+      </p:nvGrpSpPr>
+      <p:grpSpPr>
+        <a:xfrm>
+          <a:off x="0" y="0"/>
+          <a:ext cx="0" cy="0"/>
+          <a:chOff x="0" y="0"/>
+          <a:chExt cx="0" cy="0"/>
+        </a:xfrm>
+      </p:grpSpPr>
+      <p:sp>
+        <p:nvSpPr>
+          <p:cNvPr id="5" name="Title 1">
+            <a:extLst>
+              <a:ext uri="{FF2B5EF4-FFF2-40B4-BE49-F238E27FC236}">
+                <a16:creationId xmlns:a16="http://schemas.microsoft.com/office/drawing/2014/main" id="{7694E0C4-49F5-4878-9E8A-18F8AFE72C60}"/>
+              </a:ext>
+            </a:extLst>
+          </p:cNvPr>
+          <p:cNvSpPr>
+            <a:spLocks noGrp="1"/>
+          </p:cNvSpPr>
+          <p:nvPr>
+            <p:ph type="ctrTitle"/>
+          </p:nvPr>
+        </p:nvSpPr>
+        <p:spPr>
+          <a:xfrm>
+            <a:off x="170443" y="50660"/>
+            <a:ext cx="8825658" cy="705711"/>
+          </a:xfrm>
+        </p:spPr>
+        <p:txBody>
+          <a:bodyPr/>
+          <a:lstStyle/>
+          <a:p>
+            <a:r>
+              <a:rPr lang="en-US" sz="4400" dirty="0"/>
+              <a:t>Azure Notebooks in ML Studio</a:t>
+            </a:r>
+          </a:p>
+        </p:txBody>
+      </p:sp>
+      <p:sp>
+        <p:nvSpPr>
+          <p:cNvPr id="3" name="Rectangle 2">
+            <a:extLst>
+              <a:ext uri="{FF2B5EF4-FFF2-40B4-BE49-F238E27FC236}">
+                <a16:creationId xmlns:a16="http://schemas.microsoft.com/office/drawing/2014/main" id="{34F06344-6F74-4D70-9FE6-D5C5E67E26B0}"/>
+              </a:ext>
+            </a:extLst>
+          </p:cNvPr>
+          <p:cNvSpPr/>
+          <p:nvPr/>
+        </p:nvSpPr>
+        <p:spPr>
+          <a:xfrm>
+            <a:off x="4526499" y="6333259"/>
+            <a:ext cx="3139001" cy="369332"/>
+          </a:xfrm>
+          <a:prstGeom prst="rect">
+            <a:avLst/>
+          </a:prstGeom>
+        </p:spPr>
+        <p:txBody>
+          <a:bodyPr wrap="none">
+            <a:spAutoFit/>
+          </a:bodyPr>
+          <a:lstStyle/>
+          <a:p>
+            <a:r>
+              <a:rPr lang="en-US" dirty="0">
+                <a:hlinkClick r:id="rId2"/>
+              </a:rPr>
+              <a:t>https://studio.azureml.net/</a:t>
+            </a:r>
+            <a:endParaRPr lang="en-US" dirty="0"/>
+          </a:p>
+        </p:txBody>
+      </p:sp>
+      <p:pic>
+        <p:nvPicPr>
+          <p:cNvPr id="4" name="Picture 3">
+            <a:extLst>
+              <a:ext uri="{FF2B5EF4-FFF2-40B4-BE49-F238E27FC236}">
+                <a16:creationId xmlns:a16="http://schemas.microsoft.com/office/drawing/2014/main" id="{9493684A-2001-42CE-9250-373A34D7402A}"/>
+              </a:ext>
+            </a:extLst>
+          </p:cNvPr>
+          <p:cNvPicPr>
+            <a:picLocks noChangeAspect="1"/>
+          </p:cNvPicPr>
+          <p:nvPr/>
+        </p:nvPicPr>
+        <p:blipFill>
+          <a:blip r:embed="rId3"/>
+          <a:stretch>
+            <a:fillRect/>
+          </a:stretch>
+        </p:blipFill>
+        <p:spPr>
+          <a:xfrm>
+            <a:off x="1623904" y="934463"/>
+            <a:ext cx="8825658" cy="5220704"/>
+          </a:xfrm>
+          <a:prstGeom prst="rect">
+            <a:avLst/>
+          </a:prstGeom>
+        </p:spPr>
+      </p:pic>
+    </p:spTree>
+    <p:extLst>
+      <p:ext uri="{BB962C8B-B14F-4D97-AF65-F5344CB8AC3E}">
+        <p14:creationId xmlns:p14="http://schemas.microsoft.com/office/powerpoint/2010/main" val="2404084749"/>
+      </p:ext>
+    </p:extLst>
+  </p:cSld>
+  <p:clrMapOvr>
+    <a:masterClrMapping/>
+  </p:clrMapOvr>
+</p:sld>
+</file>
+
+<file path=ppt/slides/slide27.xml><?xml version="1.0" encoding="utf-8"?>
 <p:sld xmlns:a="http://schemas.openxmlformats.org/drawingml/2006/main" xmlns:r="http://schemas.openxmlformats.org/officeDocument/2006/relationships" xmlns:p="http://schemas.openxmlformats.org/presentationml/2006/main">
   <p:cSld>
     <p:spTree>
@@ -11135,6 +11747,336 @@
         </p:nvSpPr>
         <p:spPr>
           <a:xfrm>
+            <a:off x="507512" y="207240"/>
+            <a:ext cx="8825658" cy="497435"/>
+          </a:xfrm>
+        </p:spPr>
+        <p:txBody>
+          <a:bodyPr/>
+          <a:lstStyle/>
+          <a:p>
+            <a:r>
+              <a:rPr lang="en-US" sz="3200" dirty="0"/>
+              <a:t>About Bryan Cafferky…</a:t>
+            </a:r>
+          </a:p>
+        </p:txBody>
+      </p:sp>
+      <p:sp>
+        <p:nvSpPr>
+          <p:cNvPr id="6" name="Rectangle 5"/>
+          <p:cNvSpPr/>
+          <p:nvPr/>
+        </p:nvSpPr>
+        <p:spPr>
+          <a:xfrm>
+            <a:off x="212008" y="5275284"/>
+            <a:ext cx="4853820" cy="738664"/>
+          </a:xfrm>
+          <a:prstGeom prst="rect">
+            <a:avLst/>
+          </a:prstGeom>
+        </p:spPr>
+        <p:txBody>
+          <a:bodyPr wrap="square">
+            <a:spAutoFit/>
+          </a:bodyPr>
+          <a:lstStyle/>
+          <a:p>
+            <a:r>
+              <a:rPr lang="en-US" sz="1400" u="sng" dirty="0">
+                <a:solidFill>
+                  <a:schemeClr val="accent4">
+                    <a:lumMod val="20000"/>
+                    <a:lumOff val="80000"/>
+                  </a:schemeClr>
+                </a:solidFill>
+                <a:hlinkClick r:id="rId3"/>
+              </a:rPr>
+              <a:t>https://www.linkedin.com/in/bryancafferky</a:t>
+            </a:r>
+            <a:endParaRPr lang="en-US" sz="1400" u="sng" dirty="0">
+              <a:solidFill>
+                <a:schemeClr val="accent4">
+                  <a:lumMod val="20000"/>
+                  <a:lumOff val="80000"/>
+                </a:schemeClr>
+              </a:solidFill>
+            </a:endParaRPr>
+          </a:p>
+          <a:p>
+            <a:endParaRPr lang="en-US" sz="1400" u="sng" dirty="0">
+              <a:solidFill>
+                <a:schemeClr val="accent4">
+                  <a:lumMod val="20000"/>
+                  <a:lumOff val="80000"/>
+                </a:schemeClr>
+              </a:solidFill>
+            </a:endParaRPr>
+          </a:p>
+          <a:p>
+            <a:r>
+              <a:rPr lang="en-US" sz="1400" dirty="0">
+                <a:solidFill>
+                  <a:schemeClr val="accent4">
+                    <a:lumMod val="20000"/>
+                    <a:lumOff val="80000"/>
+                  </a:schemeClr>
+                </a:solidFill>
+              </a:rPr>
+              <a:t>@BryanCafferky – follow me!</a:t>
+            </a:r>
+          </a:p>
+        </p:txBody>
+      </p:sp>
+      <p:sp>
+        <p:nvSpPr>
+          <p:cNvPr id="4" name="TextBox 3"/>
+          <p:cNvSpPr txBox="1"/>
+          <p:nvPr/>
+        </p:nvSpPr>
+        <p:spPr>
+          <a:xfrm>
+            <a:off x="507512" y="1058354"/>
+            <a:ext cx="10238700" cy="3416320"/>
+          </a:xfrm>
+          <a:prstGeom prst="rect">
+            <a:avLst/>
+          </a:prstGeom>
+          <a:noFill/>
+        </p:spPr>
+        <p:txBody>
+          <a:bodyPr wrap="none" rtlCol="0">
+            <a:spAutoFit/>
+          </a:bodyPr>
+          <a:lstStyle/>
+          <a:p>
+            <a:pPr marL="285750" indent="-285750">
+              <a:buFont typeface="Arial" panose="020B0604020202020204" pitchFamily="34" charset="0"/>
+              <a:buChar char="•"/>
+            </a:pPr>
+            <a:r>
+              <a:rPr lang="en-US" dirty="0"/>
+              <a:t>Microsoft Technical Solutions Professional</a:t>
+            </a:r>
+          </a:p>
+          <a:p>
+            <a:endParaRPr lang="en-US" dirty="0"/>
+          </a:p>
+          <a:p>
+            <a:pPr marL="285750" indent="-285750">
+              <a:buFont typeface="Arial" panose="020B0604020202020204" pitchFamily="34" charset="0"/>
+              <a:buChar char="•"/>
+            </a:pPr>
+            <a:r>
+              <a:rPr lang="en-US" dirty="0"/>
+              <a:t>Decades of IT Experience</a:t>
+            </a:r>
+          </a:p>
+          <a:p>
+            <a:endParaRPr lang="en-US" dirty="0"/>
+          </a:p>
+          <a:p>
+            <a:pPr marL="285750" indent="-285750">
+              <a:buFont typeface="Arial" panose="020B0604020202020204" pitchFamily="34" charset="0"/>
+              <a:buChar char="•"/>
+            </a:pPr>
+            <a:r>
+              <a:rPr lang="en-US" dirty="0"/>
+              <a:t>Author of Pro PowerShell for Database Developers</a:t>
+            </a:r>
+          </a:p>
+          <a:p>
+            <a:pPr marL="285750" indent="-285750">
+              <a:buFont typeface="Arial" panose="020B0604020202020204" pitchFamily="34" charset="0"/>
+              <a:buChar char="•"/>
+            </a:pPr>
+            <a:endParaRPr lang="en-US" dirty="0"/>
+          </a:p>
+          <a:p>
+            <a:pPr marL="285750" indent="-285750">
+              <a:buFont typeface="Arial" panose="020B0604020202020204" pitchFamily="34" charset="0"/>
+              <a:buChar char="•"/>
+            </a:pPr>
+            <a:r>
+              <a:rPr lang="en-US" dirty="0"/>
+              <a:t>Experienced in health care, insurance, banking, and ecommerce</a:t>
+            </a:r>
+          </a:p>
+          <a:p>
+            <a:pPr marL="285750" indent="-285750">
+              <a:buFont typeface="Arial" panose="020B0604020202020204" pitchFamily="34" charset="0"/>
+              <a:buChar char="•"/>
+            </a:pPr>
+            <a:endParaRPr lang="en-US" dirty="0"/>
+          </a:p>
+          <a:p>
+            <a:pPr marL="285750" indent="-285750">
+              <a:buFont typeface="Arial" panose="020B0604020202020204" pitchFamily="34" charset="0"/>
+              <a:buChar char="•"/>
+            </a:pPr>
+            <a:r>
+              <a:rPr lang="en-US" dirty="0"/>
+              <a:t>Founded and lead PASS Chapter The RI Microsoft BI User Group </a:t>
+            </a:r>
+          </a:p>
+          <a:p>
+            <a:endParaRPr lang="en-US" dirty="0"/>
+          </a:p>
+          <a:p>
+            <a:pPr marL="285750" indent="-285750">
+              <a:buFont typeface="Arial" panose="020B0604020202020204" pitchFamily="34" charset="0"/>
+              <a:buChar char="•"/>
+            </a:pPr>
+            <a:r>
+              <a:rPr lang="en-US" dirty="0"/>
+              <a:t>Founded and Lead the Greater Boston Data Science, Machine Learning, and AI Group</a:t>
+            </a:r>
+          </a:p>
+          <a:p>
+            <a:endParaRPr lang="en-US" dirty="0"/>
+          </a:p>
+        </p:txBody>
+      </p:sp>
+      <p:pic>
+        <p:nvPicPr>
+          <p:cNvPr id="11" name="Picture 10"/>
+          <p:cNvPicPr>
+            <a:picLocks noChangeAspect="1"/>
+          </p:cNvPicPr>
+          <p:nvPr/>
+        </p:nvPicPr>
+        <p:blipFill>
+          <a:blip r:embed="rId4">
+            <a:extLst>
+              <a:ext uri="{28A0092B-C50C-407E-A947-70E740481C1C}">
+                <a14:useLocalDpi xmlns:a14="http://schemas.microsoft.com/office/drawing/2010/main" val="0"/>
+              </a:ext>
+            </a:extLst>
+          </a:blip>
+          <a:stretch>
+            <a:fillRect/>
+          </a:stretch>
+        </p:blipFill>
+        <p:spPr>
+          <a:xfrm>
+            <a:off x="10259403" y="4819180"/>
+            <a:ext cx="1792855" cy="1547405"/>
+          </a:xfrm>
+          <a:prstGeom prst="rect">
+            <a:avLst/>
+          </a:prstGeom>
+        </p:spPr>
+      </p:pic>
+      <p:pic>
+        <p:nvPicPr>
+          <p:cNvPr id="7" name="Picture 6">
+            <a:extLst>
+              <a:ext uri="{FF2B5EF4-FFF2-40B4-BE49-F238E27FC236}">
+                <a16:creationId xmlns:a16="http://schemas.microsoft.com/office/drawing/2014/main" id="{97484C21-7E2A-438D-B523-A79984D4F0A5}"/>
+              </a:ext>
+            </a:extLst>
+          </p:cNvPr>
+          <p:cNvPicPr>
+            <a:picLocks noChangeAspect="1"/>
+          </p:cNvPicPr>
+          <p:nvPr/>
+        </p:nvPicPr>
+        <p:blipFill>
+          <a:blip r:embed="rId5"/>
+          <a:stretch>
+            <a:fillRect/>
+          </a:stretch>
+        </p:blipFill>
+        <p:spPr>
+          <a:xfrm>
+            <a:off x="10300646" y="6434092"/>
+            <a:ext cx="1751612" cy="287742"/>
+          </a:xfrm>
+          <a:prstGeom prst="rect">
+            <a:avLst/>
+          </a:prstGeom>
+        </p:spPr>
+      </p:pic>
+      <p:sp>
+        <p:nvSpPr>
+          <p:cNvPr id="8" name="Rectangle 7">
+            <a:extLst>
+              <a:ext uri="{FF2B5EF4-FFF2-40B4-BE49-F238E27FC236}">
+                <a16:creationId xmlns:a16="http://schemas.microsoft.com/office/drawing/2014/main" id="{D79F1F65-D56D-4C0F-9C31-08ADA13A0A9B}"/>
+              </a:ext>
+            </a:extLst>
+          </p:cNvPr>
+          <p:cNvSpPr/>
+          <p:nvPr/>
+        </p:nvSpPr>
+        <p:spPr>
+          <a:xfrm>
+            <a:off x="2235200" y="6352502"/>
+            <a:ext cx="7230533" cy="369332"/>
+          </a:xfrm>
+          <a:prstGeom prst="rect">
+            <a:avLst/>
+          </a:prstGeom>
+        </p:spPr>
+        <p:txBody>
+          <a:bodyPr wrap="square">
+            <a:spAutoFit/>
+          </a:bodyPr>
+          <a:lstStyle/>
+          <a:p>
+            <a:r>
+              <a:rPr lang="en-US" dirty="0">
+                <a:hlinkClick r:id="rId6"/>
+              </a:rPr>
+              <a:t>https://github.com/bcafferky/shared/tree/master/JupyterIntro</a:t>
+            </a:r>
+            <a:endParaRPr lang="en-US" dirty="0"/>
+          </a:p>
+        </p:txBody>
+      </p:sp>
+    </p:spTree>
+    <p:extLst>
+      <p:ext uri="{BB962C8B-B14F-4D97-AF65-F5344CB8AC3E}">
+        <p14:creationId xmlns:p14="http://schemas.microsoft.com/office/powerpoint/2010/main" val="1004504306"/>
+      </p:ext>
+    </p:extLst>
+  </p:cSld>
+  <p:clrMapOvr>
+    <a:masterClrMapping/>
+  </p:clrMapOvr>
+</p:sld>
+</file>
+
+<file path=ppt/slides/slide4.xml><?xml version="1.0" encoding="utf-8"?>
+<p:sld xmlns:a="http://schemas.openxmlformats.org/drawingml/2006/main" xmlns:r="http://schemas.openxmlformats.org/officeDocument/2006/relationships" xmlns:p="http://schemas.openxmlformats.org/presentationml/2006/main">
+  <p:cSld>
+    <p:spTree>
+      <p:nvGrpSpPr>
+        <p:cNvPr id="1" name=""/>
+        <p:cNvGrpSpPr/>
+        <p:nvPr/>
+      </p:nvGrpSpPr>
+      <p:grpSpPr>
+        <a:xfrm>
+          <a:off x="0" y="0"/>
+          <a:ext cx="0" cy="0"/>
+          <a:chOff x="0" y="0"/>
+          <a:chExt cx="0" cy="0"/>
+        </a:xfrm>
+      </p:grpSpPr>
+      <p:sp>
+        <p:nvSpPr>
+          <p:cNvPr id="2" name="Title 1"/>
+          <p:cNvSpPr>
+            <a:spLocks noGrp="1"/>
+          </p:cNvSpPr>
+          <p:nvPr>
+            <p:ph type="ctrTitle"/>
+          </p:nvPr>
+        </p:nvSpPr>
+        <p:spPr>
+          <a:xfrm>
             <a:off x="305588" y="123159"/>
             <a:ext cx="8825658" cy="632621"/>
           </a:xfrm>
@@ -11187,7 +12129,7 @@
 </p:sld>
 </file>
 
-<file path=ppt/slides/slide4.xml><?xml version="1.0" encoding="utf-8"?>
+<file path=ppt/slides/slide5.xml><?xml version="1.0" encoding="utf-8"?>
 <p:sld xmlns:a="http://schemas.openxmlformats.org/drawingml/2006/main" xmlns:r="http://schemas.openxmlformats.org/officeDocument/2006/relationships" xmlns:p="http://schemas.openxmlformats.org/presentationml/2006/main">
   <p:cSld>
     <p:spTree>
@@ -11580,7 +12522,7 @@
 </p:sld>
 </file>
 
-<file path=ppt/slides/slide5.xml><?xml version="1.0" encoding="utf-8"?>
+<file path=ppt/slides/slide6.xml><?xml version="1.0" encoding="utf-8"?>
 <p:sld xmlns:a="http://schemas.openxmlformats.org/drawingml/2006/main" xmlns:r="http://schemas.openxmlformats.org/officeDocument/2006/relationships" xmlns:p="http://schemas.openxmlformats.org/presentationml/2006/main">
   <p:cSld>
     <p:spTree>
@@ -11868,87 +12810,6 @@
 </p:sld>
 </file>
 
-<file path=ppt/slides/slide6.xml><?xml version="1.0" encoding="utf-8"?>
-<p:sld xmlns:a="http://schemas.openxmlformats.org/drawingml/2006/main" xmlns:r="http://schemas.openxmlformats.org/officeDocument/2006/relationships" xmlns:p="http://schemas.openxmlformats.org/presentationml/2006/main">
-  <p:cSld>
-    <p:spTree>
-      <p:nvGrpSpPr>
-        <p:cNvPr id="1" name=""/>
-        <p:cNvGrpSpPr/>
-        <p:nvPr/>
-      </p:nvGrpSpPr>
-      <p:grpSpPr>
-        <a:xfrm>
-          <a:off x="0" y="0"/>
-          <a:ext cx="0" cy="0"/>
-          <a:chOff x="0" y="0"/>
-          <a:chExt cx="0" cy="0"/>
-        </a:xfrm>
-      </p:grpSpPr>
-      <p:sp>
-        <p:nvSpPr>
-          <p:cNvPr id="2" name="Title 1"/>
-          <p:cNvSpPr>
-            <a:spLocks noGrp="1"/>
-          </p:cNvSpPr>
-          <p:nvPr>
-            <p:ph type="ctrTitle"/>
-          </p:nvPr>
-        </p:nvSpPr>
-        <p:spPr>
-          <a:xfrm>
-            <a:off x="232760" y="106974"/>
-            <a:ext cx="8825658" cy="695459"/>
-          </a:xfrm>
-        </p:spPr>
-        <p:txBody>
-          <a:bodyPr/>
-          <a:lstStyle/>
-          <a:p>
-            <a:r>
-              <a:rPr lang="en-US" sz="4400" dirty="0"/>
-              <a:t>Who uses Jupyter Notebooks?</a:t>
-            </a:r>
-          </a:p>
-        </p:txBody>
-      </p:sp>
-      <p:pic>
-        <p:nvPicPr>
-          <p:cNvPr id="3" name="Picture 2"/>
-          <p:cNvPicPr>
-            <a:picLocks noChangeAspect="1"/>
-          </p:cNvPicPr>
-          <p:nvPr/>
-        </p:nvPicPr>
-        <p:blipFill>
-          <a:blip r:embed="rId2"/>
-          <a:stretch>
-            <a:fillRect/>
-          </a:stretch>
-        </p:blipFill>
-        <p:spPr>
-          <a:xfrm>
-            <a:off x="1219470" y="1276372"/>
-            <a:ext cx="9801882" cy="5513559"/>
-          </a:xfrm>
-          <a:prstGeom prst="rect">
-            <a:avLst/>
-          </a:prstGeom>
-        </p:spPr>
-      </p:pic>
-    </p:spTree>
-    <p:extLst>
-      <p:ext uri="{BB962C8B-B14F-4D97-AF65-F5344CB8AC3E}">
-        <p14:creationId xmlns:p14="http://schemas.microsoft.com/office/powerpoint/2010/main" val="1563692924"/>
-      </p:ext>
-    </p:extLst>
-  </p:cSld>
-  <p:clrMapOvr>
-    <a:masterClrMapping/>
-  </p:clrMapOvr>
-</p:sld>
-</file>
-
 <file path=ppt/slides/slide7.xml><?xml version="1.0" encoding="utf-8"?>
 <p:sld xmlns:a="http://schemas.openxmlformats.org/drawingml/2006/main" xmlns:r="http://schemas.openxmlformats.org/officeDocument/2006/relationships" xmlns:p="http://schemas.openxmlformats.org/presentationml/2006/main">
   <p:cSld>
@@ -11979,7 +12840,7 @@
         <p:spPr>
           <a:xfrm>
             <a:off x="232760" y="106974"/>
-            <a:ext cx="8825658" cy="685237"/>
+            <a:ext cx="8825658" cy="695459"/>
           </a:xfrm>
         </p:spPr>
         <p:txBody>
@@ -11988,352 +12849,39 @@
           <a:p>
             <a:r>
               <a:rPr lang="en-US" sz="4400" dirty="0"/>
-              <a:t>What’s in a name?</a:t>
-            </a:r>
-          </a:p>
-        </p:txBody>
-      </p:sp>
-      <p:sp>
-        <p:nvSpPr>
-          <p:cNvPr id="4" name="TextBox 3"/>
-          <p:cNvSpPr txBox="1"/>
+              <a:t>Who uses Jupyter Notebooks?</a:t>
+            </a:r>
+          </a:p>
+        </p:txBody>
+      </p:sp>
+      <p:pic>
+        <p:nvPicPr>
+          <p:cNvPr id="3" name="Picture 2"/>
+          <p:cNvPicPr>
+            <a:picLocks noChangeAspect="1"/>
+          </p:cNvPicPr>
           <p:nvPr/>
-        </p:nvSpPr>
-        <p:spPr>
-          <a:xfrm>
-            <a:off x="2961685" y="2071561"/>
-            <a:ext cx="4221027" cy="1569660"/>
+        </p:nvPicPr>
+        <p:blipFill>
+          <a:blip r:embed="rId2"/>
+          <a:stretch>
+            <a:fillRect/>
+          </a:stretch>
+        </p:blipFill>
+        <p:spPr>
+          <a:xfrm>
+            <a:off x="1219470" y="1276372"/>
+            <a:ext cx="9801882" cy="5513559"/>
           </a:xfrm>
           <a:prstGeom prst="rect">
             <a:avLst/>
           </a:prstGeom>
-          <a:noFill/>
-        </p:spPr>
-        <p:txBody>
-          <a:bodyPr wrap="none" rtlCol="0">
-            <a:spAutoFit/>
-          </a:bodyPr>
-          <a:lstStyle/>
-          <a:p>
-            <a:r>
-              <a:rPr lang="en-US" sz="9600" dirty="0">
-                <a:latin typeface="Arial" panose="020B0604020202020204" pitchFamily="34" charset="0"/>
-                <a:cs typeface="Arial" panose="020B0604020202020204" pitchFamily="34" charset="0"/>
-              </a:rPr>
-              <a:t>Jupyter</a:t>
-            </a:r>
-          </a:p>
-        </p:txBody>
-      </p:sp>
-      <p:sp>
-        <p:nvSpPr>
-          <p:cNvPr id="5" name="Line Callout 1 4"/>
-          <p:cNvSpPr/>
-          <p:nvPr/>
-        </p:nvSpPr>
-        <p:spPr>
-          <a:xfrm>
-            <a:off x="2303533" y="4650223"/>
-            <a:ext cx="925189" cy="598810"/>
-          </a:xfrm>
-          <a:prstGeom prst="borderCallout1">
-            <a:avLst>
-              <a:gd name="adj1" fmla="val -27196"/>
-              <a:gd name="adj2" fmla="val 43987"/>
-              <a:gd name="adj3" fmla="val -133446"/>
-              <a:gd name="adj4" fmla="val 84623"/>
-            </a:avLst>
-          </a:prstGeom>
-          <a:solidFill>
-            <a:srgbClr val="C00000"/>
-          </a:solidFill>
-        </p:spPr>
-        <p:style>
-          <a:lnRef idx="2">
-            <a:schemeClr val="accent1">
-              <a:shade val="50000"/>
-            </a:schemeClr>
-          </a:lnRef>
-          <a:fillRef idx="1">
-            <a:schemeClr val="accent1"/>
-          </a:fillRef>
-          <a:effectRef idx="0">
-            <a:schemeClr val="accent1"/>
-          </a:effectRef>
-          <a:fontRef idx="minor">
-            <a:schemeClr val="lt1"/>
-          </a:fontRef>
-        </p:style>
-        <p:txBody>
-          <a:bodyPr rtlCol="0" anchor="ctr"/>
-          <a:lstStyle/>
-          <a:p>
-            <a:r>
-              <a:rPr lang="en-US" sz="1400" dirty="0">
-                <a:solidFill>
-                  <a:schemeClr val="tx1"/>
-                </a:solidFill>
-              </a:rPr>
-              <a:t>Julia</a:t>
-            </a:r>
-          </a:p>
-        </p:txBody>
-      </p:sp>
-      <p:sp>
-        <p:nvSpPr>
-          <p:cNvPr id="6" name="Line Callout 1 5"/>
-          <p:cNvSpPr/>
-          <p:nvPr/>
-        </p:nvSpPr>
-        <p:spPr>
-          <a:xfrm>
-            <a:off x="4244274" y="5037293"/>
-            <a:ext cx="925189" cy="598810"/>
-          </a:xfrm>
-          <a:prstGeom prst="borderCallout1">
-            <a:avLst>
-              <a:gd name="adj1" fmla="val -27196"/>
-              <a:gd name="adj2" fmla="val 43987"/>
-              <a:gd name="adj3" fmla="val -130743"/>
-              <a:gd name="adj4" fmla="val 53136"/>
-            </a:avLst>
-          </a:prstGeom>
-          <a:solidFill>
-            <a:srgbClr val="C00000"/>
-          </a:solidFill>
-        </p:spPr>
-        <p:style>
-          <a:lnRef idx="2">
-            <a:schemeClr val="accent1">
-              <a:shade val="50000"/>
-            </a:schemeClr>
-          </a:lnRef>
-          <a:fillRef idx="1">
-            <a:schemeClr val="accent1"/>
-          </a:fillRef>
-          <a:effectRef idx="0">
-            <a:schemeClr val="accent1"/>
-          </a:effectRef>
-          <a:fontRef idx="minor">
-            <a:schemeClr val="lt1"/>
-          </a:fontRef>
-        </p:style>
-        <p:txBody>
-          <a:bodyPr rtlCol="0" anchor="ctr"/>
-          <a:lstStyle/>
-          <a:p>
-            <a:r>
-              <a:rPr lang="en-US" sz="1400" dirty="0">
-                <a:solidFill>
-                  <a:schemeClr val="tx1"/>
-                </a:solidFill>
-              </a:rPr>
-              <a:t>Python</a:t>
-            </a:r>
-          </a:p>
-        </p:txBody>
-      </p:sp>
-      <p:sp>
-        <p:nvSpPr>
-          <p:cNvPr id="7" name="Line Callout 1 6"/>
-          <p:cNvSpPr/>
-          <p:nvPr/>
-        </p:nvSpPr>
-        <p:spPr>
-          <a:xfrm>
-            <a:off x="6880928" y="4437133"/>
-            <a:ext cx="925189" cy="598810"/>
-          </a:xfrm>
-          <a:prstGeom prst="borderCallout1">
-            <a:avLst>
-              <a:gd name="adj1" fmla="val -27196"/>
-              <a:gd name="adj2" fmla="val 43987"/>
-              <a:gd name="adj3" fmla="val -110473"/>
-              <a:gd name="adj4" fmla="val 9404"/>
-            </a:avLst>
-          </a:prstGeom>
-          <a:solidFill>
-            <a:srgbClr val="C00000"/>
-          </a:solidFill>
-        </p:spPr>
-        <p:style>
-          <a:lnRef idx="2">
-            <a:schemeClr val="accent1">
-              <a:shade val="50000"/>
-            </a:schemeClr>
-          </a:lnRef>
-          <a:fillRef idx="1">
-            <a:schemeClr val="accent1"/>
-          </a:fillRef>
-          <a:effectRef idx="0">
-            <a:schemeClr val="accent1"/>
-          </a:effectRef>
-          <a:fontRef idx="minor">
-            <a:schemeClr val="lt1"/>
-          </a:fontRef>
-        </p:style>
-        <p:txBody>
-          <a:bodyPr rtlCol="0" anchor="ctr"/>
-          <a:lstStyle/>
-          <a:p>
-            <a:r>
-              <a:rPr lang="en-US" sz="1400" dirty="0">
-                <a:solidFill>
-                  <a:schemeClr val="tx1"/>
-                </a:solidFill>
-              </a:rPr>
-              <a:t>R</a:t>
-            </a:r>
-          </a:p>
-        </p:txBody>
-      </p:sp>
-      <p:sp>
-        <p:nvSpPr>
-          <p:cNvPr id="8" name="Left Brace 7"/>
-          <p:cNvSpPr/>
-          <p:nvPr/>
-        </p:nvSpPr>
-        <p:spPr>
-          <a:xfrm rot="16200000">
-            <a:off x="4669105" y="3309644"/>
-            <a:ext cx="331773" cy="914400"/>
-          </a:xfrm>
-          <a:prstGeom prst="leftBrace">
-            <a:avLst/>
-          </a:prstGeom>
-        </p:spPr>
-        <p:style>
-          <a:lnRef idx="1">
-            <a:schemeClr val="accent1"/>
-          </a:lnRef>
-          <a:fillRef idx="0">
-            <a:schemeClr val="accent1"/>
-          </a:fillRef>
-          <a:effectRef idx="0">
-            <a:schemeClr val="accent1"/>
-          </a:effectRef>
-          <a:fontRef idx="minor">
-            <a:schemeClr val="tx1"/>
-          </a:fontRef>
-        </p:style>
-        <p:txBody>
-          <a:bodyPr rtlCol="0" anchor="ctr"/>
-          <a:lstStyle/>
-          <a:p>
-            <a:pPr algn="ctr"/>
-            <a:endParaRPr lang="en-US"/>
-          </a:p>
-        </p:txBody>
-      </p:sp>
-      <p:sp>
-        <p:nvSpPr>
-          <p:cNvPr id="9" name="Left Brace 8"/>
-          <p:cNvSpPr/>
-          <p:nvPr/>
-        </p:nvSpPr>
-        <p:spPr>
-          <a:xfrm rot="16200000">
-            <a:off x="3607699" y="3308294"/>
-            <a:ext cx="331773" cy="914400"/>
-          </a:xfrm>
-          <a:prstGeom prst="leftBrace">
-            <a:avLst/>
-          </a:prstGeom>
-        </p:spPr>
-        <p:style>
-          <a:lnRef idx="1">
-            <a:schemeClr val="accent1"/>
-          </a:lnRef>
-          <a:fillRef idx="0">
-            <a:schemeClr val="accent1"/>
-          </a:fillRef>
-          <a:effectRef idx="0">
-            <a:schemeClr val="accent1"/>
-          </a:effectRef>
-          <a:fontRef idx="minor">
-            <a:schemeClr val="tx1"/>
-          </a:fontRef>
-        </p:style>
-        <p:txBody>
-          <a:bodyPr rtlCol="0" anchor="ctr"/>
-          <a:lstStyle/>
-          <a:p>
-            <a:pPr algn="ctr"/>
-            <a:endParaRPr lang="en-US"/>
-          </a:p>
-        </p:txBody>
-      </p:sp>
-      <p:sp>
-        <p:nvSpPr>
-          <p:cNvPr id="10" name="Left Brace 9"/>
-          <p:cNvSpPr/>
-          <p:nvPr/>
-        </p:nvSpPr>
-        <p:spPr>
-          <a:xfrm rot="16200000">
-            <a:off x="6696161" y="3289413"/>
-            <a:ext cx="331773" cy="534076"/>
-          </a:xfrm>
-          <a:prstGeom prst="leftBrace">
-            <a:avLst/>
-          </a:prstGeom>
-        </p:spPr>
-        <p:style>
-          <a:lnRef idx="1">
-            <a:schemeClr val="accent1"/>
-          </a:lnRef>
-          <a:fillRef idx="0">
-            <a:schemeClr val="accent1"/>
-          </a:fillRef>
-          <a:effectRef idx="0">
-            <a:schemeClr val="accent1"/>
-          </a:effectRef>
-          <a:fontRef idx="minor">
-            <a:schemeClr val="tx1"/>
-          </a:fontRef>
-        </p:style>
-        <p:txBody>
-          <a:bodyPr rtlCol="0" anchor="ctr"/>
-          <a:lstStyle/>
-          <a:p>
-            <a:pPr algn="ctr"/>
-            <a:endParaRPr lang="en-US"/>
-          </a:p>
-        </p:txBody>
-      </p:sp>
-      <p:sp>
-        <p:nvSpPr>
-          <p:cNvPr id="11" name="TextBox 10"/>
-          <p:cNvSpPr txBox="1"/>
-          <p:nvPr/>
-        </p:nvSpPr>
-        <p:spPr>
-          <a:xfrm>
-            <a:off x="8822967" y="1896773"/>
-            <a:ext cx="2099957" cy="923330"/>
-          </a:xfrm>
-          <a:prstGeom prst="rect">
-            <a:avLst/>
-          </a:prstGeom>
-          <a:noFill/>
-        </p:spPr>
-        <p:txBody>
-          <a:bodyPr wrap="square" rtlCol="0">
-            <a:spAutoFit/>
-          </a:bodyPr>
-          <a:lstStyle/>
-          <a:p>
-            <a:r>
-              <a:rPr lang="en-US" dirty="0"/>
-              <a:t>Emphasizes multi-language support.</a:t>
-            </a:r>
-          </a:p>
-        </p:txBody>
-      </p:sp>
+        </p:spPr>
+      </p:pic>
     </p:spTree>
     <p:extLst>
       <p:ext uri="{BB962C8B-B14F-4D97-AF65-F5344CB8AC3E}">
-        <p14:creationId xmlns:p14="http://schemas.microsoft.com/office/powerpoint/2010/main" val="3967482130"/>
+        <p14:creationId xmlns:p14="http://schemas.microsoft.com/office/powerpoint/2010/main" val="1563692924"/>
       </p:ext>
     </p:extLst>
   </p:cSld>
@@ -12373,7 +12921,7 @@
         <p:spPr>
           <a:xfrm>
             <a:off x="232760" y="106974"/>
-            <a:ext cx="8825658" cy="765093"/>
+            <a:ext cx="8825658" cy="685237"/>
           </a:xfrm>
         </p:spPr>
         <p:txBody>
@@ -12382,52 +12930,11 @@
           <a:p>
             <a:r>
               <a:rPr lang="en-US" sz="4400" dirty="0"/>
-              <a:t>Why Notebook?</a:t>
-            </a:r>
-          </a:p>
-        </p:txBody>
-      </p:sp>
-      <p:pic>
-        <p:nvPicPr>
-          <p:cNvPr id="1026" name="Picture 2" descr="http://lowres-picturecabinet.com.s3-eu-west-1.amazonaws.com/43/main/13/92414.jpg"/>
-          <p:cNvPicPr>
-            <a:picLocks noChangeAspect="1" noChangeArrowheads="1"/>
-          </p:cNvPicPr>
-          <p:nvPr/>
-        </p:nvPicPr>
-        <p:blipFill>
-          <a:blip r:embed="rId2">
-            <a:extLst>
-              <a:ext uri="{28A0092B-C50C-407E-A947-70E740481C1C}">
-                <a14:useLocalDpi xmlns:a14="http://schemas.microsoft.com/office/drawing/2010/main" val="0"/>
-              </a:ext>
-            </a:extLst>
-          </a:blip>
-          <a:srcRect/>
-          <a:stretch>
-            <a:fillRect/>
-          </a:stretch>
-        </p:blipFill>
-        <p:spPr bwMode="auto">
-          <a:xfrm>
-            <a:off x="2389050" y="1260937"/>
-            <a:ext cx="5913377" cy="5457441"/>
-          </a:xfrm>
-          <a:prstGeom prst="rect">
-            <a:avLst/>
-          </a:prstGeom>
-          <a:noFill/>
-          <a:extLst>
-            <a:ext uri="{909E8E84-426E-40DD-AFC4-6F175D3DCCD1}">
-              <a14:hiddenFill xmlns:a14="http://schemas.microsoft.com/office/drawing/2010/main">
-                <a:solidFill>
-                  <a:srgbClr val="FFFFFF"/>
-                </a:solidFill>
-              </a14:hiddenFill>
-            </a:ext>
-          </a:extLst>
-        </p:spPr>
-      </p:pic>
+              <a:t>What’s in a name?</a:t>
+            </a:r>
+          </a:p>
+        </p:txBody>
+      </p:sp>
       <p:sp>
         <p:nvSpPr>
           <p:cNvPr id="4" name="TextBox 3"/>
@@ -12436,8 +12943,316 @@
         </p:nvSpPr>
         <p:spPr>
           <a:xfrm>
-            <a:off x="8570569" y="2027864"/>
-            <a:ext cx="2610049" cy="2215991"/>
+            <a:off x="2961685" y="2071561"/>
+            <a:ext cx="4221027" cy="1569660"/>
+          </a:xfrm>
+          <a:prstGeom prst="rect">
+            <a:avLst/>
+          </a:prstGeom>
+          <a:noFill/>
+        </p:spPr>
+        <p:txBody>
+          <a:bodyPr wrap="none" rtlCol="0">
+            <a:spAutoFit/>
+          </a:bodyPr>
+          <a:lstStyle/>
+          <a:p>
+            <a:r>
+              <a:rPr lang="en-US" sz="9600" dirty="0">
+                <a:latin typeface="Arial" panose="020B0604020202020204" pitchFamily="34" charset="0"/>
+                <a:cs typeface="Arial" panose="020B0604020202020204" pitchFamily="34" charset="0"/>
+              </a:rPr>
+              <a:t>Jupyter</a:t>
+            </a:r>
+          </a:p>
+        </p:txBody>
+      </p:sp>
+      <p:sp>
+        <p:nvSpPr>
+          <p:cNvPr id="5" name="Line Callout 1 4"/>
+          <p:cNvSpPr/>
+          <p:nvPr/>
+        </p:nvSpPr>
+        <p:spPr>
+          <a:xfrm>
+            <a:off x="2303533" y="4650223"/>
+            <a:ext cx="925189" cy="598810"/>
+          </a:xfrm>
+          <a:prstGeom prst="borderCallout1">
+            <a:avLst>
+              <a:gd name="adj1" fmla="val -27196"/>
+              <a:gd name="adj2" fmla="val 43987"/>
+              <a:gd name="adj3" fmla="val -133446"/>
+              <a:gd name="adj4" fmla="val 84623"/>
+            </a:avLst>
+          </a:prstGeom>
+          <a:solidFill>
+            <a:srgbClr val="C00000"/>
+          </a:solidFill>
+        </p:spPr>
+        <p:style>
+          <a:lnRef idx="2">
+            <a:schemeClr val="accent1">
+              <a:shade val="50000"/>
+            </a:schemeClr>
+          </a:lnRef>
+          <a:fillRef idx="1">
+            <a:schemeClr val="accent1"/>
+          </a:fillRef>
+          <a:effectRef idx="0">
+            <a:schemeClr val="accent1"/>
+          </a:effectRef>
+          <a:fontRef idx="minor">
+            <a:schemeClr val="lt1"/>
+          </a:fontRef>
+        </p:style>
+        <p:txBody>
+          <a:bodyPr rtlCol="0" anchor="ctr"/>
+          <a:lstStyle/>
+          <a:p>
+            <a:r>
+              <a:rPr lang="en-US" sz="1400" dirty="0">
+                <a:solidFill>
+                  <a:schemeClr val="tx1"/>
+                </a:solidFill>
+              </a:rPr>
+              <a:t>Julia</a:t>
+            </a:r>
+          </a:p>
+        </p:txBody>
+      </p:sp>
+      <p:sp>
+        <p:nvSpPr>
+          <p:cNvPr id="6" name="Line Callout 1 5"/>
+          <p:cNvSpPr/>
+          <p:nvPr/>
+        </p:nvSpPr>
+        <p:spPr>
+          <a:xfrm>
+            <a:off x="4244274" y="5037293"/>
+            <a:ext cx="925189" cy="598810"/>
+          </a:xfrm>
+          <a:prstGeom prst="borderCallout1">
+            <a:avLst>
+              <a:gd name="adj1" fmla="val -27196"/>
+              <a:gd name="adj2" fmla="val 43987"/>
+              <a:gd name="adj3" fmla="val -130743"/>
+              <a:gd name="adj4" fmla="val 53136"/>
+            </a:avLst>
+          </a:prstGeom>
+          <a:solidFill>
+            <a:srgbClr val="C00000"/>
+          </a:solidFill>
+        </p:spPr>
+        <p:style>
+          <a:lnRef idx="2">
+            <a:schemeClr val="accent1">
+              <a:shade val="50000"/>
+            </a:schemeClr>
+          </a:lnRef>
+          <a:fillRef idx="1">
+            <a:schemeClr val="accent1"/>
+          </a:fillRef>
+          <a:effectRef idx="0">
+            <a:schemeClr val="accent1"/>
+          </a:effectRef>
+          <a:fontRef idx="minor">
+            <a:schemeClr val="lt1"/>
+          </a:fontRef>
+        </p:style>
+        <p:txBody>
+          <a:bodyPr rtlCol="0" anchor="ctr"/>
+          <a:lstStyle/>
+          <a:p>
+            <a:r>
+              <a:rPr lang="en-US" sz="1400" dirty="0">
+                <a:solidFill>
+                  <a:schemeClr val="tx1"/>
+                </a:solidFill>
+              </a:rPr>
+              <a:t>Python</a:t>
+            </a:r>
+          </a:p>
+        </p:txBody>
+      </p:sp>
+      <p:sp>
+        <p:nvSpPr>
+          <p:cNvPr id="7" name="Line Callout 1 6"/>
+          <p:cNvSpPr/>
+          <p:nvPr/>
+        </p:nvSpPr>
+        <p:spPr>
+          <a:xfrm>
+            <a:off x="6880928" y="4437133"/>
+            <a:ext cx="925189" cy="598810"/>
+          </a:xfrm>
+          <a:prstGeom prst="borderCallout1">
+            <a:avLst>
+              <a:gd name="adj1" fmla="val -27196"/>
+              <a:gd name="adj2" fmla="val 43987"/>
+              <a:gd name="adj3" fmla="val -110473"/>
+              <a:gd name="adj4" fmla="val 9404"/>
+            </a:avLst>
+          </a:prstGeom>
+          <a:solidFill>
+            <a:srgbClr val="C00000"/>
+          </a:solidFill>
+        </p:spPr>
+        <p:style>
+          <a:lnRef idx="2">
+            <a:schemeClr val="accent1">
+              <a:shade val="50000"/>
+            </a:schemeClr>
+          </a:lnRef>
+          <a:fillRef idx="1">
+            <a:schemeClr val="accent1"/>
+          </a:fillRef>
+          <a:effectRef idx="0">
+            <a:schemeClr val="accent1"/>
+          </a:effectRef>
+          <a:fontRef idx="minor">
+            <a:schemeClr val="lt1"/>
+          </a:fontRef>
+        </p:style>
+        <p:txBody>
+          <a:bodyPr rtlCol="0" anchor="ctr"/>
+          <a:lstStyle/>
+          <a:p>
+            <a:r>
+              <a:rPr lang="en-US" sz="1400" dirty="0">
+                <a:solidFill>
+                  <a:schemeClr val="tx1"/>
+                </a:solidFill>
+              </a:rPr>
+              <a:t>R</a:t>
+            </a:r>
+          </a:p>
+        </p:txBody>
+      </p:sp>
+      <p:sp>
+        <p:nvSpPr>
+          <p:cNvPr id="8" name="Left Brace 7"/>
+          <p:cNvSpPr/>
+          <p:nvPr/>
+        </p:nvSpPr>
+        <p:spPr>
+          <a:xfrm rot="16200000">
+            <a:off x="4669105" y="3309644"/>
+            <a:ext cx="331773" cy="914400"/>
+          </a:xfrm>
+          <a:prstGeom prst="leftBrace">
+            <a:avLst/>
+          </a:prstGeom>
+        </p:spPr>
+        <p:style>
+          <a:lnRef idx="1">
+            <a:schemeClr val="accent1"/>
+          </a:lnRef>
+          <a:fillRef idx="0">
+            <a:schemeClr val="accent1"/>
+          </a:fillRef>
+          <a:effectRef idx="0">
+            <a:schemeClr val="accent1"/>
+          </a:effectRef>
+          <a:fontRef idx="minor">
+            <a:schemeClr val="tx1"/>
+          </a:fontRef>
+        </p:style>
+        <p:txBody>
+          <a:bodyPr rtlCol="0" anchor="ctr"/>
+          <a:lstStyle/>
+          <a:p>
+            <a:pPr algn="ctr"/>
+            <a:endParaRPr lang="en-US"/>
+          </a:p>
+        </p:txBody>
+      </p:sp>
+      <p:sp>
+        <p:nvSpPr>
+          <p:cNvPr id="9" name="Left Brace 8"/>
+          <p:cNvSpPr/>
+          <p:nvPr/>
+        </p:nvSpPr>
+        <p:spPr>
+          <a:xfrm rot="16200000">
+            <a:off x="3607699" y="3308294"/>
+            <a:ext cx="331773" cy="914400"/>
+          </a:xfrm>
+          <a:prstGeom prst="leftBrace">
+            <a:avLst/>
+          </a:prstGeom>
+        </p:spPr>
+        <p:style>
+          <a:lnRef idx="1">
+            <a:schemeClr val="accent1"/>
+          </a:lnRef>
+          <a:fillRef idx="0">
+            <a:schemeClr val="accent1"/>
+          </a:fillRef>
+          <a:effectRef idx="0">
+            <a:schemeClr val="accent1"/>
+          </a:effectRef>
+          <a:fontRef idx="minor">
+            <a:schemeClr val="tx1"/>
+          </a:fontRef>
+        </p:style>
+        <p:txBody>
+          <a:bodyPr rtlCol="0" anchor="ctr"/>
+          <a:lstStyle/>
+          <a:p>
+            <a:pPr algn="ctr"/>
+            <a:endParaRPr lang="en-US"/>
+          </a:p>
+        </p:txBody>
+      </p:sp>
+      <p:sp>
+        <p:nvSpPr>
+          <p:cNvPr id="10" name="Left Brace 9"/>
+          <p:cNvSpPr/>
+          <p:nvPr/>
+        </p:nvSpPr>
+        <p:spPr>
+          <a:xfrm rot="16200000">
+            <a:off x="6696161" y="3289413"/>
+            <a:ext cx="331773" cy="534076"/>
+          </a:xfrm>
+          <a:prstGeom prst="leftBrace">
+            <a:avLst/>
+          </a:prstGeom>
+        </p:spPr>
+        <p:style>
+          <a:lnRef idx="1">
+            <a:schemeClr val="accent1"/>
+          </a:lnRef>
+          <a:fillRef idx="0">
+            <a:schemeClr val="accent1"/>
+          </a:fillRef>
+          <a:effectRef idx="0">
+            <a:schemeClr val="accent1"/>
+          </a:effectRef>
+          <a:fontRef idx="minor">
+            <a:schemeClr val="tx1"/>
+          </a:fontRef>
+        </p:style>
+        <p:txBody>
+          <a:bodyPr rtlCol="0" anchor="ctr"/>
+          <a:lstStyle/>
+          <a:p>
+            <a:pPr algn="ctr"/>
+            <a:endParaRPr lang="en-US"/>
+          </a:p>
+        </p:txBody>
+      </p:sp>
+      <p:sp>
+        <p:nvSpPr>
+          <p:cNvPr id="11" name="TextBox 10"/>
+          <p:cNvSpPr txBox="1"/>
+          <p:nvPr/>
+        </p:nvSpPr>
+        <p:spPr>
+          <a:xfrm>
+            <a:off x="8822967" y="1896773"/>
+            <a:ext cx="2099957" cy="923330"/>
           </a:xfrm>
           <a:prstGeom prst="rect">
             <a:avLst/>
@@ -12451,50 +13266,16 @@
           <a:lstStyle/>
           <a:p>
             <a:r>
-              <a:rPr lang="en-US" sz="2400" dirty="0">
-                <a:solidFill>
-                  <a:schemeClr val="accent2">
-                    <a:lumMod val="40000"/>
-                    <a:lumOff val="60000"/>
-                  </a:schemeClr>
-                </a:solidFill>
-              </a:rPr>
-              <a:t>From Galileo’s Notebook – </a:t>
-            </a:r>
-          </a:p>
-          <a:p>
-            <a:r>
-              <a:rPr lang="en-US" sz="2400" dirty="0">
-                <a:solidFill>
-                  <a:schemeClr val="accent2">
-                    <a:lumMod val="40000"/>
-                    <a:lumOff val="60000"/>
-                  </a:schemeClr>
-                </a:solidFill>
-              </a:rPr>
-              <a:t>Drawing’s of Jupiter’s satellites</a:t>
-            </a:r>
-            <a:r>
-              <a:rPr lang="en-US" sz="2400" b="1" dirty="0">
-                <a:solidFill>
-                  <a:schemeClr val="accent2">
-                    <a:lumMod val="40000"/>
-                    <a:lumOff val="60000"/>
-                  </a:schemeClr>
-                </a:solidFill>
-              </a:rPr>
-              <a:t>.</a:t>
-            </a:r>
-          </a:p>
-          <a:p>
-            <a:endParaRPr lang="en-US" dirty="0"/>
+              <a:rPr lang="en-US" dirty="0"/>
+              <a:t>Emphasizes multi-language support.</a:t>
+            </a:r>
           </a:p>
         </p:txBody>
       </p:sp>
     </p:spTree>
     <p:extLst>
       <p:ext uri="{BB962C8B-B14F-4D97-AF65-F5344CB8AC3E}">
-        <p14:creationId xmlns:p14="http://schemas.microsoft.com/office/powerpoint/2010/main" val="685574424"/>
+        <p14:creationId xmlns:p14="http://schemas.microsoft.com/office/powerpoint/2010/main" val="3967482130"/>
       </p:ext>
     </p:extLst>
   </p:cSld>
@@ -12533,8 +13314,8 @@
         </p:nvSpPr>
         <p:spPr>
           <a:xfrm>
-            <a:off x="0" y="0"/>
-            <a:ext cx="8825658" cy="776392"/>
+            <a:off x="232760" y="106974"/>
+            <a:ext cx="8825658" cy="765093"/>
           </a:xfrm>
         </p:spPr>
         <p:txBody>
@@ -12543,14 +13324,14 @@
           <a:p>
             <a:r>
               <a:rPr lang="en-US" sz="4400" dirty="0"/>
-              <a:t>What is Jupyter Notebook?</a:t>
+              <a:t>Why Notebook?</a:t>
             </a:r>
           </a:p>
         </p:txBody>
       </p:sp>
       <p:pic>
         <p:nvPicPr>
-          <p:cNvPr id="1026" name="Picture 2" descr="Image result for jupyter notebook r"/>
+          <p:cNvPr id="1026" name="Picture 2" descr="http://lowres-picturecabinet.com.s3-eu-west-1.amazonaws.com/43/main/13/92414.jpg"/>
           <p:cNvPicPr>
             <a:picLocks noChangeAspect="1" noChangeArrowheads="1"/>
           </p:cNvPicPr>
@@ -12571,8 +13352,8 @@
         </p:blipFill>
         <p:spPr bwMode="auto">
           <a:xfrm>
-            <a:off x="1385565" y="1092409"/>
-            <a:ext cx="7571823" cy="5676579"/>
+            <a:off x="2389050" y="1260937"/>
+            <a:ext cx="5913377" cy="5457441"/>
           </a:xfrm>
           <a:prstGeom prst="rect">
             <a:avLst/>
@@ -12591,168 +13372,14 @@
       </p:pic>
       <p:sp>
         <p:nvSpPr>
-          <p:cNvPr id="3" name="Line Callout 1 2"/>
-          <p:cNvSpPr/>
-          <p:nvPr/>
-        </p:nvSpPr>
-        <p:spPr>
-          <a:xfrm>
-            <a:off x="9297749" y="1699328"/>
-            <a:ext cx="1917812" cy="598810"/>
-          </a:xfrm>
-          <a:prstGeom prst="borderCallout1">
-            <a:avLst>
-              <a:gd name="adj1" fmla="val 18750"/>
-              <a:gd name="adj2" fmla="val -8333"/>
-              <a:gd name="adj3" fmla="val 54392"/>
-              <a:gd name="adj4" fmla="val -37489"/>
-            </a:avLst>
-          </a:prstGeom>
-          <a:solidFill>
-            <a:srgbClr val="C00000"/>
-          </a:solidFill>
-        </p:spPr>
-        <p:style>
-          <a:lnRef idx="2">
-            <a:schemeClr val="accent1">
-              <a:shade val="50000"/>
-            </a:schemeClr>
-          </a:lnRef>
-          <a:fillRef idx="1">
-            <a:schemeClr val="accent1"/>
-          </a:fillRef>
-          <a:effectRef idx="0">
-            <a:schemeClr val="accent1"/>
-          </a:effectRef>
-          <a:fontRef idx="minor">
-            <a:schemeClr val="lt1"/>
-          </a:fontRef>
-        </p:style>
-        <p:txBody>
-          <a:bodyPr rtlCol="0" anchor="ctr"/>
-          <a:lstStyle/>
-          <a:p>
-            <a:r>
-              <a:rPr lang="en-US" sz="1400" dirty="0"/>
-              <a:t>Command Prompt called a cell</a:t>
-            </a:r>
-          </a:p>
-        </p:txBody>
-      </p:sp>
-      <p:sp>
-        <p:nvSpPr>
-          <p:cNvPr id="6" name="Line Callout 1 5"/>
-          <p:cNvSpPr/>
-          <p:nvPr/>
-        </p:nvSpPr>
-        <p:spPr>
-          <a:xfrm>
-            <a:off x="6512741" y="3915198"/>
-            <a:ext cx="1917812" cy="598810"/>
-          </a:xfrm>
-          <a:prstGeom prst="borderCallout1">
-            <a:avLst>
-              <a:gd name="adj1" fmla="val 18750"/>
-              <a:gd name="adj2" fmla="val -8333"/>
-              <a:gd name="adj3" fmla="val 54392"/>
-              <a:gd name="adj4" fmla="val -37489"/>
-            </a:avLst>
-          </a:prstGeom>
-          <a:solidFill>
-            <a:srgbClr val="C00000"/>
-          </a:solidFill>
-        </p:spPr>
-        <p:style>
-          <a:lnRef idx="2">
-            <a:schemeClr val="accent1">
-              <a:shade val="50000"/>
-            </a:schemeClr>
-          </a:lnRef>
-          <a:fillRef idx="1">
-            <a:schemeClr val="accent1"/>
-          </a:fillRef>
-          <a:effectRef idx="0">
-            <a:schemeClr val="accent1"/>
-          </a:effectRef>
-          <a:fontRef idx="minor">
-            <a:schemeClr val="lt1"/>
-          </a:fontRef>
-        </p:style>
-        <p:txBody>
-          <a:bodyPr rtlCol="0" anchor="ctr"/>
-          <a:lstStyle/>
-          <a:p>
-            <a:r>
-              <a:rPr lang="en-US" sz="1400" dirty="0"/>
-              <a:t>Rich visualizations rendered inline.</a:t>
-            </a:r>
-          </a:p>
-        </p:txBody>
-      </p:sp>
-      <p:sp>
-        <p:nvSpPr>
-          <p:cNvPr id="7" name="Line Callout 1 6"/>
-          <p:cNvSpPr/>
-          <p:nvPr/>
-        </p:nvSpPr>
-        <p:spPr>
-          <a:xfrm>
-            <a:off x="6004516" y="793004"/>
-            <a:ext cx="1917812" cy="598810"/>
-          </a:xfrm>
-          <a:prstGeom prst="borderCallout1">
-            <a:avLst>
-              <a:gd name="adj1" fmla="val 18750"/>
-              <a:gd name="adj2" fmla="val -8333"/>
-              <a:gd name="adj3" fmla="val 131127"/>
-              <a:gd name="adj4" fmla="val -127037"/>
-            </a:avLst>
-          </a:prstGeom>
-          <a:solidFill>
-            <a:srgbClr val="C00000"/>
-          </a:solidFill>
-        </p:spPr>
-        <p:style>
-          <a:lnRef idx="2">
-            <a:schemeClr val="accent1">
-              <a:shade val="50000"/>
-            </a:schemeClr>
-          </a:lnRef>
-          <a:fillRef idx="1">
-            <a:schemeClr val="accent1"/>
-          </a:fillRef>
-          <a:effectRef idx="0">
-            <a:schemeClr val="accent1"/>
-          </a:effectRef>
-          <a:fontRef idx="minor">
-            <a:schemeClr val="lt1"/>
-          </a:fontRef>
-        </p:style>
-        <p:txBody>
-          <a:bodyPr rtlCol="0" anchor="ctr"/>
-          <a:lstStyle/>
-          <a:p>
-            <a:r>
-              <a:rPr lang="en-US" sz="1400" dirty="0">
-                <a:solidFill>
-                  <a:schemeClr val="tx1"/>
-                </a:solidFill>
-              </a:rPr>
-              <a:t>Execute the cell</a:t>
-            </a:r>
-          </a:p>
-        </p:txBody>
-      </p:sp>
-      <p:sp>
-        <p:nvSpPr>
-          <p:cNvPr id="5" name="TextBox 4"/>
+          <p:cNvPr id="4" name="TextBox 3"/>
           <p:cNvSpPr txBox="1"/>
           <p:nvPr/>
         </p:nvSpPr>
         <p:spPr>
           <a:xfrm>
-            <a:off x="9155164" y="3565093"/>
-            <a:ext cx="2784910" cy="2339102"/>
+            <a:off x="8570569" y="2027864"/>
+            <a:ext cx="2610049" cy="2215991"/>
           </a:xfrm>
           <a:prstGeom prst="rect">
             <a:avLst/>
@@ -12765,49 +13392,43 @@
           </a:bodyPr>
           <a:lstStyle/>
           <a:p>
-            <a:pPr marL="285750" indent="-285750">
-              <a:spcAft>
-                <a:spcPts val="1200"/>
-              </a:spcAft>
-              <a:buFont typeface="Arial" panose="020B0604020202020204" pitchFamily="34" charset="0"/>
-              <a:buChar char="•"/>
-            </a:pPr>
-            <a:r>
-              <a:rPr lang="en-US" sz="1400" b="1" dirty="0"/>
-              <a:t>Code executes in real time.</a:t>
-            </a:r>
-          </a:p>
-          <a:p>
-            <a:pPr marL="285750" indent="-285750">
-              <a:spcAft>
-                <a:spcPts val="1200"/>
-              </a:spcAft>
-              <a:buFont typeface="Arial" panose="020B0604020202020204" pitchFamily="34" charset="0"/>
-              <a:buChar char="•"/>
-            </a:pPr>
-            <a:r>
-              <a:rPr lang="en-US" sz="1400" b="1" dirty="0"/>
-              <a:t>Can go back, edit and re-run cells.</a:t>
-            </a:r>
-          </a:p>
-          <a:p>
-            <a:pPr marL="285750" indent="-285750">
-              <a:spcAft>
-                <a:spcPts val="1200"/>
-              </a:spcAft>
-              <a:buFont typeface="Arial" panose="020B0604020202020204" pitchFamily="34" charset="0"/>
-              <a:buChar char="•"/>
-            </a:pPr>
-            <a:r>
-              <a:rPr lang="en-US" sz="1400" b="1" dirty="0"/>
-              <a:t>Like a cross between a command line and Excel spreadsheet.</a:t>
-            </a:r>
-          </a:p>
-          <a:p>
-            <a:pPr marL="285750" indent="-285750">
-              <a:buFont typeface="Arial" panose="020B0604020202020204" pitchFamily="34" charset="0"/>
-              <a:buChar char="•"/>
-            </a:pPr>
+            <a:r>
+              <a:rPr lang="en-US" sz="2400" dirty="0">
+                <a:solidFill>
+                  <a:schemeClr val="accent2">
+                    <a:lumMod val="40000"/>
+                    <a:lumOff val="60000"/>
+                  </a:schemeClr>
+                </a:solidFill>
+              </a:rPr>
+              <a:t>From Galileo’s Notebook – </a:t>
+            </a:r>
+          </a:p>
+          <a:p>
+            <a:r>
+              <a:rPr lang="en-US" sz="2400" dirty="0">
+                <a:solidFill>
+                  <a:schemeClr val="accent2">
+                    <a:lumMod val="40000"/>
+                    <a:lumOff val="60000"/>
+                  </a:schemeClr>
+                </a:solidFill>
+              </a:rPr>
+              <a:t>Drawing’s of Jupiter’s satellites</a:t>
+            </a:r>
+            <a:r>
+              <a:rPr lang="en-US" sz="2400" b="1" dirty="0">
+                <a:solidFill>
+                  <a:schemeClr val="accent2">
+                    <a:lumMod val="40000"/>
+                    <a:lumOff val="60000"/>
+                  </a:schemeClr>
+                </a:solidFill>
+              </a:rPr>
+              <a:t>.</a:t>
+            </a:r>
+          </a:p>
+          <a:p>
             <a:endParaRPr lang="en-US" dirty="0"/>
           </a:p>
         </p:txBody>
@@ -12815,7 +13436,7 @@
     </p:spTree>
     <p:extLst>
       <p:ext uri="{BB962C8B-B14F-4D97-AF65-F5344CB8AC3E}">
-        <p14:creationId xmlns:p14="http://schemas.microsoft.com/office/powerpoint/2010/main" val="2143488689"/>
+        <p14:creationId xmlns:p14="http://schemas.microsoft.com/office/powerpoint/2010/main" val="685574424"/>
       </p:ext>
     </p:extLst>
   </p:cSld>
